--- a/src/site/numtheory/slides/ntjun05-induction.pptx
+++ b/src/site/numtheory/slides/ntjun05-induction.pptx
@@ -7,46 +7,25 @@
     <p:sldMasterId id="2147483768" r:id="rId3"/>
   </p:sldMasterIdLst>
   <p:notesMasterIdLst>
-    <p:notesMasterId r:id="rId38"/>
+    <p:notesMasterId r:id="rId17"/>
   </p:notesMasterIdLst>
   <p:handoutMasterIdLst>
-    <p:handoutMasterId r:id="rId39"/>
+    <p:handoutMasterId r:id="rId18"/>
   </p:handoutMasterIdLst>
   <p:sldIdLst>
     <p:sldId id="272" r:id="rId4"/>
-    <p:sldId id="627" r:id="rId5"/>
-    <p:sldId id="628" r:id="rId6"/>
-    <p:sldId id="645" r:id="rId7"/>
-    <p:sldId id="629" r:id="rId8"/>
-    <p:sldId id="647" r:id="rId9"/>
-    <p:sldId id="630" r:id="rId10"/>
-    <p:sldId id="646" r:id="rId11"/>
-    <p:sldId id="631" r:id="rId12"/>
-    <p:sldId id="648" r:id="rId13"/>
-    <p:sldId id="632" r:id="rId14"/>
-    <p:sldId id="649" r:id="rId15"/>
-    <p:sldId id="633" r:id="rId16"/>
-    <p:sldId id="650" r:id="rId17"/>
-    <p:sldId id="634" r:id="rId18"/>
-    <p:sldId id="651" r:id="rId19"/>
-    <p:sldId id="635" r:id="rId20"/>
-    <p:sldId id="652" r:id="rId21"/>
-    <p:sldId id="636" r:id="rId22"/>
-    <p:sldId id="654" r:id="rId23"/>
-    <p:sldId id="637" r:id="rId24"/>
-    <p:sldId id="653" r:id="rId25"/>
-    <p:sldId id="620" r:id="rId26"/>
-    <p:sldId id="621" r:id="rId27"/>
-    <p:sldId id="623" r:id="rId28"/>
-    <p:sldId id="622" r:id="rId29"/>
-    <p:sldId id="638" r:id="rId30"/>
-    <p:sldId id="639" r:id="rId31"/>
-    <p:sldId id="643" r:id="rId32"/>
-    <p:sldId id="644" r:id="rId33"/>
-    <p:sldId id="641" r:id="rId34"/>
-    <p:sldId id="624" r:id="rId35"/>
-    <p:sldId id="625" r:id="rId36"/>
-    <p:sldId id="626" r:id="rId37"/>
+    <p:sldId id="620" r:id="rId5"/>
+    <p:sldId id="621" r:id="rId6"/>
+    <p:sldId id="623" r:id="rId7"/>
+    <p:sldId id="622" r:id="rId8"/>
+    <p:sldId id="638" r:id="rId9"/>
+    <p:sldId id="639" r:id="rId10"/>
+    <p:sldId id="643" r:id="rId11"/>
+    <p:sldId id="644" r:id="rId12"/>
+    <p:sldId id="641" r:id="rId13"/>
+    <p:sldId id="624" r:id="rId14"/>
+    <p:sldId id="625" r:id="rId15"/>
+    <p:sldId id="626" r:id="rId16"/>
   </p:sldIdLst>
   <p:sldSz cx="9144000" cy="5143500" type="screen16x9"/>
   <p:notesSz cx="7099300" cy="10234613"/>
@@ -151,31 +130,6 @@
         <p14:section name="Default Section" id="{187E49C0-C4C8-4478-99D6-2E5493B833C7}">
           <p14:sldIdLst>
             <p14:sldId id="272"/>
-          </p14:sldIdLst>
-        </p14:section>
-        <p14:section name="Untitled Section" id="{38258594-9053-47A8-9720-592FDEA20686}">
-          <p14:sldIdLst>
-            <p14:sldId id="627"/>
-            <p14:sldId id="628"/>
-            <p14:sldId id="645"/>
-            <p14:sldId id="629"/>
-            <p14:sldId id="647"/>
-            <p14:sldId id="630"/>
-            <p14:sldId id="646"/>
-            <p14:sldId id="631"/>
-            <p14:sldId id="648"/>
-            <p14:sldId id="632"/>
-            <p14:sldId id="649"/>
-            <p14:sldId id="633"/>
-            <p14:sldId id="650"/>
-            <p14:sldId id="634"/>
-            <p14:sldId id="651"/>
-            <p14:sldId id="635"/>
-            <p14:sldId id="652"/>
-            <p14:sldId id="636"/>
-            <p14:sldId id="654"/>
-            <p14:sldId id="637"/>
-            <p14:sldId id="653"/>
           </p14:sldIdLst>
         </p14:section>
         <p14:section name="Untitled Section" id="{0D634564-40EC-4F4C-BE56-76B5E207A6EE}">
@@ -315,7 +269,7 @@
           <a:p>
             <a:fld id="{3E62D330-A21E-4CA8-B066-FB950CEE6323}" type="datetimeFigureOut">
               <a:rPr lang="en-GB" smtClean="0"/>
-              <a:t>21/04/2021</a:t>
+              <a:t>01/05/2021</a:t>
             </a:fld>
             <a:endParaRPr lang="en-GB"/>
           </a:p>
@@ -482,7 +436,7 @@
             <a:fld id="{6D4765DB-18AC-3F42-8A01-45EA04C553EE}" type="datetimeFigureOut">
               <a:rPr lang="en-US" smtClean="0"/>
               <a:pPr/>
-              <a:t>4/21/2021</a:t>
+              <a:t>5/1/2021</a:t>
             </a:fld>
             <a:endParaRPr lang="en-US"/>
           </a:p>
@@ -797,7 +751,321 @@
           <a:bodyPr/>
           <a:lstStyle/>
           <a:p>
-            <a:endParaRPr lang="lv-LV" baseline="0" dirty="0"/>
+            <a:r>
+              <a:rPr lang="en-US" sz="1200" kern="1200" dirty="0" smtClean="0">
+                <a:solidFill>
+                  <a:schemeClr val="tx1"/>
+                </a:solidFill>
+                <a:effectLst/>
+                <a:latin typeface="+mn-lt"/>
+                <a:ea typeface="+mn-ea"/>
+                <a:cs typeface="+mn-cs"/>
+              </a:rPr>
+              <a:t>1. </a:t>
+            </a:r>
+            <a:r>
+              <a:rPr lang="lv-LV" sz="1200" kern="1200" dirty="0" smtClean="0">
+                <a:solidFill>
+                  <a:schemeClr val="tx1"/>
+                </a:solidFill>
+                <a:effectLst/>
+                <a:latin typeface="+mn-lt"/>
+                <a:ea typeface="+mn-ea"/>
+                <a:cs typeface="+mn-cs"/>
+              </a:rPr>
+              <a:t>Induktīvā pāreja</a:t>
+            </a:r>
+            <a:endParaRPr lang="en-US" sz="1200" kern="1200" dirty="0" smtClean="0">
+              <a:solidFill>
+                <a:schemeClr val="tx1"/>
+              </a:solidFill>
+              <a:effectLst/>
+              <a:latin typeface="+mn-lt"/>
+              <a:ea typeface="+mn-ea"/>
+              <a:cs typeface="+mn-cs"/>
+            </a:endParaRPr>
+          </a:p>
+          <a:p>
+            <a:r>
+              <a:rPr lang="en-US" sz="1200" kern="1200" dirty="0" smtClean="0">
+                <a:solidFill>
+                  <a:schemeClr val="tx1"/>
+                </a:solidFill>
+                <a:effectLst/>
+                <a:latin typeface="+mn-lt"/>
+                <a:ea typeface="+mn-ea"/>
+                <a:cs typeface="+mn-cs"/>
+              </a:rPr>
+              <a:t>2.</a:t>
+            </a:r>
+            <a:r>
+              <a:rPr lang="en-US" sz="1200" kern="1200" baseline="0" dirty="0" smtClean="0">
+                <a:solidFill>
+                  <a:schemeClr val="tx1"/>
+                </a:solidFill>
+                <a:effectLst/>
+                <a:latin typeface="+mn-lt"/>
+                <a:ea typeface="+mn-ea"/>
+                <a:cs typeface="+mn-cs"/>
+              </a:rPr>
+              <a:t> </a:t>
+            </a:r>
+            <a:r>
+              <a:rPr lang="lv-LV" sz="1200" kern="1200" dirty="0" smtClean="0">
+                <a:solidFill>
+                  <a:schemeClr val="tx1"/>
+                </a:solidFill>
+                <a:effectLst/>
+                <a:latin typeface="+mn-lt"/>
+                <a:ea typeface="+mn-ea"/>
+                <a:cs typeface="+mn-cs"/>
+              </a:rPr>
+              <a:t>Induktīvā pāreja</a:t>
+            </a:r>
+            <a:endParaRPr lang="en-US" sz="1200" kern="1200" dirty="0" smtClean="0">
+              <a:solidFill>
+                <a:schemeClr val="tx1"/>
+              </a:solidFill>
+              <a:effectLst/>
+              <a:latin typeface="+mn-lt"/>
+              <a:ea typeface="+mn-ea"/>
+              <a:cs typeface="+mn-cs"/>
+            </a:endParaRPr>
+          </a:p>
+          <a:p>
+            <a:r>
+              <a:rPr lang="en-US" sz="1200" kern="1200" dirty="0" smtClean="0">
+                <a:solidFill>
+                  <a:schemeClr val="tx1"/>
+                </a:solidFill>
+                <a:effectLst/>
+                <a:latin typeface="+mn-lt"/>
+                <a:ea typeface="+mn-ea"/>
+                <a:cs typeface="+mn-cs"/>
+              </a:rPr>
+              <a:t>3.</a:t>
+            </a:r>
+            <a:r>
+              <a:rPr lang="en-US" sz="1200" kern="1200" baseline="0" dirty="0" smtClean="0">
+                <a:solidFill>
+                  <a:schemeClr val="tx1"/>
+                </a:solidFill>
+                <a:effectLst/>
+                <a:latin typeface="+mn-lt"/>
+                <a:ea typeface="+mn-ea"/>
+                <a:cs typeface="+mn-cs"/>
+              </a:rPr>
+              <a:t> </a:t>
+            </a:r>
+            <a:r>
+              <a:rPr lang="lv-LV" sz="1200" kern="1200" dirty="0" smtClean="0">
+                <a:solidFill>
+                  <a:schemeClr val="tx1"/>
+                </a:solidFill>
+                <a:effectLst/>
+                <a:latin typeface="+mn-lt"/>
+                <a:ea typeface="+mn-ea"/>
+                <a:cs typeface="+mn-cs"/>
+              </a:rPr>
+              <a:t>Induktīvā pāreja</a:t>
+            </a:r>
+            <a:endParaRPr lang="en-US" sz="1200" kern="1200" dirty="0" smtClean="0">
+              <a:solidFill>
+                <a:schemeClr val="tx1"/>
+              </a:solidFill>
+              <a:effectLst/>
+              <a:latin typeface="+mn-lt"/>
+              <a:ea typeface="+mn-ea"/>
+              <a:cs typeface="+mn-cs"/>
+            </a:endParaRPr>
+          </a:p>
+          <a:p>
+            <a:r>
+              <a:rPr lang="en-US" sz="1200" kern="1200" dirty="0" smtClean="0">
+                <a:solidFill>
+                  <a:schemeClr val="tx1"/>
+                </a:solidFill>
+                <a:effectLst/>
+                <a:latin typeface="+mn-lt"/>
+                <a:ea typeface="+mn-ea"/>
+                <a:cs typeface="+mn-cs"/>
+              </a:rPr>
+              <a:t>4.</a:t>
+            </a:r>
+            <a:r>
+              <a:rPr lang="en-US" sz="1200" kern="1200" baseline="0" dirty="0" smtClean="0">
+                <a:solidFill>
+                  <a:schemeClr val="tx1"/>
+                </a:solidFill>
+                <a:effectLst/>
+                <a:latin typeface="+mn-lt"/>
+                <a:ea typeface="+mn-ea"/>
+                <a:cs typeface="+mn-cs"/>
+              </a:rPr>
+              <a:t> </a:t>
+            </a:r>
+            <a:r>
+              <a:rPr lang="lv-LV" sz="1200" kern="1200" dirty="0" smtClean="0">
+                <a:solidFill>
+                  <a:schemeClr val="tx1"/>
+                </a:solidFill>
+                <a:effectLst/>
+                <a:latin typeface="+mn-lt"/>
+                <a:ea typeface="+mn-ea"/>
+                <a:cs typeface="+mn-cs"/>
+              </a:rPr>
+              <a:t>Izmainītu apgalvojumu induktīvie pierādījumi</a:t>
+            </a:r>
+            <a:endParaRPr lang="en-US" sz="1200" kern="1200" dirty="0" smtClean="0">
+              <a:solidFill>
+                <a:schemeClr val="tx1"/>
+              </a:solidFill>
+              <a:effectLst/>
+              <a:latin typeface="+mn-lt"/>
+              <a:ea typeface="+mn-ea"/>
+              <a:cs typeface="+mn-cs"/>
+            </a:endParaRPr>
+          </a:p>
+          <a:p>
+            <a:r>
+              <a:rPr lang="en-US" sz="1200" kern="1200" dirty="0" smtClean="0">
+                <a:solidFill>
+                  <a:schemeClr val="tx1"/>
+                </a:solidFill>
+                <a:effectLst/>
+                <a:latin typeface="+mn-lt"/>
+                <a:ea typeface="+mn-ea"/>
+                <a:cs typeface="+mn-cs"/>
+              </a:rPr>
+              <a:t>5.</a:t>
+            </a:r>
+            <a:r>
+              <a:rPr lang="en-US" sz="1200" kern="1200" baseline="0" dirty="0" smtClean="0">
+                <a:solidFill>
+                  <a:schemeClr val="tx1"/>
+                </a:solidFill>
+                <a:effectLst/>
+                <a:latin typeface="+mn-lt"/>
+                <a:ea typeface="+mn-ea"/>
+                <a:cs typeface="+mn-cs"/>
+              </a:rPr>
+              <a:t> </a:t>
+            </a:r>
+            <a:r>
+              <a:rPr lang="lv-LV" sz="1200" kern="1200" dirty="0" smtClean="0">
+                <a:solidFill>
+                  <a:schemeClr val="tx1"/>
+                </a:solidFill>
+                <a:effectLst/>
+                <a:latin typeface="+mn-lt"/>
+                <a:ea typeface="+mn-ea"/>
+                <a:cs typeface="+mn-cs"/>
+              </a:rPr>
+              <a:t>Induktīvās konstrukcijas</a:t>
+            </a:r>
+            <a:endParaRPr lang="en-US" sz="1200" kern="1200" dirty="0" smtClean="0">
+              <a:solidFill>
+                <a:schemeClr val="tx1"/>
+              </a:solidFill>
+              <a:effectLst/>
+              <a:latin typeface="+mn-lt"/>
+              <a:ea typeface="+mn-ea"/>
+              <a:cs typeface="+mn-cs"/>
+            </a:endParaRPr>
+          </a:p>
+          <a:p>
+            <a:r>
+              <a:rPr lang="en-US" sz="1200" kern="1200" dirty="0" smtClean="0">
+                <a:solidFill>
+                  <a:schemeClr val="tx1"/>
+                </a:solidFill>
+                <a:effectLst/>
+                <a:latin typeface="+mn-lt"/>
+                <a:ea typeface="+mn-ea"/>
+                <a:cs typeface="+mn-cs"/>
+              </a:rPr>
+              <a:t>6.</a:t>
+            </a:r>
+            <a:r>
+              <a:rPr lang="en-US" sz="1200" kern="1200" baseline="0" dirty="0" smtClean="0">
+                <a:solidFill>
+                  <a:schemeClr val="tx1"/>
+                </a:solidFill>
+                <a:effectLst/>
+                <a:latin typeface="+mn-lt"/>
+                <a:ea typeface="+mn-ea"/>
+                <a:cs typeface="+mn-cs"/>
+              </a:rPr>
+              <a:t> </a:t>
+            </a:r>
+            <a:r>
+              <a:rPr lang="lv-LV" sz="1200" kern="1200" dirty="0" smtClean="0">
+                <a:solidFill>
+                  <a:schemeClr val="tx1"/>
+                </a:solidFill>
+                <a:effectLst/>
+                <a:latin typeface="+mn-lt"/>
+                <a:ea typeface="+mn-ea"/>
+                <a:cs typeface="+mn-cs"/>
+              </a:rPr>
+              <a:t>Multiplikatīvā indukcija</a:t>
+            </a:r>
+            <a:endParaRPr lang="en-US" sz="1200" kern="1200" dirty="0" smtClean="0">
+              <a:solidFill>
+                <a:schemeClr val="tx1"/>
+              </a:solidFill>
+              <a:effectLst/>
+              <a:latin typeface="+mn-lt"/>
+              <a:ea typeface="+mn-ea"/>
+              <a:cs typeface="+mn-cs"/>
+            </a:endParaRPr>
+          </a:p>
+          <a:p>
+            <a:r>
+              <a:rPr lang="en-US" sz="1200" kern="1200" dirty="0" smtClean="0">
+                <a:solidFill>
+                  <a:schemeClr val="tx1"/>
+                </a:solidFill>
+                <a:effectLst/>
+                <a:latin typeface="+mn-lt"/>
+                <a:ea typeface="+mn-ea"/>
+                <a:cs typeface="+mn-cs"/>
+              </a:rPr>
+              <a:t>7.</a:t>
+            </a:r>
+            <a:r>
+              <a:rPr lang="en-US" sz="1200" kern="1200" baseline="0" dirty="0" smtClean="0">
+                <a:solidFill>
+                  <a:schemeClr val="tx1"/>
+                </a:solidFill>
+                <a:effectLst/>
+                <a:latin typeface="+mn-lt"/>
+                <a:ea typeface="+mn-ea"/>
+                <a:cs typeface="+mn-cs"/>
+              </a:rPr>
+              <a:t> </a:t>
+            </a:r>
+            <a:r>
+              <a:rPr lang="lv-LV" sz="1200" kern="1200" dirty="0" smtClean="0">
+                <a:solidFill>
+                  <a:schemeClr val="tx1"/>
+                </a:solidFill>
+                <a:effectLst/>
+                <a:latin typeface="+mn-lt"/>
+                <a:ea typeface="+mn-ea"/>
+                <a:cs typeface="+mn-cs"/>
+              </a:rPr>
+              <a:t>Indukcija pa cipariem skaitļa decimālajā pierakstā</a:t>
+            </a:r>
+            <a:endParaRPr lang="lv-LV" sz="1200" kern="1200" dirty="0">
+              <a:solidFill>
+                <a:schemeClr val="tx1"/>
+              </a:solidFill>
+              <a:effectLst/>
+              <a:latin typeface="+mn-lt"/>
+              <a:ea typeface="+mn-ea"/>
+              <a:cs typeface="+mn-cs"/>
+            </a:endParaRPr>
           </a:p>
         </p:txBody>
       </p:sp>
@@ -815,103 +1083,6 @@
 </file>
 
 <file path=ppt/notesSlides/notesSlide2.xml><?xml version="1.0" encoding="utf-8"?>
-<p:notes xmlns:a="http://schemas.openxmlformats.org/drawingml/2006/main" xmlns:r="http://schemas.openxmlformats.org/officeDocument/2006/relationships" xmlns:p="http://schemas.openxmlformats.org/presentationml/2006/main">
-  <p:cSld>
-    <p:spTree>
-      <p:nvGrpSpPr>
-        <p:cNvPr id="1" name=""/>
-        <p:cNvGrpSpPr/>
-        <p:nvPr/>
-      </p:nvGrpSpPr>
-      <p:grpSpPr>
-        <a:xfrm>
-          <a:off x="0" y="0"/>
-          <a:ext cx="0" cy="0"/>
-          <a:chOff x="0" y="0"/>
-          <a:chExt cx="0" cy="0"/>
-        </a:xfrm>
-      </p:grpSpPr>
-      <p:sp>
-        <p:nvSpPr>
-          <p:cNvPr id="2" name="Slide Image Placeholder 1"/>
-          <p:cNvSpPr>
-            <a:spLocks noGrp="1" noRot="1" noChangeAspect="1"/>
-          </p:cNvSpPr>
-          <p:nvPr>
-            <p:ph type="sldImg"/>
-          </p:nvPr>
-        </p:nvSpPr>
-        <p:spPr/>
-      </p:sp>
-      <p:sp>
-        <p:nvSpPr>
-          <p:cNvPr id="3" name="Notes Placeholder 2"/>
-          <p:cNvSpPr>
-            <a:spLocks noGrp="1"/>
-          </p:cNvSpPr>
-          <p:nvPr>
-            <p:ph type="body" idx="1"/>
-          </p:nvPr>
-        </p:nvSpPr>
-        <p:spPr/>
-        <p:txBody>
-          <a:bodyPr/>
-          <a:lstStyle/>
-          <a:p>
-            <a:pPr marL="0" marR="0" indent="0" algn="l" defTabSz="457200" rtl="0" eaLnBrk="1" fontAlgn="auto" latinLnBrk="0" hangingPunct="1">
-              <a:lnSpc>
-                <a:spcPct val="100000"/>
-              </a:lnSpc>
-              <a:spcBef>
-                <a:spcPts val="0"/>
-              </a:spcBef>
-              <a:spcAft>
-                <a:spcPts val="0"/>
-              </a:spcAft>
-              <a:buClrTx/>
-              <a:buSzTx/>
-              <a:buFontTx/>
-              <a:buNone/>
-              <a:tabLst/>
-              <a:defRPr/>
-            </a:pPr>
-            <a:r>
-              <a:rPr lang="lv-LV" dirty="0" smtClean="0"/>
-              <a:t>1,2,4,5,6,10,</a:t>
-            </a:r>
-            <a:r>
-              <a:rPr lang="lv-LV" baseline="0" dirty="0" smtClean="0"/>
-              <a:t> 1</a:t>
-            </a:r>
-            <a:r>
-              <a:rPr lang="lv-LV" dirty="0" smtClean="0"/>
-              <a:t>1,12,14,15,16,20,</a:t>
-            </a:r>
-            <a:r>
-              <a:rPr lang="lv-LV" baseline="0" dirty="0" smtClean="0"/>
-              <a:t> </a:t>
-            </a:r>
-            <a:endParaRPr lang="lv-LV" dirty="0" smtClean="0"/>
-          </a:p>
-          <a:p>
-            <a:endParaRPr lang="lv-LV" dirty="0"/>
-          </a:p>
-        </p:txBody>
-      </p:sp>
-    </p:spTree>
-    <p:extLst>
-      <p:ext uri="{BB962C8B-B14F-4D97-AF65-F5344CB8AC3E}">
-        <p14:creationId xmlns:p14="http://schemas.microsoft.com/office/powerpoint/2010/main" val="2391588040"/>
-      </p:ext>
-    </p:extLst>
-  </p:cSld>
-  <p:clrMapOvr>
-    <a:masterClrMapping/>
-  </p:clrMapOvr>
-</p:notes>
-</file>
-
-<file path=ppt/notesSlides/notesSlide3.xml><?xml version="1.0" encoding="utf-8"?>
 <p:notes xmlns:a="http://schemas.openxmlformats.org/drawingml/2006/main" xmlns:r="http://schemas.openxmlformats.org/officeDocument/2006/relationships" xmlns:p="http://schemas.openxmlformats.org/presentationml/2006/main">
   <p:cSld>
     <p:spTree>
@@ -976,7 +1147,7 @@
 </p:notes>
 </file>
 
-<file path=ppt/notesSlides/notesSlide4.xml><?xml version="1.0" encoding="utf-8"?>
+<file path=ppt/notesSlides/notesSlide3.xml><?xml version="1.0" encoding="utf-8"?>
 <p:notes xmlns:a="http://schemas.openxmlformats.org/drawingml/2006/main" xmlns:r="http://schemas.openxmlformats.org/officeDocument/2006/relationships" xmlns:p="http://schemas.openxmlformats.org/presentationml/2006/main">
   <p:cSld>
     <p:spTree>
@@ -1045,7 +1216,7 @@
 </p:notes>
 </file>
 
-<file path=ppt/notesSlides/notesSlide5.xml><?xml version="1.0" encoding="utf-8"?>
+<file path=ppt/notesSlides/notesSlide4.xml><?xml version="1.0" encoding="utf-8"?>
 <p:notes xmlns:a="http://schemas.openxmlformats.org/drawingml/2006/main" xmlns:r="http://schemas.openxmlformats.org/officeDocument/2006/relationships" xmlns:p="http://schemas.openxmlformats.org/presentationml/2006/main">
   <p:cSld>
     <p:spTree>
@@ -1120,7 +1291,7 @@
 </p:notes>
 </file>
 
-<file path=ppt/notesSlides/notesSlide6.xml><?xml version="1.0" encoding="utf-8"?>
+<file path=ppt/notesSlides/notesSlide5.xml><?xml version="1.0" encoding="utf-8"?>
 <p:notes xmlns:a="http://schemas.openxmlformats.org/drawingml/2006/main" xmlns:r="http://schemas.openxmlformats.org/officeDocument/2006/relationships" xmlns:p="http://schemas.openxmlformats.org/presentationml/2006/main">
   <p:cSld>
     <p:spTree>
@@ -1189,7 +1360,7 @@
 </p:notes>
 </file>
 
-<file path=ppt/notesSlides/notesSlide7.xml><?xml version="1.0" encoding="utf-8"?>
+<file path=ppt/notesSlides/notesSlide6.xml><?xml version="1.0" encoding="utf-8"?>
 <p:notes xmlns:a="http://schemas.openxmlformats.org/drawingml/2006/main" xmlns:r="http://schemas.openxmlformats.org/officeDocument/2006/relationships" xmlns:p="http://schemas.openxmlformats.org/presentationml/2006/main">
   <p:cSld>
     <p:spTree>
@@ -5649,56 +5820,776 @@
           <a:chExt cx="0" cy="0"/>
         </a:xfrm>
       </p:grpSpPr>
+      <mc:AlternateContent xmlns:mc="http://schemas.openxmlformats.org/markup-compatibility/2006" xmlns:a14="http://schemas.microsoft.com/office/drawing/2010/main">
+        <mc:Choice Requires="a14">
+          <p:sp>
+            <p:nvSpPr>
+              <p:cNvPr id="2" name="Content Placeholder 1"/>
+              <p:cNvSpPr>
+                <a:spLocks noGrp="1"/>
+              </p:cNvSpPr>
+              <p:nvPr>
+                <p:ph idx="1"/>
+              </p:nvPr>
+            </p:nvSpPr>
+            <p:spPr/>
+            <p:txBody>
+              <a:bodyPr>
+                <a:noAutofit/>
+              </a:bodyPr>
+              <a:lstStyle/>
+              <a:p>
+                <a:r>
+                  <a:rPr lang="lv-LV" dirty="0" smtClean="0"/>
+                  <a:t>Vienādojumam </a:t>
+                </a:r>
+                <a14:m>
+                  <m:oMath xmlns:m="http://schemas.openxmlformats.org/officeDocument/2006/math">
+                    <m:sSup>
+                      <m:sSupPr>
+                        <m:ctrlPr>
+                          <a:rPr lang="lv-LV" i="1" smtClean="0">
+                            <a:latin typeface="Cambria Math" panose="02040503050406030204" pitchFamily="18" charset="0"/>
+                          </a:rPr>
+                        </m:ctrlPr>
+                      </m:sSupPr>
+                      <m:e>
+                        <m:r>
+                          <a:rPr lang="lv-LV" b="0" i="1" smtClean="0">
+                            <a:latin typeface="Cambria Math" panose="02040503050406030204" pitchFamily="18" charset="0"/>
+                          </a:rPr>
+                          <m:t>𝑥</m:t>
+                        </m:r>
+                      </m:e>
+                      <m:sup>
+                        <m:r>
+                          <a:rPr lang="lv-LV" b="0" i="1" smtClean="0">
+                            <a:latin typeface="Cambria Math" panose="02040503050406030204" pitchFamily="18" charset="0"/>
+                          </a:rPr>
+                          <m:t>2</m:t>
+                        </m:r>
+                      </m:sup>
+                    </m:sSup>
+                    <m:r>
+                      <a:rPr lang="lv-LV" b="0" i="1" smtClean="0">
+                        <a:latin typeface="Cambria Math" panose="02040503050406030204" pitchFamily="18" charset="0"/>
+                      </a:rPr>
+                      <m:t>+1</m:t>
+                    </m:r>
+                    <m:r>
+                      <a:rPr lang="lv-LV" b="0" i="1" smtClean="0">
+                        <a:latin typeface="Cambria Math" panose="02040503050406030204" pitchFamily="18" charset="0"/>
+                        <a:ea typeface="Cambria Math" panose="02040503050406030204" pitchFamily="18" charset="0"/>
+                      </a:rPr>
+                      <m:t>≡</m:t>
+                    </m:r>
+                    <m:r>
+                      <a:rPr lang="lv-LV" b="0" i="1" smtClean="0">
+                        <a:latin typeface="Cambria Math" panose="02040503050406030204" pitchFamily="18" charset="0"/>
+                      </a:rPr>
+                      <m:t>0</m:t>
+                    </m:r>
+                  </m:oMath>
+                </a14:m>
+                <a:r>
+                  <a:rPr lang="lv-LV" dirty="0" smtClean="0"/>
+                  <a:t> eksistē atrisinājums (mod </a:t>
+                </a:r>
+                <a14:m>
+                  <m:oMath xmlns:m="http://schemas.openxmlformats.org/officeDocument/2006/math">
+                    <m:r>
+                      <a:rPr lang="lv-LV" i="1" dirty="0" smtClean="0">
+                        <a:latin typeface="Cambria Math" panose="02040503050406030204" pitchFamily="18" charset="0"/>
+                      </a:rPr>
+                      <m:t>5</m:t>
+                    </m:r>
+                  </m:oMath>
+                </a14:m>
+                <a:r>
+                  <a:rPr lang="lv-LV" dirty="0" smtClean="0"/>
+                  <a:t>):</a:t>
+                </a:r>
+              </a:p>
+              <a:p>
+                <a14:m>
+                  <m:oMath xmlns:m="http://schemas.openxmlformats.org/officeDocument/2006/math">
+                    <m:sSup>
+                      <m:sSupPr>
+                        <m:ctrlPr>
+                          <a:rPr lang="en-US" i="1" smtClean="0">
+                            <a:latin typeface="Cambria Math" panose="02040503050406030204" pitchFamily="18" charset="0"/>
+                          </a:rPr>
+                        </m:ctrlPr>
+                      </m:sSupPr>
+                      <m:e>
+                        <m:r>
+                          <a:rPr lang="lv-LV" b="0" i="1" smtClean="0">
+                            <a:latin typeface="Cambria Math" panose="02040503050406030204" pitchFamily="18" charset="0"/>
+                          </a:rPr>
+                          <m:t>2</m:t>
+                        </m:r>
+                      </m:e>
+                      <m:sup>
+                        <m:r>
+                          <a:rPr lang="lv-LV" b="0" i="1" smtClean="0">
+                            <a:latin typeface="Cambria Math" panose="02040503050406030204" pitchFamily="18" charset="0"/>
+                          </a:rPr>
+                          <m:t>2</m:t>
+                        </m:r>
+                      </m:sup>
+                    </m:sSup>
+                    <m:r>
+                      <a:rPr lang="lv-LV" b="0" i="1" smtClean="0">
+                        <a:latin typeface="Cambria Math" panose="02040503050406030204" pitchFamily="18" charset="0"/>
+                      </a:rPr>
+                      <m:t>+1 </m:t>
+                    </m:r>
+                    <m:r>
+                      <a:rPr lang="lv-LV" b="0" i="1" smtClean="0">
+                        <a:latin typeface="Cambria Math" panose="02040503050406030204" pitchFamily="18" charset="0"/>
+                        <a:ea typeface="Cambria Math" panose="02040503050406030204" pitchFamily="18" charset="0"/>
+                      </a:rPr>
+                      <m:t>≡0</m:t>
+                    </m:r>
+                  </m:oMath>
+                </a14:m>
+                <a:r>
+                  <a:rPr lang="lv-LV" dirty="0" smtClean="0"/>
+                  <a:t> un arī </a:t>
+                </a:r>
+                <a14:m>
+                  <m:oMath xmlns:m="http://schemas.openxmlformats.org/officeDocument/2006/math">
+                    <m:sSup>
+                      <m:sSupPr>
+                        <m:ctrlPr>
+                          <a:rPr lang="lv-LV" i="1" smtClean="0">
+                            <a:latin typeface="Cambria Math" panose="02040503050406030204" pitchFamily="18" charset="0"/>
+                          </a:rPr>
+                        </m:ctrlPr>
+                      </m:sSupPr>
+                      <m:e>
+                        <m:r>
+                          <a:rPr lang="lv-LV" b="0" i="1" smtClean="0">
+                            <a:latin typeface="Cambria Math" panose="02040503050406030204" pitchFamily="18" charset="0"/>
+                          </a:rPr>
+                          <m:t>3</m:t>
+                        </m:r>
+                      </m:e>
+                      <m:sup>
+                        <m:r>
+                          <a:rPr lang="lv-LV" b="0" i="1" smtClean="0">
+                            <a:latin typeface="Cambria Math" panose="02040503050406030204" pitchFamily="18" charset="0"/>
+                          </a:rPr>
+                          <m:t>2</m:t>
+                        </m:r>
+                      </m:sup>
+                    </m:sSup>
+                    <m:r>
+                      <a:rPr lang="lv-LV" b="0" i="1" smtClean="0">
+                        <a:latin typeface="Cambria Math" panose="02040503050406030204" pitchFamily="18" charset="0"/>
+                      </a:rPr>
+                      <m:t>+1</m:t>
+                    </m:r>
+                    <m:r>
+                      <a:rPr lang="lv-LV" b="0" i="1" smtClean="0">
+                        <a:latin typeface="Cambria Math" panose="02040503050406030204" pitchFamily="18" charset="0"/>
+                        <a:ea typeface="Cambria Math" panose="02040503050406030204" pitchFamily="18" charset="0"/>
+                      </a:rPr>
+                      <m:t>≡0</m:t>
+                    </m:r>
+                  </m:oMath>
+                </a14:m>
+                <a:r>
+                  <a:rPr lang="ru-RU" dirty="0" smtClean="0"/>
+                  <a:t> (</a:t>
+                </a:r>
+                <a:r>
+                  <a:rPr lang="en-US" dirty="0" smtClean="0"/>
+                  <a:t>mod </a:t>
+                </a:r>
+                <a14:m>
+                  <m:oMath xmlns:m="http://schemas.openxmlformats.org/officeDocument/2006/math">
+                    <m:r>
+                      <a:rPr lang="en-US" i="1" dirty="0" smtClean="0">
+                        <a:latin typeface="Cambria Math" panose="02040503050406030204" pitchFamily="18" charset="0"/>
+                      </a:rPr>
+                      <m:t>5</m:t>
+                    </m:r>
+                  </m:oMath>
+                </a14:m>
+                <a:r>
+                  <a:rPr lang="en-US" dirty="0" smtClean="0"/>
+                  <a:t>). Bet </a:t>
+                </a:r>
+                <a:r>
+                  <a:rPr lang="lv-LV" dirty="0" smtClean="0"/>
+                  <a:t>šie atrisinājumi precīzi neatbilst jau pie (mod </a:t>
+                </a:r>
+                <a14:m>
+                  <m:oMath xmlns:m="http://schemas.openxmlformats.org/officeDocument/2006/math">
+                    <m:r>
+                      <a:rPr lang="lv-LV" i="1" dirty="0" smtClean="0">
+                        <a:latin typeface="Cambria Math" panose="02040503050406030204" pitchFamily="18" charset="0"/>
+                      </a:rPr>
+                      <m:t>25</m:t>
+                    </m:r>
+                  </m:oMath>
+                </a14:m>
+                <a:r>
+                  <a:rPr lang="lv-LV" dirty="0" smtClean="0"/>
+                  <a:t>). </a:t>
+                </a:r>
+              </a:p>
+              <a:p>
+                <a:pPr marL="672274" lvl="3" indent="0">
+                  <a:buNone/>
+                </a:pPr>
+                <a14:m>
+                  <m:oMathPara xmlns:m="http://schemas.openxmlformats.org/officeDocument/2006/math">
+                    <m:oMathParaPr>
+                      <m:jc m:val="left"/>
+                    </m:oMathParaPr>
+                    <m:oMath xmlns:m="http://schemas.openxmlformats.org/officeDocument/2006/math">
+                      <m:sSup>
+                        <m:sSupPr>
+                          <m:ctrlPr>
+                            <a:rPr lang="en-US" i="1" smtClean="0">
+                              <a:latin typeface="Cambria Math" panose="02040503050406030204" pitchFamily="18" charset="0"/>
+                            </a:rPr>
+                          </m:ctrlPr>
+                        </m:sSupPr>
+                        <m:e>
+                          <m:d>
+                            <m:dPr>
+                              <m:ctrlPr>
+                                <a:rPr lang="en-US" i="1">
+                                  <a:latin typeface="Cambria Math" panose="02040503050406030204" pitchFamily="18" charset="0"/>
+                                </a:rPr>
+                              </m:ctrlPr>
+                            </m:dPr>
+                            <m:e>
+                              <m:r>
+                                <a:rPr lang="lv-LV" i="1">
+                                  <a:latin typeface="Cambria Math" panose="02040503050406030204" pitchFamily="18" charset="0"/>
+                                </a:rPr>
+                                <m:t>2+1</m:t>
+                              </m:r>
+                              <m:r>
+                                <a:rPr lang="lv-LV" i="1">
+                                  <a:latin typeface="Cambria Math" panose="02040503050406030204" pitchFamily="18" charset="0"/>
+                                  <a:ea typeface="Cambria Math" panose="02040503050406030204" pitchFamily="18" charset="0"/>
+                                </a:rPr>
+                                <m:t>∙5</m:t>
+                              </m:r>
+                            </m:e>
+                          </m:d>
+                        </m:e>
+                        <m:sup>
+                          <m:r>
+                            <a:rPr lang="lv-LV" b="0" i="1" smtClean="0">
+                              <a:latin typeface="Cambria Math" panose="02040503050406030204" pitchFamily="18" charset="0"/>
+                            </a:rPr>
+                            <m:t>2</m:t>
+                          </m:r>
+                        </m:sup>
+                      </m:sSup>
+                      <m:r>
+                        <a:rPr lang="lv-LV" b="0" i="1" smtClean="0">
+                          <a:latin typeface="Cambria Math" panose="02040503050406030204" pitchFamily="18" charset="0"/>
+                        </a:rPr>
+                        <m:t>+1</m:t>
+                      </m:r>
+                      <m:r>
+                        <a:rPr lang="lv-LV" b="0" i="1" smtClean="0">
+                          <a:latin typeface="Cambria Math" panose="02040503050406030204" pitchFamily="18" charset="0"/>
+                          <a:ea typeface="Cambria Math" panose="02040503050406030204" pitchFamily="18" charset="0"/>
+                        </a:rPr>
+                        <m:t>≡0  </m:t>
+                      </m:r>
+                      <m:d>
+                        <m:dPr>
+                          <m:ctrlPr>
+                            <a:rPr lang="lv-LV" b="0" i="1" smtClean="0">
+                              <a:latin typeface="Cambria Math" panose="02040503050406030204" pitchFamily="18" charset="0"/>
+                              <a:ea typeface="Cambria Math" panose="02040503050406030204" pitchFamily="18" charset="0"/>
+                            </a:rPr>
+                          </m:ctrlPr>
+                        </m:dPr>
+                        <m:e>
+                          <m:r>
+                            <m:rPr>
+                              <m:sty m:val="p"/>
+                            </m:rPr>
+                            <a:rPr lang="lv-LV" b="0" i="0" smtClean="0">
+                              <a:latin typeface="Cambria Math" panose="02040503050406030204" pitchFamily="18" charset="0"/>
+                              <a:ea typeface="Cambria Math" panose="02040503050406030204" pitchFamily="18" charset="0"/>
+                            </a:rPr>
+                            <m:t>mod</m:t>
+                          </m:r>
+                          <m:r>
+                            <a:rPr lang="lv-LV" b="0" i="1" smtClean="0">
+                              <a:latin typeface="Cambria Math" panose="02040503050406030204" pitchFamily="18" charset="0"/>
+                              <a:ea typeface="Cambria Math" panose="02040503050406030204" pitchFamily="18" charset="0"/>
+                            </a:rPr>
+                            <m:t> </m:t>
+                          </m:r>
+                          <m:sSup>
+                            <m:sSupPr>
+                              <m:ctrlPr>
+                                <a:rPr lang="lv-LV" b="0" i="1" smtClean="0">
+                                  <a:latin typeface="Cambria Math" panose="02040503050406030204" pitchFamily="18" charset="0"/>
+                                  <a:ea typeface="Cambria Math" panose="02040503050406030204" pitchFamily="18" charset="0"/>
+                                </a:rPr>
+                              </m:ctrlPr>
+                            </m:sSupPr>
+                            <m:e>
+                              <m:r>
+                                <a:rPr lang="lv-LV" b="0" i="1" smtClean="0">
+                                  <a:latin typeface="Cambria Math" panose="02040503050406030204" pitchFamily="18" charset="0"/>
+                                  <a:ea typeface="Cambria Math" panose="02040503050406030204" pitchFamily="18" charset="0"/>
+                                </a:rPr>
+                                <m:t>5</m:t>
+                              </m:r>
+                            </m:e>
+                            <m:sup>
+                              <m:r>
+                                <a:rPr lang="lv-LV" b="0" i="1" smtClean="0">
+                                  <a:latin typeface="Cambria Math" panose="02040503050406030204" pitchFamily="18" charset="0"/>
+                                  <a:ea typeface="Cambria Math" panose="02040503050406030204" pitchFamily="18" charset="0"/>
+                                </a:rPr>
+                                <m:t>2</m:t>
+                              </m:r>
+                            </m:sup>
+                          </m:sSup>
+                        </m:e>
+                      </m:d>
+                    </m:oMath>
+                  </m:oMathPara>
+                </a14:m>
+                <a:endParaRPr lang="lv-LV" b="0" i="1" dirty="0" smtClean="0">
+                  <a:latin typeface="Cambria Math" panose="02040503050406030204" pitchFamily="18" charset="0"/>
+                  <a:ea typeface="Cambria Math" panose="02040503050406030204" pitchFamily="18" charset="0"/>
+                </a:endParaRPr>
+              </a:p>
+              <a:p>
+                <a:pPr marL="672274" lvl="3" indent="0">
+                  <a:buNone/>
+                </a:pPr>
+                <a14:m>
+                  <m:oMathPara xmlns:m="http://schemas.openxmlformats.org/officeDocument/2006/math">
+                    <m:oMathParaPr>
+                      <m:jc m:val="left"/>
+                    </m:oMathParaPr>
+                    <m:oMath xmlns:m="http://schemas.openxmlformats.org/officeDocument/2006/math">
+                      <m:sSup>
+                        <m:sSupPr>
+                          <m:ctrlPr>
+                            <a:rPr lang="en-US" i="1" smtClean="0">
+                              <a:latin typeface="Cambria Math" panose="02040503050406030204" pitchFamily="18" charset="0"/>
+                            </a:rPr>
+                          </m:ctrlPr>
+                        </m:sSupPr>
+                        <m:e>
+                          <m:d>
+                            <m:dPr>
+                              <m:ctrlPr>
+                                <a:rPr lang="en-US" i="1" smtClean="0">
+                                  <a:latin typeface="Cambria Math" panose="02040503050406030204" pitchFamily="18" charset="0"/>
+                                </a:rPr>
+                              </m:ctrlPr>
+                            </m:dPr>
+                            <m:e>
+                              <m:r>
+                                <a:rPr lang="lv-LV" b="0" i="1" smtClean="0">
+                                  <a:latin typeface="Cambria Math" panose="02040503050406030204" pitchFamily="18" charset="0"/>
+                                </a:rPr>
+                                <m:t>2+1</m:t>
+                              </m:r>
+                              <m:r>
+                                <a:rPr lang="lv-LV" b="0" i="1" smtClean="0">
+                                  <a:latin typeface="Cambria Math" panose="02040503050406030204" pitchFamily="18" charset="0"/>
+                                  <a:ea typeface="Cambria Math" panose="02040503050406030204" pitchFamily="18" charset="0"/>
+                                </a:rPr>
+                                <m:t>∙5+2∙</m:t>
+                              </m:r>
+                              <m:sSup>
+                                <m:sSupPr>
+                                  <m:ctrlPr>
+                                    <a:rPr lang="lv-LV" b="0" i="1" smtClean="0">
+                                      <a:latin typeface="Cambria Math" panose="02040503050406030204" pitchFamily="18" charset="0"/>
+                                      <a:ea typeface="Cambria Math" panose="02040503050406030204" pitchFamily="18" charset="0"/>
+                                    </a:rPr>
+                                  </m:ctrlPr>
+                                </m:sSupPr>
+                                <m:e>
+                                  <m:r>
+                                    <a:rPr lang="lv-LV" b="0" i="1" smtClean="0">
+                                      <a:latin typeface="Cambria Math" panose="02040503050406030204" pitchFamily="18" charset="0"/>
+                                      <a:ea typeface="Cambria Math" panose="02040503050406030204" pitchFamily="18" charset="0"/>
+                                    </a:rPr>
+                                    <m:t>5</m:t>
+                                  </m:r>
+                                </m:e>
+                                <m:sup>
+                                  <m:r>
+                                    <a:rPr lang="lv-LV" b="0" i="1" smtClean="0">
+                                      <a:latin typeface="Cambria Math" panose="02040503050406030204" pitchFamily="18" charset="0"/>
+                                      <a:ea typeface="Cambria Math" panose="02040503050406030204" pitchFamily="18" charset="0"/>
+                                    </a:rPr>
+                                    <m:t>2</m:t>
+                                  </m:r>
+                                </m:sup>
+                              </m:sSup>
+                            </m:e>
+                          </m:d>
+                        </m:e>
+                        <m:sup>
+                          <m:r>
+                            <a:rPr lang="lv-LV" b="0" i="1" smtClean="0">
+                              <a:latin typeface="Cambria Math" panose="02040503050406030204" pitchFamily="18" charset="0"/>
+                            </a:rPr>
+                            <m:t>2</m:t>
+                          </m:r>
+                        </m:sup>
+                      </m:sSup>
+                      <m:r>
+                        <a:rPr lang="lv-LV" b="0" i="1" smtClean="0">
+                          <a:latin typeface="Cambria Math" panose="02040503050406030204" pitchFamily="18" charset="0"/>
+                        </a:rPr>
+                        <m:t>+1</m:t>
+                      </m:r>
+                      <m:r>
+                        <a:rPr lang="lv-LV" b="0" i="1" smtClean="0">
+                          <a:latin typeface="Cambria Math" panose="02040503050406030204" pitchFamily="18" charset="0"/>
+                          <a:ea typeface="Cambria Math" panose="02040503050406030204" pitchFamily="18" charset="0"/>
+                        </a:rPr>
+                        <m:t>≡0  </m:t>
+                      </m:r>
+                      <m:d>
+                        <m:dPr>
+                          <m:ctrlPr>
+                            <a:rPr lang="lv-LV" b="0" i="1" smtClean="0">
+                              <a:latin typeface="Cambria Math" panose="02040503050406030204" pitchFamily="18" charset="0"/>
+                              <a:ea typeface="Cambria Math" panose="02040503050406030204" pitchFamily="18" charset="0"/>
+                            </a:rPr>
+                          </m:ctrlPr>
+                        </m:dPr>
+                        <m:e>
+                          <m:r>
+                            <m:rPr>
+                              <m:sty m:val="p"/>
+                            </m:rPr>
+                            <a:rPr lang="lv-LV" b="0" i="0" smtClean="0">
+                              <a:latin typeface="Cambria Math" panose="02040503050406030204" pitchFamily="18" charset="0"/>
+                              <a:ea typeface="Cambria Math" panose="02040503050406030204" pitchFamily="18" charset="0"/>
+                            </a:rPr>
+                            <m:t>mod</m:t>
+                          </m:r>
+                          <m:r>
+                            <a:rPr lang="lv-LV" b="0" i="1" smtClean="0">
+                              <a:latin typeface="Cambria Math" panose="02040503050406030204" pitchFamily="18" charset="0"/>
+                              <a:ea typeface="Cambria Math" panose="02040503050406030204" pitchFamily="18" charset="0"/>
+                            </a:rPr>
+                            <m:t> </m:t>
+                          </m:r>
+                          <m:sSup>
+                            <m:sSupPr>
+                              <m:ctrlPr>
+                                <a:rPr lang="lv-LV" b="0" i="1" smtClean="0">
+                                  <a:latin typeface="Cambria Math" panose="02040503050406030204" pitchFamily="18" charset="0"/>
+                                  <a:ea typeface="Cambria Math" panose="02040503050406030204" pitchFamily="18" charset="0"/>
+                                </a:rPr>
+                              </m:ctrlPr>
+                            </m:sSupPr>
+                            <m:e>
+                              <m:r>
+                                <a:rPr lang="lv-LV" b="0" i="1" smtClean="0">
+                                  <a:latin typeface="Cambria Math" panose="02040503050406030204" pitchFamily="18" charset="0"/>
+                                  <a:ea typeface="Cambria Math" panose="02040503050406030204" pitchFamily="18" charset="0"/>
+                                </a:rPr>
+                                <m:t>5</m:t>
+                              </m:r>
+                            </m:e>
+                            <m:sup>
+                              <m:r>
+                                <a:rPr lang="lv-LV" b="0" i="1" smtClean="0">
+                                  <a:latin typeface="Cambria Math" panose="02040503050406030204" pitchFamily="18" charset="0"/>
+                                  <a:ea typeface="Cambria Math" panose="02040503050406030204" pitchFamily="18" charset="0"/>
+                                </a:rPr>
+                                <m:t>3</m:t>
+                              </m:r>
+                            </m:sup>
+                          </m:sSup>
+                        </m:e>
+                      </m:d>
+                    </m:oMath>
+                  </m:oMathPara>
+                </a14:m>
+                <a:endParaRPr lang="lv-LV" b="0" i="1" dirty="0" smtClean="0">
+                  <a:latin typeface="Cambria Math" panose="02040503050406030204" pitchFamily="18" charset="0"/>
+                  <a:ea typeface="Cambria Math" panose="02040503050406030204" pitchFamily="18" charset="0"/>
+                </a:endParaRPr>
+              </a:p>
+              <a:p>
+                <a:pPr marL="672274" lvl="3" indent="0">
+                  <a:buNone/>
+                </a:pPr>
+                <a14:m>
+                  <m:oMathPara xmlns:m="http://schemas.openxmlformats.org/officeDocument/2006/math">
+                    <m:oMathParaPr>
+                      <m:jc m:val="left"/>
+                    </m:oMathParaPr>
+                    <m:oMath xmlns:m="http://schemas.openxmlformats.org/officeDocument/2006/math">
+                      <m:sSup>
+                        <m:sSupPr>
+                          <m:ctrlPr>
+                            <a:rPr lang="lv-LV" i="1" smtClean="0">
+                              <a:latin typeface="Cambria Math" panose="02040503050406030204" pitchFamily="18" charset="0"/>
+                            </a:rPr>
+                          </m:ctrlPr>
+                        </m:sSupPr>
+                        <m:e>
+                          <m:d>
+                            <m:dPr>
+                              <m:ctrlPr>
+                                <a:rPr lang="lv-LV" i="1" smtClean="0">
+                                  <a:latin typeface="Cambria Math" panose="02040503050406030204" pitchFamily="18" charset="0"/>
+                                </a:rPr>
+                              </m:ctrlPr>
+                            </m:dPr>
+                            <m:e>
+                              <m:r>
+                                <a:rPr lang="lv-LV" i="1">
+                                  <a:latin typeface="Cambria Math" panose="02040503050406030204" pitchFamily="18" charset="0"/>
+                                </a:rPr>
+                                <m:t>2+1</m:t>
+                              </m:r>
+                              <m:r>
+                                <a:rPr lang="lv-LV" i="1">
+                                  <a:latin typeface="Cambria Math" panose="02040503050406030204" pitchFamily="18" charset="0"/>
+                                  <a:ea typeface="Cambria Math" panose="02040503050406030204" pitchFamily="18" charset="0"/>
+                                </a:rPr>
+                                <m:t>∙5+2∙</m:t>
+                              </m:r>
+                              <m:sSup>
+                                <m:sSupPr>
+                                  <m:ctrlPr>
+                                    <a:rPr lang="lv-LV" i="1">
+                                      <a:latin typeface="Cambria Math" panose="02040503050406030204" pitchFamily="18" charset="0"/>
+                                      <a:ea typeface="Cambria Math" panose="02040503050406030204" pitchFamily="18" charset="0"/>
+                                    </a:rPr>
+                                  </m:ctrlPr>
+                                </m:sSupPr>
+                                <m:e>
+                                  <m:r>
+                                    <a:rPr lang="lv-LV" i="1">
+                                      <a:latin typeface="Cambria Math" panose="02040503050406030204" pitchFamily="18" charset="0"/>
+                                      <a:ea typeface="Cambria Math" panose="02040503050406030204" pitchFamily="18" charset="0"/>
+                                    </a:rPr>
+                                    <m:t>5</m:t>
+                                  </m:r>
+                                </m:e>
+                                <m:sup>
+                                  <m:r>
+                                    <a:rPr lang="lv-LV" i="1">
+                                      <a:latin typeface="Cambria Math" panose="02040503050406030204" pitchFamily="18" charset="0"/>
+                                      <a:ea typeface="Cambria Math" panose="02040503050406030204" pitchFamily="18" charset="0"/>
+                                    </a:rPr>
+                                    <m:t>2</m:t>
+                                  </m:r>
+                                </m:sup>
+                              </m:sSup>
+                              <m:r>
+                                <a:rPr lang="lv-LV" b="0" i="1" smtClean="0">
+                                  <a:latin typeface="Cambria Math" panose="02040503050406030204" pitchFamily="18" charset="0"/>
+                                  <a:ea typeface="Cambria Math" panose="02040503050406030204" pitchFamily="18" charset="0"/>
+                                </a:rPr>
+                                <m:t>+1∙</m:t>
+                              </m:r>
+                              <m:sSup>
+                                <m:sSupPr>
+                                  <m:ctrlPr>
+                                    <a:rPr lang="lv-LV" b="0" i="1" smtClean="0">
+                                      <a:latin typeface="Cambria Math" panose="02040503050406030204" pitchFamily="18" charset="0"/>
+                                      <a:ea typeface="Cambria Math" panose="02040503050406030204" pitchFamily="18" charset="0"/>
+                                    </a:rPr>
+                                  </m:ctrlPr>
+                                </m:sSupPr>
+                                <m:e>
+                                  <m:r>
+                                    <a:rPr lang="lv-LV" b="0" i="1" smtClean="0">
+                                      <a:latin typeface="Cambria Math" panose="02040503050406030204" pitchFamily="18" charset="0"/>
+                                      <a:ea typeface="Cambria Math" panose="02040503050406030204" pitchFamily="18" charset="0"/>
+                                    </a:rPr>
+                                    <m:t>5</m:t>
+                                  </m:r>
+                                </m:e>
+                                <m:sup>
+                                  <m:r>
+                                    <a:rPr lang="lv-LV" b="0" i="1" smtClean="0">
+                                      <a:latin typeface="Cambria Math" panose="02040503050406030204" pitchFamily="18" charset="0"/>
+                                      <a:ea typeface="Cambria Math" panose="02040503050406030204" pitchFamily="18" charset="0"/>
+                                    </a:rPr>
+                                    <m:t>3</m:t>
+                                  </m:r>
+                                </m:sup>
+                              </m:sSup>
+                            </m:e>
+                          </m:d>
+                        </m:e>
+                        <m:sup>
+                          <m:r>
+                            <a:rPr lang="lv-LV" b="0" i="1" smtClean="0">
+                              <a:latin typeface="Cambria Math" panose="02040503050406030204" pitchFamily="18" charset="0"/>
+                            </a:rPr>
+                            <m:t>2</m:t>
+                          </m:r>
+                        </m:sup>
+                      </m:sSup>
+                      <m:r>
+                        <a:rPr lang="lv-LV" b="0" i="1" smtClean="0">
+                          <a:latin typeface="Cambria Math" panose="02040503050406030204" pitchFamily="18" charset="0"/>
+                        </a:rPr>
+                        <m:t>+1 </m:t>
+                      </m:r>
+                      <m:r>
+                        <a:rPr lang="lv-LV" b="0" i="1" smtClean="0">
+                          <a:latin typeface="Cambria Math" panose="02040503050406030204" pitchFamily="18" charset="0"/>
+                          <a:ea typeface="Cambria Math" panose="02040503050406030204" pitchFamily="18" charset="0"/>
+                        </a:rPr>
+                        <m:t>≡0 (</m:t>
+                      </m:r>
+                      <m:r>
+                        <m:rPr>
+                          <m:sty m:val="p"/>
+                        </m:rPr>
+                        <a:rPr lang="lv-LV" b="0" i="0" smtClean="0">
+                          <a:latin typeface="Cambria Math" panose="02040503050406030204" pitchFamily="18" charset="0"/>
+                          <a:ea typeface="Cambria Math" panose="02040503050406030204" pitchFamily="18" charset="0"/>
+                        </a:rPr>
+                        <m:t>mod</m:t>
+                      </m:r>
+                      <m:r>
+                        <a:rPr lang="lv-LV" b="0" i="1" smtClean="0">
+                          <a:latin typeface="Cambria Math" panose="02040503050406030204" pitchFamily="18" charset="0"/>
+                          <a:ea typeface="Cambria Math" panose="02040503050406030204" pitchFamily="18" charset="0"/>
+                        </a:rPr>
+                        <m:t> </m:t>
+                      </m:r>
+                      <m:sSup>
+                        <m:sSupPr>
+                          <m:ctrlPr>
+                            <a:rPr lang="lv-LV" b="0" i="1" smtClean="0">
+                              <a:latin typeface="Cambria Math" panose="02040503050406030204" pitchFamily="18" charset="0"/>
+                              <a:ea typeface="Cambria Math" panose="02040503050406030204" pitchFamily="18" charset="0"/>
+                            </a:rPr>
+                          </m:ctrlPr>
+                        </m:sSupPr>
+                        <m:e>
+                          <m:r>
+                            <a:rPr lang="lv-LV" b="0" i="1" smtClean="0">
+                              <a:latin typeface="Cambria Math" panose="02040503050406030204" pitchFamily="18" charset="0"/>
+                              <a:ea typeface="Cambria Math" panose="02040503050406030204" pitchFamily="18" charset="0"/>
+                            </a:rPr>
+                            <m:t>5</m:t>
+                          </m:r>
+                        </m:e>
+                        <m:sup>
+                          <m:r>
+                            <a:rPr lang="lv-LV" b="0" i="1" smtClean="0">
+                              <a:latin typeface="Cambria Math" panose="02040503050406030204" pitchFamily="18" charset="0"/>
+                              <a:ea typeface="Cambria Math" panose="02040503050406030204" pitchFamily="18" charset="0"/>
+                            </a:rPr>
+                            <m:t>4</m:t>
+                          </m:r>
+                        </m:sup>
+                      </m:sSup>
+                      <m:r>
+                        <a:rPr lang="lv-LV" b="0" i="1" smtClean="0">
+                          <a:latin typeface="Cambria Math" panose="02040503050406030204" pitchFamily="18" charset="0"/>
+                          <a:ea typeface="Cambria Math" panose="02040503050406030204" pitchFamily="18" charset="0"/>
+                        </a:rPr>
+                        <m:t>)</m:t>
+                      </m:r>
+                    </m:oMath>
+                  </m:oMathPara>
+                </a14:m>
+                <a:endParaRPr lang="lv-LV" dirty="0" smtClean="0"/>
+              </a:p>
+              <a:p>
+                <a:r>
+                  <a:rPr lang="lv-LV" dirty="0" smtClean="0"/>
+                  <a:t>Pakāpeniska atrisinājuma precizēšana līdzinās mēģinājumam tuvināti atrast </a:t>
+                </a:r>
+                <a14:m>
+                  <m:oMath xmlns:m="http://schemas.openxmlformats.org/officeDocument/2006/math">
+                    <m:rad>
+                      <m:radPr>
+                        <m:degHide m:val="on"/>
+                        <m:ctrlPr>
+                          <a:rPr lang="lv-LV" i="1" smtClean="0">
+                            <a:latin typeface="Cambria Math" panose="02040503050406030204" pitchFamily="18" charset="0"/>
+                          </a:rPr>
+                        </m:ctrlPr>
+                      </m:radPr>
+                      <m:deg/>
+                      <m:e>
+                        <m:r>
+                          <a:rPr lang="lv-LV" b="0" i="1" smtClean="0">
+                            <a:latin typeface="Cambria Math" panose="02040503050406030204" pitchFamily="18" charset="0"/>
+                          </a:rPr>
+                          <m:t>−1</m:t>
+                        </m:r>
+                      </m:e>
+                    </m:rad>
+                  </m:oMath>
+                </a14:m>
+                <a:r>
+                  <a:rPr lang="lv-LV" dirty="0" smtClean="0"/>
+                  <a:t>, soli pa solim uzlabojot dalāmību ar 5.</a:t>
+                </a:r>
+                <a:endParaRPr lang="en-US" dirty="0"/>
+              </a:p>
+            </p:txBody>
+          </p:sp>
+        </mc:Choice>
+        <mc:Fallback xmlns="">
+          <p:sp>
+            <p:nvSpPr>
+              <p:cNvPr id="2" name="Content Placeholder 1"/>
+              <p:cNvSpPr>
+                <a:spLocks noGrp="1" noRot="1" noChangeAspect="1" noMove="1" noResize="1" noEditPoints="1" noAdjustHandles="1" noChangeArrowheads="1" noChangeShapeType="1" noTextEdit="1"/>
+              </p:cNvSpPr>
+              <p:nvPr>
+                <p:ph idx="1"/>
+              </p:nvPr>
+            </p:nvSpPr>
+            <p:spPr>
+              <a:blipFill>
+                <a:blip r:embed="rId3"/>
+                <a:stretch>
+                  <a:fillRect l="-2163" t="-2318" r="-1658"/>
+                </a:stretch>
+              </a:blipFill>
+            </p:spPr>
+            <p:txBody>
+              <a:bodyPr/>
+              <a:lstStyle/>
+              <a:p>
+                <a:r>
+                  <a:rPr lang="lv-LV">
+                    <a:noFill/>
+                  </a:rPr>
+                  <a:t> </a:t>
+                </a:r>
+              </a:p>
+            </p:txBody>
+          </p:sp>
+        </mc:Fallback>
+      </mc:AlternateContent>
       <p:sp>
         <p:nvSpPr>
-          <p:cNvPr id="6" name="Content Placeholder 5"/>
-          <p:cNvSpPr>
-            <a:spLocks noGrp="1"/>
-          </p:cNvSpPr>
-          <p:nvPr>
-            <p:ph idx="1"/>
-          </p:nvPr>
-        </p:nvSpPr>
-        <p:spPr/>
-        <p:txBody>
-          <a:bodyPr/>
-          <a:lstStyle/>
-          <a:p>
-            <a:r>
-              <a:rPr lang="lv-LV" b="1" dirty="0" smtClean="0"/>
-              <a:t>Ieteikums:</a:t>
-            </a:r>
-            <a:r>
-              <a:rPr lang="lv-LV" dirty="0" smtClean="0"/>
-              <a:t> Izteikt a ar kubisku vienādojumu, minēt saknes.</a:t>
-            </a:r>
-          </a:p>
-          <a:p>
-            <a:r>
-              <a:rPr lang="lv-LV" b="1" dirty="0" smtClean="0"/>
-              <a:t>Ieteikums:</a:t>
-            </a:r>
-            <a:r>
-              <a:rPr lang="lv-LV" dirty="0" smtClean="0"/>
-              <a:t> Kāpināt zelta attiecību kvadrātā.</a:t>
-            </a:r>
-          </a:p>
-          <a:p>
-            <a:r>
-              <a:rPr lang="lv-LV" b="1" dirty="0" smtClean="0"/>
-              <a:t>Ieteikums:</a:t>
-            </a:r>
-            <a:r>
-              <a:rPr lang="lv-LV" dirty="0" smtClean="0"/>
-              <a:t> Vienkāršot izteiksmi ar Ņūtona binoma formulu.</a:t>
-            </a:r>
-            <a:endParaRPr lang="lv-LV" dirty="0"/>
-          </a:p>
-        </p:txBody>
-      </p:sp>
-      <p:sp>
-        <p:nvSpPr>
-          <p:cNvPr id="5" name="Title 4"/>
+          <p:cNvPr id="3" name="Title 2"/>
           <p:cNvSpPr>
             <a:spLocks noGrp="1"/>
           </p:cNvSpPr>
@@ -5711,14 +6602,18 @@
           <a:bodyPr/>
           <a:lstStyle/>
           <a:p>
-            <a:endParaRPr lang="lv-LV"/>
+            <a:r>
+              <a:rPr lang="lv-LV" dirty="0" smtClean="0"/>
+              <a:t>«Kvadrātvienādojumi» kongruencēm</a:t>
+            </a:r>
+            <a:endParaRPr lang="en-US" dirty="0"/>
           </a:p>
         </p:txBody>
       </p:sp>
     </p:spTree>
     <p:extLst>
       <p:ext uri="{BB962C8B-B14F-4D97-AF65-F5344CB8AC3E}">
-        <p14:creationId xmlns:p14="http://schemas.microsoft.com/office/powerpoint/2010/main" val="2763291115"/>
+        <p14:creationId xmlns:p14="http://schemas.microsoft.com/office/powerpoint/2010/main" val="1623055655"/>
       </p:ext>
     </p:extLst>
   </p:cSld>
@@ -5756,7 +6651,7 @@
         <mc:Choice Requires="a14">
           <p:sp>
             <p:nvSpPr>
-              <p:cNvPr id="6" name="Content Placeholder 5"/>
+              <p:cNvPr id="2" name="Content Placeholder 1"/>
               <p:cNvSpPr>
                 <a:spLocks noGrp="1"/>
               </p:cNvSpPr>
@@ -5766,12 +6661,14 @@
             </p:nvSpPr>
             <p:spPr/>
             <p:txBody>
-              <a:bodyPr/>
+              <a:bodyPr>
+                <a:noAutofit/>
+              </a:bodyPr>
               <a:lstStyle/>
               <a:p>
                 <a:r>
-                  <a:rPr lang="lv-LV" dirty="0" smtClean="0"/>
-                  <a:t>Atrast mazāko naturālo skaitli </a:t>
+                  <a:rPr lang="lv-LV" dirty="0"/>
+                  <a:t>Pierādiet, ka katrai augošai aritmētiskai progresijai, kas sastāv no naturāliem skaitļiem, eksistē </a:t>
                 </a:r>
                 <a14:m>
                   <m:oMath xmlns:m="http://schemas.openxmlformats.org/officeDocument/2006/math">
@@ -5779,87 +6676,13 @@
                       <a:rPr lang="lv-LV" i="1" dirty="0" smtClean="0">
                         <a:latin typeface="Cambria Math" panose="02040503050406030204" pitchFamily="18" charset="0"/>
                       </a:rPr>
-                      <m:t>𝑘</m:t>
+                      <m:t>100</m:t>
                     </m:r>
                   </m:oMath>
                 </a14:m>
                 <a:r>
                   <a:rPr lang="lv-LV" dirty="0"/>
-                  <a:t>, pie kura vienādojumam </a:t>
-                </a:r>
-                <a:endParaRPr lang="lv-LV" dirty="0" smtClean="0"/>
-              </a:p>
-              <a:p>
-                <a:pPr/>
-                <a14:m>
-                  <m:oMathPara xmlns:m="http://schemas.openxmlformats.org/officeDocument/2006/math">
-                    <m:oMathParaPr>
-                      <m:jc m:val="centerGroup"/>
-                    </m:oMathParaPr>
-                    <m:oMath xmlns:m="http://schemas.openxmlformats.org/officeDocument/2006/math">
-                      <m:d>
-                        <m:dPr>
-                          <m:begChr m:val="⌊"/>
-                          <m:endChr m:val="⌋"/>
-                          <m:ctrlPr>
-                            <a:rPr lang="lv-LV" i="1" smtClean="0">
-                              <a:latin typeface="Cambria Math" panose="02040503050406030204" pitchFamily="18" charset="0"/>
-                            </a:rPr>
-                          </m:ctrlPr>
-                        </m:dPr>
-                        <m:e>
-                          <m:f>
-                            <m:fPr>
-                              <m:ctrlPr>
-                                <a:rPr lang="lv-LV" i="1" smtClean="0">
-                                  <a:latin typeface="Cambria Math" panose="02040503050406030204" pitchFamily="18" charset="0"/>
-                                </a:rPr>
-                              </m:ctrlPr>
-                            </m:fPr>
-                            <m:num>
-                              <m:r>
-                                <a:rPr lang="lv-LV" b="0" i="1" smtClean="0">
-                                  <a:latin typeface="Cambria Math" panose="02040503050406030204" pitchFamily="18" charset="0"/>
-                                </a:rPr>
-                                <m:t>2021</m:t>
-                              </m:r>
-                            </m:num>
-                            <m:den>
-                              <m:r>
-                                <a:rPr lang="lv-LV" b="0" i="1" smtClean="0">
-                                  <a:latin typeface="Cambria Math" panose="02040503050406030204" pitchFamily="18" charset="0"/>
-                                </a:rPr>
-                                <m:t>𝑛</m:t>
-                              </m:r>
-                            </m:den>
-                          </m:f>
-                        </m:e>
-                      </m:d>
-                      <m:r>
-                        <a:rPr lang="lv-LV" b="0" i="1" smtClean="0">
-                          <a:latin typeface="Cambria Math" panose="02040503050406030204" pitchFamily="18" charset="0"/>
-                        </a:rPr>
-                        <m:t>=</m:t>
-                      </m:r>
-                      <m:r>
-                        <a:rPr lang="lv-LV" b="0" i="1" smtClean="0">
-                          <a:latin typeface="Cambria Math" panose="02040503050406030204" pitchFamily="18" charset="0"/>
-                        </a:rPr>
-                        <m:t>𝑘</m:t>
-                      </m:r>
-                    </m:oMath>
-                  </m:oMathPara>
-                </a14:m>
-                <a:endParaRPr lang="lv-LV" dirty="0"/>
-              </a:p>
-              <a:p>
-                <a:r>
-                  <a:rPr lang="lv-LV" dirty="0" smtClean="0"/>
-                  <a:t>nav </a:t>
-                </a:r>
-                <a:r>
-                  <a:rPr lang="lv-LV" dirty="0"/>
-                  <a:t>atrisinājuma veselos skaitļos.</a:t>
+                  <a:t> pēc kārtas sekojoši locekļi, kas visi ir salikti skaitļi.</a:t>
                 </a:r>
               </a:p>
             </p:txBody>
@@ -5868,7 +6691,7 @@
         <mc:Fallback xmlns="">
           <p:sp>
             <p:nvSpPr>
-              <p:cNvPr id="6" name="Content Placeholder 5"/>
+              <p:cNvPr id="2" name="Content Placeholder 1"/>
               <p:cNvSpPr>
                 <a:spLocks noGrp="1" noRot="1" noChangeAspect="1" noMove="1" noResize="1" noEditPoints="1" noAdjustHandles="1" noChangeArrowheads="1" noChangeShapeType="1" noTextEdit="1"/>
               </p:cNvSpPr>
@@ -5880,7 +6703,7 @@
               <a:blipFill>
                 <a:blip r:embed="rId2"/>
                 <a:stretch>
-                  <a:fillRect l="-2163" t="-2318"/>
+                  <a:fillRect l="-2163" t="-2318" r="-2596"/>
                 </a:stretch>
               </a:blipFill>
             </p:spPr>
@@ -5901,7 +6724,7 @@
       </mc:AlternateContent>
       <p:sp>
         <p:nvSpPr>
-          <p:cNvPr id="5" name="Title 4"/>
+          <p:cNvPr id="4" name="Title 3"/>
           <p:cNvSpPr>
             <a:spLocks noGrp="1"/>
           </p:cNvSpPr>
@@ -5914,18 +6737,14 @@
           <a:bodyPr/>
           <a:lstStyle/>
           <a:p>
-            <a:r>
-              <a:rPr lang="lv-LV" dirty="0" smtClean="0"/>
-              <a:t>Quiz2021#4.5</a:t>
-            </a:r>
-            <a:endParaRPr lang="lv-LV" dirty="0"/>
+            <a:endParaRPr lang="lv-LV"/>
           </a:p>
         </p:txBody>
       </p:sp>
     </p:spTree>
     <p:extLst>
       <p:ext uri="{BB962C8B-B14F-4D97-AF65-F5344CB8AC3E}">
-        <p14:creationId xmlns:p14="http://schemas.microsoft.com/office/powerpoint/2010/main" val="1515289845"/>
+        <p14:creationId xmlns:p14="http://schemas.microsoft.com/office/powerpoint/2010/main" val="1842813357"/>
       </p:ext>
     </p:extLst>
   </p:cSld>
@@ -5963,7 +6782,7 @@
         <mc:Choice Requires="a14">
           <p:sp>
             <p:nvSpPr>
-              <p:cNvPr id="6" name="Content Placeholder 5"/>
+              <p:cNvPr id="2" name="Content Placeholder 1"/>
               <p:cNvSpPr>
                 <a:spLocks noGrp="1"/>
               </p:cNvSpPr>
@@ -5973,98 +6792,104 @@
             </p:nvSpPr>
             <p:spPr/>
             <p:txBody>
-              <a:bodyPr/>
+              <a:bodyPr>
+                <a:noAutofit/>
+              </a:bodyPr>
               <a:lstStyle/>
               <a:p>
                 <a:r>
-                  <a:rPr lang="lv-LV" b="1" dirty="0" smtClean="0"/>
-                  <a:t>Ieteikums: </a:t>
+                  <a:rPr lang="lv-LV" dirty="0" smtClean="0"/>
+                  <a:t>Pierādiet, ka no skaitļiem </a:t>
+                </a:r>
+                <a14:m>
+                  <m:oMath xmlns:m="http://schemas.openxmlformats.org/officeDocument/2006/math">
+                    <m:r>
+                      <a:rPr lang="lv-LV" i="1" dirty="0" smtClean="0">
+                        <a:latin typeface="Cambria Math" panose="02040503050406030204" pitchFamily="18" charset="0"/>
+                      </a:rPr>
+                      <m:t>1,2,3,</m:t>
+                    </m:r>
+                    <m:r>
+                      <a:rPr lang="lv-LV" i="1" dirty="0" smtClean="0">
+                        <a:latin typeface="Cambria Math" panose="02040503050406030204" pitchFamily="18" charset="0"/>
+                        <a:ea typeface="Cambria Math" panose="02040503050406030204" pitchFamily="18" charset="0"/>
+                      </a:rPr>
+                      <m:t>⋯</m:t>
+                    </m:r>
+                    <m:r>
+                      <a:rPr lang="lv-LV" i="1" dirty="0" smtClean="0">
+                        <a:latin typeface="Cambria Math" panose="02040503050406030204" pitchFamily="18" charset="0"/>
+                      </a:rPr>
+                      <m:t>,</m:t>
+                    </m:r>
+                    <m:sSup>
+                      <m:sSupPr>
+                        <m:ctrlPr>
+                          <a:rPr lang="lv-LV" i="1" dirty="0" smtClean="0">
+                            <a:latin typeface="Cambria Math" panose="02040503050406030204" pitchFamily="18" charset="0"/>
+                          </a:rPr>
+                        </m:ctrlPr>
+                      </m:sSupPr>
+                      <m:e>
+                        <m:r>
+                          <a:rPr lang="en-US" b="0" i="1" dirty="0" smtClean="0">
+                            <a:latin typeface="Cambria Math" panose="02040503050406030204" pitchFamily="18" charset="0"/>
+                          </a:rPr>
+                          <m:t>3</m:t>
+                        </m:r>
+                      </m:e>
+                      <m:sup>
+                        <m:r>
+                          <a:rPr lang="en-US" b="0" i="1" dirty="0" smtClean="0">
+                            <a:latin typeface="Cambria Math" panose="02040503050406030204" pitchFamily="18" charset="0"/>
+                          </a:rPr>
+                          <m:t>𝑛</m:t>
+                        </m:r>
+                      </m:sup>
+                    </m:sSup>
+                  </m:oMath>
+                </a14:m>
+                <a:r>
+                  <a:rPr lang="lv-LV" dirty="0" smtClean="0"/>
+                  <a:t> </a:t>
                 </a:r>
                 <a:r>
-                  <a:rPr lang="lv-LV" dirty="0" smtClean="0"/>
-                  <a:t>Risinām nevienādību:</a:t>
+                  <a:rPr lang="lv-LV" dirty="0"/>
+                  <a:t>var izvēlēties </a:t>
                 </a:r>
-              </a:p>
-              <a:p>
-                <a:pPr/>
                 <a14:m>
-                  <m:oMathPara xmlns:m="http://schemas.openxmlformats.org/officeDocument/2006/math">
-                    <m:oMathParaPr>
-                      <m:jc m:val="centerGroup"/>
-                    </m:oMathParaPr>
-                    <m:oMath xmlns:m="http://schemas.openxmlformats.org/officeDocument/2006/math">
-                      <m:f>
-                        <m:fPr>
-                          <m:ctrlPr>
-                            <a:rPr lang="lv-LV" i="1">
-                              <a:latin typeface="Cambria Math" panose="02040503050406030204" pitchFamily="18" charset="0"/>
-                            </a:rPr>
-                          </m:ctrlPr>
-                        </m:fPr>
-                        <m:num>
-                          <m:r>
-                            <a:rPr lang="lv-LV" i="1">
-                              <a:latin typeface="Cambria Math" panose="02040503050406030204" pitchFamily="18" charset="0"/>
-                            </a:rPr>
-                            <m:t>2021</m:t>
-                          </m:r>
-                        </m:num>
-                        <m:den>
-                          <m:r>
-                            <a:rPr lang="lv-LV" b="0" i="1" smtClean="0">
-                              <a:latin typeface="Cambria Math" panose="02040503050406030204" pitchFamily="18" charset="0"/>
-                            </a:rPr>
-                            <m:t>𝑛</m:t>
-                          </m:r>
-                        </m:den>
-                      </m:f>
-                      <m:r>
-                        <a:rPr lang="lv-LV" b="0" i="1" smtClean="0">
-                          <a:latin typeface="Cambria Math" panose="02040503050406030204" pitchFamily="18" charset="0"/>
-                        </a:rPr>
-                        <m:t>−</m:t>
-                      </m:r>
-                      <m:f>
-                        <m:fPr>
-                          <m:ctrlPr>
-                            <a:rPr lang="lv-LV" i="1">
-                              <a:latin typeface="Cambria Math" panose="02040503050406030204" pitchFamily="18" charset="0"/>
-                            </a:rPr>
-                          </m:ctrlPr>
-                        </m:fPr>
-                        <m:num>
-                          <m:r>
-                            <a:rPr lang="lv-LV" i="1">
-                              <a:latin typeface="Cambria Math" panose="02040503050406030204" pitchFamily="18" charset="0"/>
-                            </a:rPr>
-                            <m:t>2021</m:t>
-                          </m:r>
-                        </m:num>
-                        <m:den>
-                          <m:r>
-                            <a:rPr lang="lv-LV" i="1">
-                              <a:latin typeface="Cambria Math" panose="02040503050406030204" pitchFamily="18" charset="0"/>
-                            </a:rPr>
-                            <m:t>𝑛</m:t>
-                          </m:r>
-                          <m:r>
-                            <a:rPr lang="lv-LV" b="0" i="1" smtClean="0">
-                              <a:latin typeface="Cambria Math" panose="02040503050406030204" pitchFamily="18" charset="0"/>
-                            </a:rPr>
-                            <m:t>+1</m:t>
-                          </m:r>
-                        </m:den>
-                      </m:f>
-                      <m:r>
-                        <a:rPr lang="lv-LV" b="0" i="1" smtClean="0">
-                          <a:latin typeface="Cambria Math" panose="02040503050406030204" pitchFamily="18" charset="0"/>
-                        </a:rPr>
-                        <m:t>&gt;1</m:t>
-                      </m:r>
-                    </m:oMath>
-                  </m:oMathPara>
+                  <m:oMath xmlns:m="http://schemas.openxmlformats.org/officeDocument/2006/math">
+                    <m:sSup>
+                      <m:sSupPr>
+                        <m:ctrlPr>
+                          <a:rPr lang="lv-LV" i="1" smtClean="0">
+                            <a:latin typeface="Cambria Math" panose="02040503050406030204" pitchFamily="18" charset="0"/>
+                          </a:rPr>
+                        </m:ctrlPr>
+                      </m:sSupPr>
+                      <m:e>
+                        <m:r>
+                          <a:rPr lang="en-US" b="0" i="1" smtClean="0">
+                            <a:latin typeface="Cambria Math" panose="02040503050406030204" pitchFamily="18" charset="0"/>
+                          </a:rPr>
+                          <m:t>2</m:t>
+                        </m:r>
+                      </m:e>
+                      <m:sup>
+                        <m:r>
+                          <a:rPr lang="en-US" b="0" i="1" smtClean="0">
+                            <a:latin typeface="Cambria Math" panose="02040503050406030204" pitchFamily="18" charset="0"/>
+                          </a:rPr>
+                          <m:t>𝑛</m:t>
+                        </m:r>
+                      </m:sup>
+                    </m:sSup>
+                  </m:oMath>
                 </a14:m>
-                <a:endParaRPr lang="lv-LV" dirty="0"/>
+                <a:r>
+                  <a:rPr lang="lv-LV" dirty="0"/>
+                  <a:t> skaitļus tā, ka nekādi trīs no tiem neveido aritmētisko progresiju.</a:t>
+                </a:r>
               </a:p>
             </p:txBody>
           </p:sp>
@@ -6072,7 +6897,7 @@
         <mc:Fallback xmlns="">
           <p:sp>
             <p:nvSpPr>
-              <p:cNvPr id="6" name="Content Placeholder 5"/>
+              <p:cNvPr id="2" name="Content Placeholder 1"/>
               <p:cNvSpPr>
                 <a:spLocks noGrp="1" noRot="1" noChangeAspect="1" noMove="1" noResize="1" noEditPoints="1" noAdjustHandles="1" noChangeArrowheads="1" noChangeShapeType="1" noTextEdit="1"/>
               </p:cNvSpPr>
@@ -6084,415 +6909,7 @@
               <a:blipFill>
                 <a:blip r:embed="rId2"/>
                 <a:stretch>
-                  <a:fillRect l="-2163" t="-2318"/>
-                </a:stretch>
-              </a:blipFill>
-            </p:spPr>
-            <p:txBody>
-              <a:bodyPr/>
-              <a:lstStyle/>
-              <a:p>
-                <a:r>
-                  <a:rPr lang="lv-LV">
-                    <a:noFill/>
-                  </a:rPr>
-                  <a:t> </a:t>
-                </a:r>
-              </a:p>
-            </p:txBody>
-          </p:sp>
-        </mc:Fallback>
-      </mc:AlternateContent>
-      <p:sp>
-        <p:nvSpPr>
-          <p:cNvPr id="5" name="Title 4"/>
-          <p:cNvSpPr>
-            <a:spLocks noGrp="1"/>
-          </p:cNvSpPr>
-          <p:nvPr>
-            <p:ph type="title"/>
-          </p:nvPr>
-        </p:nvSpPr>
-        <p:spPr/>
-        <p:txBody>
-          <a:bodyPr/>
-          <a:lstStyle/>
-          <a:p>
-            <a:endParaRPr lang="lv-LV"/>
-          </a:p>
-        </p:txBody>
-      </p:sp>
-    </p:spTree>
-    <p:extLst>
-      <p:ext uri="{BB962C8B-B14F-4D97-AF65-F5344CB8AC3E}">
-        <p14:creationId xmlns:p14="http://schemas.microsoft.com/office/powerpoint/2010/main" val="2619950997"/>
-      </p:ext>
-    </p:extLst>
-  </p:cSld>
-  <p:clrMapOvr>
-    <a:masterClrMapping/>
-  </p:clrMapOvr>
-  <p:timing>
-    <p:tnLst>
-      <p:par>
-        <p:cTn id="1" dur="indefinite" restart="never" nodeType="tmRoot"/>
-      </p:par>
-    </p:tnLst>
-  </p:timing>
-</p:sld>
-</file>
-
-<file path=ppt/slides/slide13.xml><?xml version="1.0" encoding="utf-8"?>
-<p:sld xmlns:a="http://schemas.openxmlformats.org/drawingml/2006/main" xmlns:r="http://schemas.openxmlformats.org/officeDocument/2006/relationships" xmlns:p="http://schemas.openxmlformats.org/presentationml/2006/main">
-  <p:cSld>
-    <p:spTree>
-      <p:nvGrpSpPr>
-        <p:cNvPr id="1" name=""/>
-        <p:cNvGrpSpPr/>
-        <p:nvPr/>
-      </p:nvGrpSpPr>
-      <p:grpSpPr>
-        <a:xfrm>
-          <a:off x="0" y="0"/>
-          <a:ext cx="0" cy="0"/>
-          <a:chOff x="0" y="0"/>
-          <a:chExt cx="0" cy="0"/>
-        </a:xfrm>
-      </p:grpSpPr>
-      <mc:AlternateContent xmlns:mc="http://schemas.openxmlformats.org/markup-compatibility/2006" xmlns:a14="http://schemas.microsoft.com/office/drawing/2010/main">
-        <mc:Choice Requires="a14">
-          <p:sp>
-            <p:nvSpPr>
-              <p:cNvPr id="5" name="Content Placeholder 4"/>
-              <p:cNvSpPr>
-                <a:spLocks noGrp="1"/>
-              </p:cNvSpPr>
-              <p:nvPr>
-                <p:ph idx="1"/>
-              </p:nvPr>
-            </p:nvSpPr>
-            <p:spPr/>
-            <p:txBody>
-              <a:bodyPr/>
-              <a:lstStyle/>
-              <a:p>
-                <a:r>
-                  <a:rPr lang="lv-LV" dirty="0" smtClean="0"/>
-                  <a:t>Dots, ka </a:t>
-                </a:r>
-                <a14:m>
-                  <m:oMath xmlns:m="http://schemas.openxmlformats.org/officeDocument/2006/math">
-                    <m:func>
-                      <m:funcPr>
-                        <m:ctrlPr>
-                          <a:rPr lang="lv-LV" i="1" smtClean="0">
-                            <a:latin typeface="Cambria Math" panose="02040503050406030204" pitchFamily="18" charset="0"/>
-                          </a:rPr>
-                        </m:ctrlPr>
-                      </m:funcPr>
-                      <m:fName>
-                        <m:sSub>
-                          <m:sSubPr>
-                            <m:ctrlPr>
-                              <a:rPr lang="lv-LV" i="1" smtClean="0">
-                                <a:latin typeface="Cambria Math" panose="02040503050406030204" pitchFamily="18" charset="0"/>
-                              </a:rPr>
-                            </m:ctrlPr>
-                          </m:sSubPr>
-                          <m:e>
-                            <m:r>
-                              <m:rPr>
-                                <m:sty m:val="p"/>
-                              </m:rPr>
-                              <a:rPr lang="lv-LV" i="0" smtClean="0">
-                                <a:latin typeface="Cambria Math" panose="02040503050406030204" pitchFamily="18" charset="0"/>
-                              </a:rPr>
-                              <m:t>log</m:t>
-                            </m:r>
-                          </m:e>
-                          <m:sub>
-                            <m:r>
-                              <a:rPr lang="lv-LV" b="0" i="1" smtClean="0">
-                                <a:latin typeface="Cambria Math" panose="02040503050406030204" pitchFamily="18" charset="0"/>
-                              </a:rPr>
-                              <m:t>6</m:t>
-                            </m:r>
-                          </m:sub>
-                        </m:sSub>
-                      </m:fName>
-                      <m:e>
-                        <m:r>
-                          <a:rPr lang="lv-LV" b="0" i="1" smtClean="0">
-                            <a:latin typeface="Cambria Math" panose="02040503050406030204" pitchFamily="18" charset="0"/>
-                          </a:rPr>
-                          <m:t>𝑎</m:t>
-                        </m:r>
-                      </m:e>
-                    </m:func>
-                    <m:r>
-                      <a:rPr lang="lv-LV" b="0" i="1" smtClean="0">
-                        <a:latin typeface="Cambria Math" panose="02040503050406030204" pitchFamily="18" charset="0"/>
-                      </a:rPr>
-                      <m:t>+</m:t>
-                    </m:r>
-                    <m:func>
-                      <m:funcPr>
-                        <m:ctrlPr>
-                          <a:rPr lang="lv-LV" i="1" smtClean="0">
-                            <a:solidFill>
-                              <a:srgbClr val="FF0000"/>
-                            </a:solidFill>
-                            <a:latin typeface="Cambria Math" panose="02040503050406030204" pitchFamily="18" charset="0"/>
-                          </a:rPr>
-                        </m:ctrlPr>
-                      </m:funcPr>
-                      <m:fName>
-                        <m:sSub>
-                          <m:sSubPr>
-                            <m:ctrlPr>
-                              <a:rPr lang="lv-LV" i="1">
-                                <a:solidFill>
-                                  <a:srgbClr val="FF0000"/>
-                                </a:solidFill>
-                                <a:latin typeface="Cambria Math" panose="02040503050406030204" pitchFamily="18" charset="0"/>
-                              </a:rPr>
-                            </m:ctrlPr>
-                          </m:sSubPr>
-                          <m:e>
-                            <m:r>
-                              <m:rPr>
-                                <m:sty m:val="p"/>
-                              </m:rPr>
-                              <a:rPr lang="lv-LV">
-                                <a:solidFill>
-                                  <a:srgbClr val="FF0000"/>
-                                </a:solidFill>
-                                <a:latin typeface="Cambria Math" panose="02040503050406030204" pitchFamily="18" charset="0"/>
-                              </a:rPr>
-                              <m:t>log</m:t>
-                            </m:r>
-                          </m:e>
-                          <m:sub>
-                            <m:r>
-                              <a:rPr lang="lv-LV" b="0" i="1" smtClean="0">
-                                <a:solidFill>
-                                  <a:srgbClr val="FF0000"/>
-                                </a:solidFill>
-                                <a:latin typeface="Cambria Math" panose="02040503050406030204" pitchFamily="18" charset="0"/>
-                              </a:rPr>
-                              <m:t>6</m:t>
-                            </m:r>
-                          </m:sub>
-                        </m:sSub>
-                      </m:fName>
-                      <m:e>
-                        <m:r>
-                          <a:rPr lang="lv-LV" b="0" i="1" smtClean="0">
-                            <a:solidFill>
-                              <a:srgbClr val="FF0000"/>
-                            </a:solidFill>
-                            <a:latin typeface="Cambria Math" panose="02040503050406030204" pitchFamily="18" charset="0"/>
-                          </a:rPr>
-                          <m:t>𝑏</m:t>
-                        </m:r>
-                      </m:e>
-                    </m:func>
-                    <m:r>
-                      <a:rPr lang="lv-LV" b="0" i="1" smtClean="0">
-                        <a:latin typeface="Cambria Math" panose="02040503050406030204" pitchFamily="18" charset="0"/>
-                      </a:rPr>
-                      <m:t>+</m:t>
-                    </m:r>
-                    <m:func>
-                      <m:funcPr>
-                        <m:ctrlPr>
-                          <a:rPr lang="lv-LV" i="1">
-                            <a:latin typeface="Cambria Math" panose="02040503050406030204" pitchFamily="18" charset="0"/>
-                          </a:rPr>
-                        </m:ctrlPr>
-                      </m:funcPr>
-                      <m:fName>
-                        <m:sSub>
-                          <m:sSubPr>
-                            <m:ctrlPr>
-                              <a:rPr lang="lv-LV" i="1">
-                                <a:latin typeface="Cambria Math" panose="02040503050406030204" pitchFamily="18" charset="0"/>
-                              </a:rPr>
-                            </m:ctrlPr>
-                          </m:sSubPr>
-                          <m:e>
-                            <m:r>
-                              <m:rPr>
-                                <m:sty m:val="p"/>
-                              </m:rPr>
-                              <a:rPr lang="lv-LV">
-                                <a:latin typeface="Cambria Math" panose="02040503050406030204" pitchFamily="18" charset="0"/>
-                              </a:rPr>
-                              <m:t>log</m:t>
-                            </m:r>
-                          </m:e>
-                          <m:sub>
-                            <m:r>
-                              <a:rPr lang="lv-LV" b="0" i="1" smtClean="0">
-                                <a:latin typeface="Cambria Math" panose="02040503050406030204" pitchFamily="18" charset="0"/>
-                              </a:rPr>
-                              <m:t>6</m:t>
-                            </m:r>
-                          </m:sub>
-                        </m:sSub>
-                      </m:fName>
-                      <m:e>
-                        <m:r>
-                          <a:rPr lang="lv-LV" b="0" i="1" smtClean="0">
-                            <a:latin typeface="Cambria Math" panose="02040503050406030204" pitchFamily="18" charset="0"/>
-                          </a:rPr>
-                          <m:t>𝑐</m:t>
-                        </m:r>
-                      </m:e>
-                    </m:func>
-                    <m:r>
-                      <a:rPr lang="lv-LV" b="0" i="1" smtClean="0">
-                        <a:latin typeface="Cambria Math" panose="02040503050406030204" pitchFamily="18" charset="0"/>
-                      </a:rPr>
-                      <m:t>=6</m:t>
-                    </m:r>
-                  </m:oMath>
-                </a14:m>
-                <a:r>
-                  <a:rPr lang="lv-LV" dirty="0" smtClean="0"/>
-                  <a:t>, kur </a:t>
-                </a:r>
-                <a:r>
-                  <a:rPr lang="lv-LV" dirty="0"/>
-                  <a:t>naturāli skaitļi </a:t>
-                </a:r>
-                <a14:m>
-                  <m:oMath xmlns:m="http://schemas.openxmlformats.org/officeDocument/2006/math">
-                    <m:r>
-                      <a:rPr lang="lv-LV" i="1" dirty="0" smtClean="0">
-                        <a:latin typeface="Cambria Math" panose="02040503050406030204" pitchFamily="18" charset="0"/>
-                      </a:rPr>
-                      <m:t>𝑎</m:t>
-                    </m:r>
-                    <m:r>
-                      <a:rPr lang="lv-LV" i="1" dirty="0" smtClean="0">
-                        <a:latin typeface="Cambria Math" panose="02040503050406030204" pitchFamily="18" charset="0"/>
-                      </a:rPr>
-                      <m:t>,</m:t>
-                    </m:r>
-                    <m:r>
-                      <a:rPr lang="lv-LV" i="1" dirty="0" smtClean="0">
-                        <a:latin typeface="Cambria Math" panose="02040503050406030204" pitchFamily="18" charset="0"/>
-                      </a:rPr>
-                      <m:t>𝑏</m:t>
-                    </m:r>
-                    <m:r>
-                      <a:rPr lang="lv-LV" i="1" dirty="0" smtClean="0">
-                        <a:latin typeface="Cambria Math" panose="02040503050406030204" pitchFamily="18" charset="0"/>
-                      </a:rPr>
-                      <m:t>,</m:t>
-                    </m:r>
-                    <m:r>
-                      <a:rPr lang="lv-LV" i="1" dirty="0" smtClean="0">
-                        <a:latin typeface="Cambria Math" panose="02040503050406030204" pitchFamily="18" charset="0"/>
-                      </a:rPr>
-                      <m:t>𝑐</m:t>
-                    </m:r>
-                  </m:oMath>
-                </a14:m>
-                <a:r>
-                  <a:rPr lang="lv-LV" dirty="0"/>
-                  <a:t> veido augošu ģeometrisku progresiju un </a:t>
-                </a:r>
-                <a14:m>
-                  <m:oMath xmlns:m="http://schemas.openxmlformats.org/officeDocument/2006/math">
-                    <m:r>
-                      <a:rPr lang="lv-LV" i="1" dirty="0" smtClean="0">
-                        <a:latin typeface="Cambria Math" panose="02040503050406030204" pitchFamily="18" charset="0"/>
-                      </a:rPr>
-                      <m:t>𝑏</m:t>
-                    </m:r>
-                    <m:r>
-                      <a:rPr lang="lv-LV" i="1" dirty="0" smtClean="0">
-                        <a:latin typeface="Cambria Math" panose="02040503050406030204" pitchFamily="18" charset="0"/>
-                      </a:rPr>
-                      <m:t>−</m:t>
-                    </m:r>
-                    <m:r>
-                      <a:rPr lang="lv-LV" i="1" dirty="0" smtClean="0">
-                        <a:latin typeface="Cambria Math" panose="02040503050406030204" pitchFamily="18" charset="0"/>
-                      </a:rPr>
-                      <m:t>𝑎</m:t>
-                    </m:r>
-                  </m:oMath>
-                </a14:m>
-                <a:r>
-                  <a:rPr lang="lv-LV" dirty="0"/>
-                  <a:t> ir vesela skaitļa kvadrāts. </a:t>
-                </a:r>
-                <a:r>
-                  <a:rPr lang="lv-LV" dirty="0" smtClean="0"/>
-                  <a:t>Atrast </a:t>
-                </a:r>
-                <a14:m>
-                  <m:oMath xmlns:m="http://schemas.openxmlformats.org/officeDocument/2006/math">
-                    <m:r>
-                      <a:rPr lang="lv-LV" i="1" dirty="0" smtClean="0">
-                        <a:latin typeface="Cambria Math" panose="02040503050406030204" pitchFamily="18" charset="0"/>
-                      </a:rPr>
-                      <m:t>𝑎</m:t>
-                    </m:r>
-                    <m:r>
-                      <a:rPr lang="lv-LV" i="1" dirty="0" smtClean="0">
-                        <a:latin typeface="Cambria Math" panose="02040503050406030204" pitchFamily="18" charset="0"/>
-                      </a:rPr>
-                      <m:t>,</m:t>
-                    </m:r>
-                    <m:r>
-                      <a:rPr lang="lv-LV" i="1" dirty="0" smtClean="0">
-                        <a:latin typeface="Cambria Math" panose="02040503050406030204" pitchFamily="18" charset="0"/>
-                      </a:rPr>
-                      <m:t>𝑏</m:t>
-                    </m:r>
-                    <m:r>
-                      <a:rPr lang="lv-LV" i="1" dirty="0" smtClean="0">
-                        <a:latin typeface="Cambria Math" panose="02040503050406030204" pitchFamily="18" charset="0"/>
-                      </a:rPr>
-                      <m:t>,</m:t>
-                    </m:r>
-                    <m:r>
-                      <a:rPr lang="lv-LV" i="1" dirty="0" smtClean="0">
-                        <a:latin typeface="Cambria Math" panose="02040503050406030204" pitchFamily="18" charset="0"/>
-                      </a:rPr>
-                      <m:t>𝑐</m:t>
-                    </m:r>
-                  </m:oMath>
-                </a14:m>
-                <a:r>
-                  <a:rPr lang="lv-LV" dirty="0" smtClean="0"/>
-                  <a:t>.</a:t>
-                </a:r>
-                <a:endParaRPr lang="lv-LV" dirty="0"/>
-              </a:p>
-            </p:txBody>
-          </p:sp>
-        </mc:Choice>
-        <mc:Fallback xmlns="">
-          <p:sp>
-            <p:nvSpPr>
-              <p:cNvPr id="5" name="Content Placeholder 4"/>
-              <p:cNvSpPr>
-                <a:spLocks noGrp="1" noRot="1" noChangeAspect="1" noMove="1" noResize="1" noEditPoints="1" noAdjustHandles="1" noChangeArrowheads="1" noChangeShapeType="1" noTextEdit="1"/>
-              </p:cNvSpPr>
-              <p:nvPr>
-                <p:ph idx="1"/>
-              </p:nvPr>
-            </p:nvSpPr>
-            <p:spPr>
-              <a:blipFill>
-                <a:blip r:embed="rId2"/>
-                <a:stretch>
-                  <a:fillRect l="-2163" t="-2318" r="-2235"/>
+                  <a:fillRect l="-2163" t="-2318" r="-1730"/>
                 </a:stretch>
               </a:blipFill>
             </p:spPr>
@@ -6526,93 +6943,6 @@
           <a:bodyPr/>
           <a:lstStyle/>
           <a:p>
-            <a:r>
-              <a:rPr lang="lv-LV" dirty="0" smtClean="0"/>
-              <a:t>Quiz2021#4.6</a:t>
-            </a:r>
-            <a:endParaRPr lang="lv-LV" dirty="0"/>
-          </a:p>
-        </p:txBody>
-      </p:sp>
-    </p:spTree>
-    <p:extLst>
-      <p:ext uri="{BB962C8B-B14F-4D97-AF65-F5344CB8AC3E}">
-        <p14:creationId xmlns:p14="http://schemas.microsoft.com/office/powerpoint/2010/main" val="2097079163"/>
-      </p:ext>
-    </p:extLst>
-  </p:cSld>
-  <p:clrMapOvr>
-    <a:masterClrMapping/>
-  </p:clrMapOvr>
-  <p:timing>
-    <p:tnLst>
-      <p:par>
-        <p:cTn id="1" dur="indefinite" restart="never" nodeType="tmRoot"/>
-      </p:par>
-    </p:tnLst>
-  </p:timing>
-</p:sld>
-</file>
-
-<file path=ppt/slides/slide14.xml><?xml version="1.0" encoding="utf-8"?>
-<p:sld xmlns:a="http://schemas.openxmlformats.org/drawingml/2006/main" xmlns:r="http://schemas.openxmlformats.org/officeDocument/2006/relationships" xmlns:p="http://schemas.openxmlformats.org/presentationml/2006/main">
-  <p:cSld>
-    <p:spTree>
-      <p:nvGrpSpPr>
-        <p:cNvPr id="1" name=""/>
-        <p:cNvGrpSpPr/>
-        <p:nvPr/>
-      </p:nvGrpSpPr>
-      <p:grpSpPr>
-        <a:xfrm>
-          <a:off x="0" y="0"/>
-          <a:ext cx="0" cy="0"/>
-          <a:chOff x="0" y="0"/>
-          <a:chExt cx="0" cy="0"/>
-        </a:xfrm>
-      </p:grpSpPr>
-      <p:sp>
-        <p:nvSpPr>
-          <p:cNvPr id="6" name="Content Placeholder 5"/>
-          <p:cNvSpPr>
-            <a:spLocks noGrp="1"/>
-          </p:cNvSpPr>
-          <p:nvPr>
-            <p:ph idx="1"/>
-          </p:nvPr>
-        </p:nvSpPr>
-        <p:spPr/>
-        <p:txBody>
-          <a:bodyPr/>
-          <a:lstStyle/>
-          <a:p>
-            <a:r>
-              <a:rPr lang="lv-LV" b="1" dirty="0" smtClean="0"/>
-              <a:t>Ieteikums:</a:t>
-            </a:r>
-            <a:r>
-              <a:rPr lang="lv-LV" dirty="0" smtClean="0"/>
-              <a:t> Ģeometriskai progresijai logaritmi aug aritmētiskā progresijā.</a:t>
-            </a:r>
-            <a:endParaRPr lang="lv-LV" dirty="0"/>
-          </a:p>
-        </p:txBody>
-      </p:sp>
-      <p:sp>
-        <p:nvSpPr>
-          <p:cNvPr id="5" name="Title 4"/>
-          <p:cNvSpPr>
-            <a:spLocks noGrp="1"/>
-          </p:cNvSpPr>
-          <p:nvPr>
-            <p:ph type="title"/>
-          </p:nvPr>
-        </p:nvSpPr>
-        <p:spPr/>
-        <p:txBody>
-          <a:bodyPr/>
-          <a:lstStyle/>
-          <a:p>
             <a:endParaRPr lang="lv-LV"/>
           </a:p>
         </p:txBody>
@@ -6620,24 +6950,17 @@
     </p:spTree>
     <p:extLst>
       <p:ext uri="{BB962C8B-B14F-4D97-AF65-F5344CB8AC3E}">
-        <p14:creationId xmlns:p14="http://schemas.microsoft.com/office/powerpoint/2010/main" val="3794475067"/>
+        <p14:creationId xmlns:p14="http://schemas.microsoft.com/office/powerpoint/2010/main" val="1838145300"/>
       </p:ext>
     </p:extLst>
   </p:cSld>
   <p:clrMapOvr>
     <a:masterClrMapping/>
   </p:clrMapOvr>
-  <p:timing>
-    <p:tnLst>
-      <p:par>
-        <p:cTn id="1" dur="indefinite" restart="never" nodeType="tmRoot"/>
-      </p:par>
-    </p:tnLst>
-  </p:timing>
 </p:sld>
 </file>
 
-<file path=ppt/slides/slide15.xml><?xml version="1.0" encoding="utf-8"?>
+<file path=ppt/slides/slide13.xml><?xml version="1.0" encoding="utf-8"?>
 <p:sld xmlns:a="http://schemas.openxmlformats.org/drawingml/2006/main" xmlns:r="http://schemas.openxmlformats.org/officeDocument/2006/relationships" xmlns:p="http://schemas.openxmlformats.org/presentationml/2006/main">
   <p:cSld>
     <p:spTree>
@@ -6658,393 +6981,7 @@
         <mc:Choice Requires="a14">
           <p:sp>
             <p:nvSpPr>
-              <p:cNvPr id="8" name="Content Placeholder 7"/>
-              <p:cNvSpPr>
-                <a:spLocks noGrp="1"/>
-              </p:cNvSpPr>
-              <p:nvPr>
-                <p:ph idx="10"/>
-              </p:nvPr>
-            </p:nvSpPr>
-            <p:spPr/>
-            <p:txBody>
-              <a:bodyPr/>
-              <a:lstStyle/>
-              <a:p>
-                <a:r>
-                  <a:rPr lang="lv-LV" dirty="0" smtClean="0"/>
-                  <a:t>Attēlā </a:t>
-                </a:r>
-                <a:r>
-                  <a:rPr lang="lv-LV" dirty="0"/>
-                  <a:t>redzami </a:t>
-                </a:r>
-                <a14:m>
-                  <m:oMath xmlns:m="http://schemas.openxmlformats.org/officeDocument/2006/math">
-                    <m:r>
-                      <a:rPr lang="lv-LV" i="1" dirty="0" smtClean="0">
-                        <a:latin typeface="Cambria Math" panose="02040503050406030204" pitchFamily="18" charset="0"/>
-                      </a:rPr>
-                      <m:t>20</m:t>
-                    </m:r>
-                  </m:oMath>
-                </a14:m>
-                <a:r>
-                  <a:rPr lang="lv-LV" dirty="0"/>
-                  <a:t> kongruenti aplīši trīs rindās, kuriem no ārpuses pieskaras taisnstūris. Taisnstūra garākās malas attiecība pret īsāko ir uzdota ar formulu </a:t>
-                </a:r>
-              </a:p>
-              <a:p>
-                <a:pPr/>
-                <a14:m>
-                  <m:oMathPara xmlns:m="http://schemas.openxmlformats.org/officeDocument/2006/math">
-                    <m:oMathParaPr>
-                      <m:jc m:val="centerGroup"/>
-                    </m:oMathParaPr>
-                    <m:oMath xmlns:m="http://schemas.openxmlformats.org/officeDocument/2006/math">
-                      <m:f>
-                        <m:fPr>
-                          <m:ctrlPr>
-                            <a:rPr lang="lv-LV" i="1">
-                              <a:latin typeface="Cambria Math" panose="02040503050406030204" pitchFamily="18" charset="0"/>
-                            </a:rPr>
-                          </m:ctrlPr>
-                        </m:fPr>
-                        <m:num>
-                          <m:rad>
-                            <m:radPr>
-                              <m:degHide m:val="on"/>
-                              <m:ctrlPr>
-                                <a:rPr lang="lv-LV" i="1">
-                                  <a:latin typeface="Cambria Math" panose="02040503050406030204" pitchFamily="18" charset="0"/>
-                                </a:rPr>
-                              </m:ctrlPr>
-                            </m:radPr>
-                            <m:deg/>
-                            <m:e>
-                              <m:r>
-                                <a:rPr lang="lv-LV" i="1">
-                                  <a:latin typeface="Cambria Math" panose="02040503050406030204" pitchFamily="18" charset="0"/>
-                                </a:rPr>
-                                <m:t>𝑎</m:t>
-                              </m:r>
-                            </m:e>
-                          </m:rad>
-                          <m:r>
-                            <a:rPr lang="lv-LV" i="1">
-                              <a:latin typeface="Cambria Math" panose="02040503050406030204" pitchFamily="18" charset="0"/>
-                            </a:rPr>
-                            <m:t>−</m:t>
-                          </m:r>
-                          <m:r>
-                            <a:rPr lang="lv-LV" i="1">
-                              <a:latin typeface="Cambria Math" panose="02040503050406030204" pitchFamily="18" charset="0"/>
-                            </a:rPr>
-                            <m:t>𝑏</m:t>
-                          </m:r>
-                        </m:num>
-                        <m:den>
-                          <m:r>
-                            <a:rPr lang="lv-LV" i="1">
-                              <a:latin typeface="Cambria Math" panose="02040503050406030204" pitchFamily="18" charset="0"/>
-                            </a:rPr>
-                            <m:t>2</m:t>
-                          </m:r>
-                        </m:den>
-                      </m:f>
-                      <m:r>
-                        <a:rPr lang="lv-LV" i="1">
-                          <a:latin typeface="Cambria Math" panose="02040503050406030204" pitchFamily="18" charset="0"/>
-                        </a:rPr>
-                        <m:t>,</m:t>
-                      </m:r>
-                    </m:oMath>
-                  </m:oMathPara>
-                </a14:m>
-                <a:endParaRPr lang="lv-LV" dirty="0"/>
-              </a:p>
-              <a:p>
-                <a:r>
-                  <a:rPr lang="lv-LV" dirty="0"/>
-                  <a:t>kur </a:t>
-                </a:r>
-                <a14:m>
-                  <m:oMath xmlns:m="http://schemas.openxmlformats.org/officeDocument/2006/math">
-                    <m:r>
-                      <a:rPr lang="lv-LV" i="1" dirty="0">
-                        <a:latin typeface="Cambria Math" panose="02040503050406030204" pitchFamily="18" charset="0"/>
-                      </a:rPr>
-                      <m:t>𝑎</m:t>
-                    </m:r>
-                    <m:r>
-                      <a:rPr lang="lv-LV" i="1" dirty="0">
-                        <a:latin typeface="Cambria Math" panose="02040503050406030204" pitchFamily="18" charset="0"/>
-                      </a:rPr>
-                      <m:t>,</m:t>
-                    </m:r>
-                    <m:r>
-                      <a:rPr lang="lv-LV" i="1" dirty="0">
-                        <a:latin typeface="Cambria Math" panose="02040503050406030204" pitchFamily="18" charset="0"/>
-                      </a:rPr>
-                      <m:t>𝑏</m:t>
-                    </m:r>
-                  </m:oMath>
-                </a14:m>
-                <a:r>
-                  <a:rPr lang="lv-LV" dirty="0"/>
-                  <a:t> ir naturāli skaitļi. </a:t>
-                </a:r>
-              </a:p>
-              <a:p>
-                <a:r>
-                  <a:rPr lang="lv-LV" dirty="0"/>
-                  <a:t>Atrast skaitļus </a:t>
-                </a:r>
-                <a14:m>
-                  <m:oMath xmlns:m="http://schemas.openxmlformats.org/officeDocument/2006/math">
-                    <m:r>
-                      <a:rPr lang="lv-LV" i="1" dirty="0" smtClean="0">
-                        <a:latin typeface="Cambria Math" panose="02040503050406030204" pitchFamily="18" charset="0"/>
-                      </a:rPr>
-                      <m:t>𝑎</m:t>
-                    </m:r>
-                    <m:r>
-                      <a:rPr lang="lv-LV" i="1" dirty="0" smtClean="0">
-                        <a:latin typeface="Cambria Math" panose="02040503050406030204" pitchFamily="18" charset="0"/>
-                      </a:rPr>
-                      <m:t>,</m:t>
-                    </m:r>
-                    <m:r>
-                      <a:rPr lang="lv-LV" i="1" dirty="0" smtClean="0">
-                        <a:latin typeface="Cambria Math" panose="02040503050406030204" pitchFamily="18" charset="0"/>
-                      </a:rPr>
-                      <m:t>𝑏</m:t>
-                    </m:r>
-                  </m:oMath>
-                </a14:m>
-                <a:r>
-                  <a:rPr lang="lv-LV" dirty="0"/>
-                  <a:t>.</a:t>
-                </a:r>
-              </a:p>
-              <a:p>
-                <a:endParaRPr lang="lv-LV" dirty="0"/>
-              </a:p>
-            </p:txBody>
-          </p:sp>
-        </mc:Choice>
-        <mc:Fallback xmlns="">
-          <p:sp>
-            <p:nvSpPr>
-              <p:cNvPr id="8" name="Content Placeholder 7"/>
-              <p:cNvSpPr>
-                <a:spLocks noGrp="1" noRot="1" noChangeAspect="1" noMove="1" noResize="1" noEditPoints="1" noAdjustHandles="1" noChangeArrowheads="1" noChangeShapeType="1" noTextEdit="1"/>
-              </p:cNvSpPr>
-              <p:nvPr>
-                <p:ph idx="10"/>
-              </p:nvPr>
-            </p:nvSpPr>
-            <p:spPr>
-              <a:blipFill>
-                <a:blip r:embed="rId2"/>
-                <a:stretch>
-                  <a:fillRect l="-4606" t="-2318" r="-4458" b="-8609"/>
-                </a:stretch>
-              </a:blipFill>
-            </p:spPr>
-            <p:txBody>
-              <a:bodyPr/>
-              <a:lstStyle/>
-              <a:p>
-                <a:r>
-                  <a:rPr lang="lv-LV">
-                    <a:noFill/>
-                  </a:rPr>
-                  <a:t> </a:t>
-                </a:r>
-              </a:p>
-            </p:txBody>
-          </p:sp>
-        </mc:Fallback>
-      </mc:AlternateContent>
-      <p:sp>
-        <p:nvSpPr>
-          <p:cNvPr id="5" name="Title 4"/>
-          <p:cNvSpPr>
-            <a:spLocks noGrp="1"/>
-          </p:cNvSpPr>
-          <p:nvPr>
-            <p:ph type="title"/>
-          </p:nvPr>
-        </p:nvSpPr>
-        <p:spPr/>
-        <p:txBody>
-          <a:bodyPr/>
-          <a:lstStyle/>
-          <a:p>
-            <a:r>
-              <a:rPr lang="lv-LV" dirty="0" smtClean="0"/>
-              <a:t>Quiz2021#4.7</a:t>
-            </a:r>
-            <a:endParaRPr lang="lv-LV" dirty="0"/>
-          </a:p>
-        </p:txBody>
-      </p:sp>
-      <p:pic>
-        <p:nvPicPr>
-          <p:cNvPr id="7" name="Picture 6"/>
-          <p:cNvPicPr>
-            <a:picLocks noChangeAspect="1"/>
-          </p:cNvPicPr>
-          <p:nvPr/>
-        </p:nvPicPr>
-        <p:blipFill>
-          <a:blip r:embed="rId3">
-            <a:extLst>
-              <a:ext uri="{28A0092B-C50C-407E-A947-70E740481C1C}">
-                <a14:useLocalDpi xmlns:a14="http://schemas.microsoft.com/office/drawing/2010/main" val="0"/>
-              </a:ext>
-            </a:extLst>
-          </a:blip>
-          <a:stretch>
-            <a:fillRect/>
-          </a:stretch>
-        </p:blipFill>
-        <p:spPr>
-          <a:xfrm>
-            <a:off x="347471" y="933651"/>
-            <a:ext cx="3572924" cy="1408680"/>
-          </a:xfrm>
-          <a:prstGeom prst="rect">
-            <a:avLst/>
-          </a:prstGeom>
-        </p:spPr>
-      </p:pic>
-    </p:spTree>
-    <p:extLst>
-      <p:ext uri="{BB962C8B-B14F-4D97-AF65-F5344CB8AC3E}">
-        <p14:creationId xmlns:p14="http://schemas.microsoft.com/office/powerpoint/2010/main" val="2182780242"/>
-      </p:ext>
-    </p:extLst>
-  </p:cSld>
-  <p:clrMapOvr>
-    <a:masterClrMapping/>
-  </p:clrMapOvr>
-  <p:timing>
-    <p:tnLst>
-      <p:par>
-        <p:cTn id="1" dur="indefinite" restart="never" nodeType="tmRoot"/>
-      </p:par>
-    </p:tnLst>
-  </p:timing>
-</p:sld>
-</file>
-
-<file path=ppt/slides/slide16.xml><?xml version="1.0" encoding="utf-8"?>
-<p:sld xmlns:a="http://schemas.openxmlformats.org/drawingml/2006/main" xmlns:r="http://schemas.openxmlformats.org/officeDocument/2006/relationships" xmlns:p="http://schemas.openxmlformats.org/presentationml/2006/main">
-  <p:cSld>
-    <p:spTree>
-      <p:nvGrpSpPr>
-        <p:cNvPr id="1" name=""/>
-        <p:cNvGrpSpPr/>
-        <p:nvPr/>
-      </p:nvGrpSpPr>
-      <p:grpSpPr>
-        <a:xfrm>
-          <a:off x="0" y="0"/>
-          <a:ext cx="0" cy="0"/>
-          <a:chOff x="0" y="0"/>
-          <a:chExt cx="0" cy="0"/>
-        </a:xfrm>
-      </p:grpSpPr>
-      <p:sp>
-        <p:nvSpPr>
-          <p:cNvPr id="6" name="Content Placeholder 5"/>
-          <p:cNvSpPr>
-            <a:spLocks noGrp="1"/>
-          </p:cNvSpPr>
-          <p:nvPr>
-            <p:ph idx="1"/>
-          </p:nvPr>
-        </p:nvSpPr>
-        <p:spPr/>
-        <p:txBody>
-          <a:bodyPr/>
-          <a:lstStyle/>
-          <a:p>
-            <a:r>
-              <a:rPr lang="lv-LV" b="1" dirty="0" smtClean="0"/>
-              <a:t>Ieteikums:</a:t>
-            </a:r>
-            <a:r>
-              <a:rPr lang="lv-LV" dirty="0" smtClean="0"/>
-              <a:t> Var ieviest apzīmējumu rādiusam un izteikt garumu un platumu.</a:t>
-            </a:r>
-            <a:endParaRPr lang="lv-LV" dirty="0"/>
-          </a:p>
-        </p:txBody>
-      </p:sp>
-      <p:sp>
-        <p:nvSpPr>
-          <p:cNvPr id="5" name="Title 4"/>
-          <p:cNvSpPr>
-            <a:spLocks noGrp="1"/>
-          </p:cNvSpPr>
-          <p:nvPr>
-            <p:ph type="title"/>
-          </p:nvPr>
-        </p:nvSpPr>
-        <p:spPr/>
-        <p:txBody>
-          <a:bodyPr/>
-          <a:lstStyle/>
-          <a:p>
-            <a:endParaRPr lang="lv-LV"/>
-          </a:p>
-        </p:txBody>
-      </p:sp>
-    </p:spTree>
-    <p:extLst>
-      <p:ext uri="{BB962C8B-B14F-4D97-AF65-F5344CB8AC3E}">
-        <p14:creationId xmlns:p14="http://schemas.microsoft.com/office/powerpoint/2010/main" val="3319409004"/>
-      </p:ext>
-    </p:extLst>
-  </p:cSld>
-  <p:clrMapOvr>
-    <a:masterClrMapping/>
-  </p:clrMapOvr>
-  <p:timing>
-    <p:tnLst>
-      <p:par>
-        <p:cTn id="1" dur="indefinite" restart="never" nodeType="tmRoot"/>
-      </p:par>
-    </p:tnLst>
-  </p:timing>
-</p:sld>
-</file>
-
-<file path=ppt/slides/slide17.xml><?xml version="1.0" encoding="utf-8"?>
-<p:sld xmlns:a="http://schemas.openxmlformats.org/drawingml/2006/main" xmlns:r="http://schemas.openxmlformats.org/officeDocument/2006/relationships" xmlns:p="http://schemas.openxmlformats.org/presentationml/2006/main">
-  <p:cSld>
-    <p:spTree>
-      <p:nvGrpSpPr>
-        <p:cNvPr id="1" name=""/>
-        <p:cNvGrpSpPr/>
-        <p:nvPr/>
-      </p:nvGrpSpPr>
-      <p:grpSpPr>
-        <a:xfrm>
-          <a:off x="0" y="0"/>
-          <a:ext cx="0" cy="0"/>
-          <a:chOff x="0" y="0"/>
-          <a:chExt cx="0" cy="0"/>
-        </a:xfrm>
-      </p:grpSpPr>
-      <mc:AlternateContent xmlns:mc="http://schemas.openxmlformats.org/markup-compatibility/2006">
-        <mc:Choice xmlns:a14="http://schemas.microsoft.com/office/drawing/2010/main" Requires="a14">
-          <p:sp>
-            <p:nvSpPr>
-              <p:cNvPr id="6" name="Content Placeholder 5"/>
+              <p:cNvPr id="2" name="Content Placeholder 1"/>
               <p:cNvSpPr>
                 <a:spLocks noGrp="1"/>
               </p:cNvSpPr>
@@ -7059,41 +6996,31 @@
               <a:p>
                 <a:r>
                   <a:rPr lang="lv-LV" dirty="0" smtClean="0"/>
-                  <a:t>Uzrakstīt attēlā redzamās izteiksmes vērtību kā racionālu skaitli </a:t>
+                  <a:t>Atrodiet </a:t>
+                </a:r>
+                <a:r>
+                  <a:rPr lang="lv-LV" dirty="0"/>
+                  <a:t>visus tādus naturālus skaitļus </a:t>
                 </a:r>
                 <a14:m>
                   <m:oMath xmlns:m="http://schemas.openxmlformats.org/officeDocument/2006/math">
-                    <m:f>
-                      <m:fPr>
-                        <m:ctrlPr>
-                          <a:rPr lang="lv-LV" i="1" smtClean="0">
-                            <a:latin typeface="Cambria Math" panose="02040503050406030204" pitchFamily="18" charset="0"/>
-                          </a:rPr>
-                        </m:ctrlPr>
-                      </m:fPr>
-                      <m:num>
-                        <m:r>
-                          <a:rPr lang="lv-LV" b="0" i="1" smtClean="0">
-                            <a:latin typeface="Cambria Math" panose="02040503050406030204" pitchFamily="18" charset="0"/>
-                          </a:rPr>
-                          <m:t>𝑝</m:t>
-                        </m:r>
-                      </m:num>
-                      <m:den>
-                        <m:r>
-                          <a:rPr lang="lv-LV" b="0" i="1" smtClean="0">
-                            <a:latin typeface="Cambria Math" panose="02040503050406030204" pitchFamily="18" charset="0"/>
-                          </a:rPr>
-                          <m:t>𝑞</m:t>
-                        </m:r>
-                      </m:den>
-                    </m:f>
+                    <m:r>
+                      <a:rPr lang="lv-LV" i="1" dirty="0" smtClean="0">
+                        <a:latin typeface="Cambria Math" panose="02040503050406030204" pitchFamily="18" charset="0"/>
+                      </a:rPr>
+                      <m:t>𝑠</m:t>
+                    </m:r>
                   </m:oMath>
                 </a14:m>
                 <a:r>
+                  <a:rPr lang="lv-LV" dirty="0"/>
+                  <a:t>, kuriem </a:t>
+                </a:r>
+                <a:r>
                   <a:rPr lang="lv-LV" dirty="0" smtClean="0"/>
-                  <a:t>.</a:t>
+                  <a:t>vienādojumam</a:t>
                 </a:r>
+                <a:endParaRPr lang="en-US" dirty="0" smtClean="0"/>
               </a:p>
               <a:p>
                 <a:pPr/>
@@ -7113,83 +7040,50 @@
                         </m:fPr>
                         <m:num>
                           <m:r>
-                            <a:rPr lang="lv-LV" b="0" i="1" smtClean="0">
+                            <a:rPr lang="en-US" b="0" i="1" smtClean="0">
                               <a:latin typeface="Cambria Math" panose="02040503050406030204" pitchFamily="18" charset="0"/>
                             </a:rPr>
-                            <m:t>2</m:t>
+                            <m:t>1</m:t>
                           </m:r>
                         </m:num>
                         <m:den>
-                          <m:func>
-                            <m:funcPr>
+                          <m:sSubSup>
+                            <m:sSubSupPr>
                               <m:ctrlPr>
                                 <a:rPr lang="lv-LV" i="1" smtClean="0">
                                   <a:latin typeface="Cambria Math" panose="02040503050406030204" pitchFamily="18" charset="0"/>
                                 </a:rPr>
                               </m:ctrlPr>
-                            </m:funcPr>
-                            <m:fName>
-                              <m:sSub>
-                                <m:sSubPr>
-                                  <m:ctrlPr>
-                                    <a:rPr lang="lv-LV" i="1" smtClean="0">
-                                      <a:latin typeface="Cambria Math" panose="02040503050406030204" pitchFamily="18" charset="0"/>
-                                    </a:rPr>
-                                  </m:ctrlPr>
-                                </m:sSubPr>
-                                <m:e>
-                                  <m:r>
-                                    <m:rPr>
-                                      <m:sty m:val="p"/>
-                                    </m:rPr>
-                                    <a:rPr lang="lv-LV" i="0" smtClean="0">
-                                      <a:latin typeface="Cambria Math" panose="02040503050406030204" pitchFamily="18" charset="0"/>
-                                    </a:rPr>
-                                    <m:t>log</m:t>
-                                  </m:r>
-                                </m:e>
-                                <m:sub>
-                                  <m:r>
-                                    <a:rPr lang="lv-LV" b="0" i="1" smtClean="0">
-                                      <a:latin typeface="Cambria Math" panose="02040503050406030204" pitchFamily="18" charset="0"/>
-                                    </a:rPr>
-                                    <m:t>4</m:t>
-                                  </m:r>
-                                </m:sub>
-                              </m:sSub>
-                            </m:fName>
+                            </m:sSubSupPr>
                             <m:e>
-                              <m:sSup>
-                                <m:sSupPr>
-                                  <m:ctrlPr>
-                                    <a:rPr lang="lv-LV" i="1" smtClean="0">
-                                      <a:latin typeface="Cambria Math" panose="02040503050406030204" pitchFamily="18" charset="0"/>
-                                    </a:rPr>
-                                  </m:ctrlPr>
-                                </m:sSupPr>
-                                <m:e>
-                                  <m:r>
-                                    <a:rPr lang="lv-LV" b="0" i="1" smtClean="0">
-                                      <a:latin typeface="Cambria Math" panose="02040503050406030204" pitchFamily="18" charset="0"/>
-                                    </a:rPr>
-                                    <m:t>2000</m:t>
-                                  </m:r>
-                                </m:e>
-                                <m:sup>
-                                  <m:r>
-                                    <a:rPr lang="lv-LV" b="0" i="1" smtClean="0">
-                                      <a:latin typeface="Cambria Math" panose="02040503050406030204" pitchFamily="18" charset="0"/>
-                                    </a:rPr>
-                                    <m:t>6</m:t>
-                                  </m:r>
-                                </m:sup>
-                              </m:sSup>
+                              <m:r>
+                                <a:rPr lang="en-US" b="0" i="1" smtClean="0">
+                                  <a:latin typeface="Cambria Math" panose="02040503050406030204" pitchFamily="18" charset="0"/>
+                                </a:rPr>
+                                <m:t>𝑥</m:t>
+                              </m:r>
                             </m:e>
-                          </m:func>
+                            <m:sub>
+                              <m:r>
+                                <a:rPr lang="en-US" b="0" i="1" smtClean="0">
+                                  <a:latin typeface="Cambria Math" panose="02040503050406030204" pitchFamily="18" charset="0"/>
+                                </a:rPr>
+                                <m:t>1</m:t>
+                              </m:r>
+                            </m:sub>
+                            <m:sup>
+                              <m:r>
+                                <a:rPr lang="en-US" b="0" i="1" smtClean="0">
+                                  <a:latin typeface="Cambria Math" panose="02040503050406030204" pitchFamily="18" charset="0"/>
+                                </a:rPr>
+                                <m:t>2</m:t>
+                              </m:r>
+                            </m:sup>
+                          </m:sSubSup>
                         </m:den>
                       </m:f>
                       <m:r>
-                        <a:rPr lang="lv-LV" b="0" i="1" smtClean="0">
+                        <a:rPr lang="en-US" b="0" i="1" smtClean="0">
                           <a:latin typeface="Cambria Math" panose="02040503050406030204" pitchFamily="18" charset="0"/>
                         </a:rPr>
                         <m:t>+</m:t>
@@ -7197,106 +7091,156 @@
                       <m:f>
                         <m:fPr>
                           <m:ctrlPr>
-                            <a:rPr lang="lv-LV" b="0" i="1" smtClean="0">
+                            <a:rPr lang="en-US" b="0" i="1" smtClean="0">
                               <a:latin typeface="Cambria Math" panose="02040503050406030204" pitchFamily="18" charset="0"/>
                             </a:rPr>
                           </m:ctrlPr>
                         </m:fPr>
                         <m:num>
                           <m:r>
-                            <a:rPr lang="lv-LV" b="0" i="1" smtClean="0">
+                            <a:rPr lang="en-US" b="0" i="1" smtClean="0">
                               <a:latin typeface="Cambria Math" panose="02040503050406030204" pitchFamily="18" charset="0"/>
                             </a:rPr>
-                            <m:t>3</m:t>
+                            <m:t>1</m:t>
                           </m:r>
                         </m:num>
                         <m:den>
-                          <m:func>
-                            <m:funcPr>
+                          <m:sSubSup>
+                            <m:sSubSupPr>
                               <m:ctrlPr>
-                                <a:rPr lang="lv-LV" b="0" i="1" smtClean="0">
+                                <a:rPr lang="en-US" b="0" i="1" smtClean="0">
                                   <a:latin typeface="Cambria Math" panose="02040503050406030204" pitchFamily="18" charset="0"/>
                                 </a:rPr>
                               </m:ctrlPr>
-                            </m:funcPr>
-                            <m:fName>
-                              <m:sSub>
-                                <m:sSubPr>
-                                  <m:ctrlPr>
-                                    <a:rPr lang="lv-LV" b="0" i="1" smtClean="0">
-                                      <a:latin typeface="Cambria Math" panose="02040503050406030204" pitchFamily="18" charset="0"/>
-                                    </a:rPr>
-                                  </m:ctrlPr>
-                                </m:sSubPr>
-                                <m:e>
-                                  <m:r>
-                                    <m:rPr>
-                                      <m:sty m:val="p"/>
-                                    </m:rPr>
-                                    <a:rPr lang="lv-LV" b="0" i="0" smtClean="0">
-                                      <a:latin typeface="Cambria Math" panose="02040503050406030204" pitchFamily="18" charset="0"/>
-                                    </a:rPr>
-                                    <m:t>log</m:t>
-                                  </m:r>
-                                </m:e>
-                                <m:sub>
-                                  <m:r>
-                                    <a:rPr lang="lv-LV" b="0" i="1" smtClean="0">
-                                      <a:latin typeface="Cambria Math" panose="02040503050406030204" pitchFamily="18" charset="0"/>
-                                    </a:rPr>
-                                    <m:t>5</m:t>
-                                  </m:r>
-                                </m:sub>
-                              </m:sSub>
-                            </m:fName>
+                            </m:sSubSupPr>
                             <m:e>
-                              <m:sSup>
-                                <m:sSupPr>
-                                  <m:ctrlPr>
-                                    <a:rPr lang="lv-LV" b="0" i="1" smtClean="0">
-                                      <a:latin typeface="Cambria Math" panose="02040503050406030204" pitchFamily="18" charset="0"/>
-                                    </a:rPr>
-                                  </m:ctrlPr>
-                                </m:sSupPr>
-                                <m:e>
-                                  <m:r>
-                                    <a:rPr lang="lv-LV" b="0" i="1" smtClean="0">
-                                      <a:latin typeface="Cambria Math" panose="02040503050406030204" pitchFamily="18" charset="0"/>
-                                    </a:rPr>
-                                    <m:t>2000</m:t>
-                                  </m:r>
-                                </m:e>
-                                <m:sup>
-                                  <m:r>
-                                    <a:rPr lang="lv-LV" b="0" i="1" smtClean="0">
-                                      <a:latin typeface="Cambria Math" panose="02040503050406030204" pitchFamily="18" charset="0"/>
-                                    </a:rPr>
-                                    <m:t>6</m:t>
-                                  </m:r>
-                                </m:sup>
-                              </m:sSup>
+                              <m:r>
+                                <a:rPr lang="en-US" b="0" i="1" smtClean="0">
+                                  <a:latin typeface="Cambria Math" panose="02040503050406030204" pitchFamily="18" charset="0"/>
+                                </a:rPr>
+                                <m:t>𝑥</m:t>
+                              </m:r>
                             </m:e>
-                          </m:func>
+                            <m:sub>
+                              <m:r>
+                                <a:rPr lang="en-US" b="0" i="1" smtClean="0">
+                                  <a:latin typeface="Cambria Math" panose="02040503050406030204" pitchFamily="18" charset="0"/>
+                                </a:rPr>
+                                <m:t>2</m:t>
+                              </m:r>
+                            </m:sub>
+                            <m:sup>
+                              <m:r>
+                                <a:rPr lang="en-US" b="0" i="1" smtClean="0">
+                                  <a:latin typeface="Cambria Math" panose="02040503050406030204" pitchFamily="18" charset="0"/>
+                                </a:rPr>
+                                <m:t>2</m:t>
+                              </m:r>
+                            </m:sup>
+                          </m:sSubSup>
                         </m:den>
                       </m:f>
                       <m:r>
-                        <a:rPr lang="lv-LV" b="0" i="1" smtClean="0">
+                        <a:rPr lang="en-US" b="0" i="1" smtClean="0">
                           <a:latin typeface="Cambria Math" panose="02040503050406030204" pitchFamily="18" charset="0"/>
                         </a:rPr>
-                        <m:t>.</m:t>
+                        <m:t>+</m:t>
+                      </m:r>
+                      <m:r>
+                        <a:rPr lang="en-US" b="0" i="1" smtClean="0">
+                          <a:latin typeface="Cambria Math" panose="02040503050406030204" pitchFamily="18" charset="0"/>
+                          <a:ea typeface="Cambria Math" panose="02040503050406030204" pitchFamily="18" charset="0"/>
+                        </a:rPr>
+                        <m:t>⋯+</m:t>
+                      </m:r>
+                      <m:f>
+                        <m:fPr>
+                          <m:ctrlPr>
+                            <a:rPr lang="en-US" b="0" i="1" smtClean="0">
+                              <a:latin typeface="Cambria Math" panose="02040503050406030204" pitchFamily="18" charset="0"/>
+                              <a:ea typeface="Cambria Math" panose="02040503050406030204" pitchFamily="18" charset="0"/>
+                            </a:rPr>
+                          </m:ctrlPr>
+                        </m:fPr>
+                        <m:num>
+                          <m:r>
+                            <a:rPr lang="en-US" b="0" i="1" smtClean="0">
+                              <a:latin typeface="Cambria Math" panose="02040503050406030204" pitchFamily="18" charset="0"/>
+                              <a:ea typeface="Cambria Math" panose="02040503050406030204" pitchFamily="18" charset="0"/>
+                            </a:rPr>
+                            <m:t>1</m:t>
+                          </m:r>
+                        </m:num>
+                        <m:den>
+                          <m:sSubSup>
+                            <m:sSubSupPr>
+                              <m:ctrlPr>
+                                <a:rPr lang="en-US" b="0" i="1" smtClean="0">
+                                  <a:latin typeface="Cambria Math" panose="02040503050406030204" pitchFamily="18" charset="0"/>
+                                  <a:ea typeface="Cambria Math" panose="02040503050406030204" pitchFamily="18" charset="0"/>
+                                </a:rPr>
+                              </m:ctrlPr>
+                            </m:sSubSupPr>
+                            <m:e>
+                              <m:r>
+                                <a:rPr lang="en-US" b="0" i="1" smtClean="0">
+                                  <a:latin typeface="Cambria Math" panose="02040503050406030204" pitchFamily="18" charset="0"/>
+                                  <a:ea typeface="Cambria Math" panose="02040503050406030204" pitchFamily="18" charset="0"/>
+                                </a:rPr>
+                                <m:t>𝑥</m:t>
+                              </m:r>
+                            </m:e>
+                            <m:sub>
+                              <m:r>
+                                <a:rPr lang="en-US" b="0" i="1" smtClean="0">
+                                  <a:latin typeface="Cambria Math" panose="02040503050406030204" pitchFamily="18" charset="0"/>
+                                  <a:ea typeface="Cambria Math" panose="02040503050406030204" pitchFamily="18" charset="0"/>
+                                </a:rPr>
+                                <m:t>𝑠</m:t>
+                              </m:r>
+                            </m:sub>
+                            <m:sup>
+                              <m:r>
+                                <a:rPr lang="en-US" b="0" i="1" smtClean="0">
+                                  <a:latin typeface="Cambria Math" panose="02040503050406030204" pitchFamily="18" charset="0"/>
+                                  <a:ea typeface="Cambria Math" panose="02040503050406030204" pitchFamily="18" charset="0"/>
+                                </a:rPr>
+                                <m:t>2</m:t>
+                              </m:r>
+                            </m:sup>
+                          </m:sSubSup>
+                        </m:den>
+                      </m:f>
+                      <m:r>
+                        <a:rPr lang="en-US" b="0" i="1" smtClean="0">
+                          <a:latin typeface="Cambria Math" panose="02040503050406030204" pitchFamily="18" charset="0"/>
+                          <a:ea typeface="Cambria Math" panose="02040503050406030204" pitchFamily="18" charset="0"/>
+                        </a:rPr>
+                        <m:t>=1</m:t>
                       </m:r>
                     </m:oMath>
                   </m:oMathPara>
                 </a14:m>
+                <a:endParaRPr lang="en-US" dirty="0" smtClean="0"/>
+              </a:p>
+              <a:p>
+                <a:r>
+                  <a:rPr lang="lv-LV" dirty="0"/>
+                  <a:t>ir vismaz viens atrisinājums naturālos </a:t>
+                </a:r>
+                <a:r>
+                  <a:rPr lang="lv-LV" dirty="0" smtClean="0"/>
+                  <a:t>skaitļos.</a:t>
+                </a:r>
                 <a:endParaRPr lang="lv-LV" dirty="0"/>
               </a:p>
             </p:txBody>
           </p:sp>
         </mc:Choice>
-        <mc:Fallback>
+        <mc:Fallback xmlns="">
           <p:sp>
             <p:nvSpPr>
-              <p:cNvPr id="6" name="Content Placeholder 5"/>
+              <p:cNvPr id="2" name="Content Placeholder 1"/>
               <p:cNvSpPr>
                 <a:spLocks noGrp="1" noRot="1" noChangeAspect="1" noMove="1" noResize="1" noEditPoints="1" noAdjustHandles="1" noChangeArrowheads="1" noChangeShapeType="1" noTextEdit="1"/>
               </p:cNvSpPr>
@@ -7329,94 +7273,7 @@
       </mc:AlternateContent>
       <p:sp>
         <p:nvSpPr>
-          <p:cNvPr id="5" name="Title 4"/>
-          <p:cNvSpPr>
-            <a:spLocks noGrp="1"/>
-          </p:cNvSpPr>
-          <p:nvPr>
-            <p:ph type="title"/>
-          </p:nvPr>
-        </p:nvSpPr>
-        <p:spPr/>
-        <p:txBody>
-          <a:bodyPr/>
-          <a:lstStyle/>
-          <a:p>
-            <a:r>
-              <a:rPr lang="lv-LV" dirty="0" smtClean="0"/>
-              <a:t>Quiz2021#4.8</a:t>
-            </a:r>
-            <a:endParaRPr lang="lv-LV" dirty="0"/>
-          </a:p>
-        </p:txBody>
-      </p:sp>
-    </p:spTree>
-    <p:extLst>
-      <p:ext uri="{BB962C8B-B14F-4D97-AF65-F5344CB8AC3E}">
-        <p14:creationId xmlns:p14="http://schemas.microsoft.com/office/powerpoint/2010/main" val="2401670789"/>
-      </p:ext>
-    </p:extLst>
-  </p:cSld>
-  <p:clrMapOvr>
-    <a:masterClrMapping/>
-  </p:clrMapOvr>
-  <p:timing>
-    <p:tnLst>
-      <p:par>
-        <p:cTn id="1" dur="indefinite" restart="never" nodeType="tmRoot"/>
-      </p:par>
-    </p:tnLst>
-  </p:timing>
-</p:sld>
-</file>
-
-<file path=ppt/slides/slide18.xml><?xml version="1.0" encoding="utf-8"?>
-<p:sld xmlns:a="http://schemas.openxmlformats.org/drawingml/2006/main" xmlns:r="http://schemas.openxmlformats.org/officeDocument/2006/relationships" xmlns:p="http://schemas.openxmlformats.org/presentationml/2006/main">
-  <p:cSld>
-    <p:spTree>
-      <p:nvGrpSpPr>
-        <p:cNvPr id="1" name=""/>
-        <p:cNvGrpSpPr/>
-        <p:nvPr/>
-      </p:nvGrpSpPr>
-      <p:grpSpPr>
-        <a:xfrm>
-          <a:off x="0" y="0"/>
-          <a:ext cx="0" cy="0"/>
-          <a:chOff x="0" y="0"/>
-          <a:chExt cx="0" cy="0"/>
-        </a:xfrm>
-      </p:grpSpPr>
-      <p:sp>
-        <p:nvSpPr>
-          <p:cNvPr id="6" name="Content Placeholder 5"/>
-          <p:cNvSpPr>
-            <a:spLocks noGrp="1"/>
-          </p:cNvSpPr>
-          <p:nvPr>
-            <p:ph idx="1"/>
-          </p:nvPr>
-        </p:nvSpPr>
-        <p:spPr/>
-        <p:txBody>
-          <a:bodyPr/>
-          <a:lstStyle/>
-          <a:p>
-            <a:r>
-              <a:rPr lang="lv-LV" b="1" dirty="0" smtClean="0"/>
-              <a:t>Ieteikums:</a:t>
-            </a:r>
-            <a:r>
-              <a:rPr lang="lv-LV" dirty="0" smtClean="0"/>
-              <a:t> Gan daļas skaitītājā, gan saucējā var panākt vienādas bāzes logaritmus un lietot logaritma bāzes maiņas formulu.</a:t>
-            </a:r>
-            <a:endParaRPr lang="lv-LV" dirty="0"/>
-          </a:p>
-        </p:txBody>
-      </p:sp>
-      <p:sp>
-        <p:nvSpPr>
-          <p:cNvPr id="5" name="Title 4"/>
+          <p:cNvPr id="4" name="Title 3"/>
           <p:cNvSpPr>
             <a:spLocks noGrp="1"/>
           </p:cNvSpPr>
@@ -7436,1088 +7293,17 @@
     </p:spTree>
     <p:extLst>
       <p:ext uri="{BB962C8B-B14F-4D97-AF65-F5344CB8AC3E}">
-        <p14:creationId xmlns:p14="http://schemas.microsoft.com/office/powerpoint/2010/main" val="1718322654"/>
+        <p14:creationId xmlns:p14="http://schemas.microsoft.com/office/powerpoint/2010/main" val="118388143"/>
       </p:ext>
     </p:extLst>
   </p:cSld>
   <p:clrMapOvr>
     <a:masterClrMapping/>
   </p:clrMapOvr>
-  <p:timing>
-    <p:tnLst>
-      <p:par>
-        <p:cTn id="1" dur="indefinite" restart="never" nodeType="tmRoot"/>
-      </p:par>
-    </p:tnLst>
-  </p:timing>
-</p:sld>
-</file>
-
-<file path=ppt/slides/slide19.xml><?xml version="1.0" encoding="utf-8"?>
-<p:sld xmlns:a="http://schemas.openxmlformats.org/drawingml/2006/main" xmlns:r="http://schemas.openxmlformats.org/officeDocument/2006/relationships" xmlns:p="http://schemas.openxmlformats.org/presentationml/2006/main">
-  <p:cSld>
-    <p:spTree>
-      <p:nvGrpSpPr>
-        <p:cNvPr id="1" name=""/>
-        <p:cNvGrpSpPr/>
-        <p:nvPr/>
-      </p:nvGrpSpPr>
-      <p:grpSpPr>
-        <a:xfrm>
-          <a:off x="0" y="0"/>
-          <a:ext cx="0" cy="0"/>
-          <a:chOff x="0" y="0"/>
-          <a:chExt cx="0" cy="0"/>
-        </a:xfrm>
-      </p:grpSpPr>
-      <mc:AlternateContent xmlns:mc="http://schemas.openxmlformats.org/markup-compatibility/2006" xmlns:a14="http://schemas.microsoft.com/office/drawing/2010/main">
-        <mc:Choice Requires="a14">
-          <p:sp>
-            <p:nvSpPr>
-              <p:cNvPr id="6" name="Content Placeholder 5"/>
-              <p:cNvSpPr>
-                <a:spLocks noGrp="1"/>
-              </p:cNvSpPr>
-              <p:nvPr>
-                <p:ph idx="1"/>
-              </p:nvPr>
-            </p:nvSpPr>
-            <p:spPr/>
-            <p:txBody>
-              <a:bodyPr/>
-              <a:lstStyle/>
-              <a:p>
-                <a:r>
-                  <a:rPr lang="lv-LV" dirty="0" smtClean="0"/>
-                  <a:t>Virknē</a:t>
-                </a:r>
-              </a:p>
-              <a:p>
-                <a:pPr/>
-                <a14:m>
-                  <m:oMathPara xmlns:m="http://schemas.openxmlformats.org/officeDocument/2006/math">
-                    <m:oMathParaPr>
-                      <m:jc m:val="centerGroup"/>
-                    </m:oMathParaPr>
-                    <m:oMath xmlns:m="http://schemas.openxmlformats.org/officeDocument/2006/math">
-                      <m:r>
-                        <a:rPr lang="lv-LV" i="1" dirty="0" smtClean="0">
-                          <a:latin typeface="Cambria Math" panose="02040503050406030204" pitchFamily="18" charset="0"/>
-                        </a:rPr>
-                        <m:t>1000, </m:t>
-                      </m:r>
-                      <m:r>
-                        <a:rPr lang="lv-LV" i="1" dirty="0" smtClean="0">
-                          <a:latin typeface="Cambria Math" panose="02040503050406030204" pitchFamily="18" charset="0"/>
-                        </a:rPr>
-                        <m:t>𝑥</m:t>
-                      </m:r>
-                      <m:r>
-                        <a:rPr lang="lv-LV" i="1" dirty="0" smtClean="0">
-                          <a:latin typeface="Cambria Math" panose="02040503050406030204" pitchFamily="18" charset="0"/>
-                        </a:rPr>
-                        <m:t>, 1000−</m:t>
-                      </m:r>
-                      <m:r>
-                        <a:rPr lang="lv-LV" i="1" dirty="0" smtClean="0">
-                          <a:latin typeface="Cambria Math" panose="02040503050406030204" pitchFamily="18" charset="0"/>
-                        </a:rPr>
-                        <m:t>𝑥</m:t>
-                      </m:r>
-                      <m:r>
-                        <a:rPr lang="lv-LV" i="1" dirty="0" smtClean="0">
-                          <a:latin typeface="Cambria Math" panose="02040503050406030204" pitchFamily="18" charset="0"/>
-                        </a:rPr>
-                        <m:t>, …</m:t>
-                      </m:r>
-                    </m:oMath>
-                  </m:oMathPara>
-                </a14:m>
-                <a:endParaRPr lang="lv-LV" dirty="0"/>
-              </a:p>
-              <a:p>
-                <a:r>
-                  <a:rPr lang="lv-LV" dirty="0"/>
-                  <a:t>pirmie divi locekļi ir </a:t>
-                </a:r>
-                <a14:m>
-                  <m:oMath xmlns:m="http://schemas.openxmlformats.org/officeDocument/2006/math">
-                    <m:r>
-                      <a:rPr lang="lv-LV" i="1" dirty="0" smtClean="0">
-                        <a:latin typeface="Cambria Math" panose="02040503050406030204" pitchFamily="18" charset="0"/>
-                      </a:rPr>
-                      <m:t>1000</m:t>
-                    </m:r>
-                  </m:oMath>
-                </a14:m>
-                <a:r>
-                  <a:rPr lang="lv-LV" dirty="0"/>
-                  <a:t> un </a:t>
-                </a:r>
-                <a14:m>
-                  <m:oMath xmlns:m="http://schemas.openxmlformats.org/officeDocument/2006/math">
-                    <m:r>
-                      <a:rPr lang="lv-LV" i="1" dirty="0" smtClean="0">
-                        <a:latin typeface="Cambria Math" panose="02040503050406030204" pitchFamily="18" charset="0"/>
-                      </a:rPr>
-                      <m:t>𝑥</m:t>
-                    </m:r>
-                  </m:oMath>
-                </a14:m>
-                <a:r>
-                  <a:rPr lang="lv-LV" dirty="0"/>
-                  <a:t>, bet katru nākamo </a:t>
-                </a:r>
-                <a14:m>
-                  <m:oMath xmlns:m="http://schemas.openxmlformats.org/officeDocument/2006/math">
-                    <m:sSub>
-                      <m:sSubPr>
-                        <m:ctrlPr>
-                          <a:rPr lang="lv-LV" i="1" dirty="0" smtClean="0">
-                            <a:latin typeface="Cambria Math" panose="02040503050406030204" pitchFamily="18" charset="0"/>
-                          </a:rPr>
-                        </m:ctrlPr>
-                      </m:sSubPr>
-                      <m:e>
-                        <m:r>
-                          <a:rPr lang="lv-LV" b="0" i="1" dirty="0" smtClean="0">
-                            <a:latin typeface="Cambria Math" panose="02040503050406030204" pitchFamily="18" charset="0"/>
-                          </a:rPr>
-                          <m:t>𝑎</m:t>
-                        </m:r>
-                      </m:e>
-                      <m:sub>
-                        <m:r>
-                          <a:rPr lang="lv-LV" b="0" i="1" dirty="0" smtClean="0">
-                            <a:latin typeface="Cambria Math" panose="02040503050406030204" pitchFamily="18" charset="0"/>
-                          </a:rPr>
-                          <m:t>𝑛</m:t>
-                        </m:r>
-                      </m:sub>
-                    </m:sSub>
-                  </m:oMath>
-                </a14:m>
-                <a:r>
-                  <a:rPr lang="lv-LV" dirty="0"/>
-                  <a:t> iegūst atņemot iepriekšējo no tam </a:t>
-                </a:r>
-                <a:r>
-                  <a:rPr lang="lv-LV" dirty="0" smtClean="0"/>
-                  <a:t>iepriekšējā: </a:t>
-                </a:r>
-                <a14:m>
-                  <m:oMath xmlns:m="http://schemas.openxmlformats.org/officeDocument/2006/math">
-                    <m:sSub>
-                      <m:sSubPr>
-                        <m:ctrlPr>
-                          <a:rPr lang="lv-LV" i="1" dirty="0">
-                            <a:latin typeface="Cambria Math" panose="02040503050406030204" pitchFamily="18" charset="0"/>
-                          </a:rPr>
-                        </m:ctrlPr>
-                      </m:sSubPr>
-                      <m:e>
-                        <m:r>
-                          <a:rPr lang="lv-LV" i="1" dirty="0">
-                            <a:latin typeface="Cambria Math" panose="02040503050406030204" pitchFamily="18" charset="0"/>
-                          </a:rPr>
-                          <m:t>𝑎</m:t>
-                        </m:r>
-                      </m:e>
-                      <m:sub>
-                        <m:r>
-                          <a:rPr lang="lv-LV" i="1" dirty="0">
-                            <a:latin typeface="Cambria Math" panose="02040503050406030204" pitchFamily="18" charset="0"/>
-                          </a:rPr>
-                          <m:t>𝑛</m:t>
-                        </m:r>
-                      </m:sub>
-                    </m:sSub>
-                    <m:r>
-                      <a:rPr lang="lv-LV" b="0" i="1" dirty="0" smtClean="0">
-                        <a:latin typeface="Cambria Math" panose="02040503050406030204" pitchFamily="18" charset="0"/>
-                      </a:rPr>
-                      <m:t>=</m:t>
-                    </m:r>
-                    <m:sSub>
-                      <m:sSubPr>
-                        <m:ctrlPr>
-                          <a:rPr lang="lv-LV" i="1" dirty="0">
-                            <a:latin typeface="Cambria Math" panose="02040503050406030204" pitchFamily="18" charset="0"/>
-                          </a:rPr>
-                        </m:ctrlPr>
-                      </m:sSubPr>
-                      <m:e>
-                        <m:r>
-                          <a:rPr lang="lv-LV" i="1" dirty="0">
-                            <a:latin typeface="Cambria Math" panose="02040503050406030204" pitchFamily="18" charset="0"/>
-                          </a:rPr>
-                          <m:t>𝑎</m:t>
-                        </m:r>
-                      </m:e>
-                      <m:sub>
-                        <m:r>
-                          <a:rPr lang="lv-LV" i="1" dirty="0">
-                            <a:latin typeface="Cambria Math" panose="02040503050406030204" pitchFamily="18" charset="0"/>
-                          </a:rPr>
-                          <m:t>𝑛</m:t>
-                        </m:r>
-                        <m:r>
-                          <a:rPr lang="lv-LV" b="0" i="1" dirty="0" smtClean="0">
-                            <a:latin typeface="Cambria Math" panose="02040503050406030204" pitchFamily="18" charset="0"/>
-                          </a:rPr>
-                          <m:t>−2</m:t>
-                        </m:r>
-                      </m:sub>
-                    </m:sSub>
-                    <m:r>
-                      <a:rPr lang="lv-LV" b="0" i="1" dirty="0" smtClean="0">
-                        <a:latin typeface="Cambria Math" panose="02040503050406030204" pitchFamily="18" charset="0"/>
-                      </a:rPr>
-                      <m:t>−</m:t>
-                    </m:r>
-                    <m:sSub>
-                      <m:sSubPr>
-                        <m:ctrlPr>
-                          <a:rPr lang="lv-LV" i="1" dirty="0">
-                            <a:latin typeface="Cambria Math" panose="02040503050406030204" pitchFamily="18" charset="0"/>
-                          </a:rPr>
-                        </m:ctrlPr>
-                      </m:sSubPr>
-                      <m:e>
-                        <m:r>
-                          <a:rPr lang="lv-LV" i="1" dirty="0">
-                            <a:latin typeface="Cambria Math" panose="02040503050406030204" pitchFamily="18" charset="0"/>
-                          </a:rPr>
-                          <m:t>𝑎</m:t>
-                        </m:r>
-                      </m:e>
-                      <m:sub>
-                        <m:r>
-                          <a:rPr lang="lv-LV" i="1" dirty="0">
-                            <a:latin typeface="Cambria Math" panose="02040503050406030204" pitchFamily="18" charset="0"/>
-                          </a:rPr>
-                          <m:t>𝑛</m:t>
-                        </m:r>
-                        <m:r>
-                          <a:rPr lang="lv-LV" b="0" i="1" dirty="0" smtClean="0">
-                            <a:latin typeface="Cambria Math" panose="02040503050406030204" pitchFamily="18" charset="0"/>
-                          </a:rPr>
-                          <m:t>−1</m:t>
-                        </m:r>
-                      </m:sub>
-                    </m:sSub>
-                  </m:oMath>
-                </a14:m>
-                <a:r>
-                  <a:rPr lang="lv-LV" dirty="0" smtClean="0"/>
-                  <a:t>.</a:t>
-                </a:r>
-                <a:endParaRPr lang="lv-LV" dirty="0"/>
-              </a:p>
-              <a:p>
-                <a:r>
-                  <a:rPr lang="lv-LV" dirty="0"/>
-                  <a:t>Virknes pēdējais loceklis ir pirmais negatīvais skaitlis, kas parādās šajā procesā. Kura naturāla </a:t>
-                </a:r>
-                <a14:m>
-                  <m:oMath xmlns:m="http://schemas.openxmlformats.org/officeDocument/2006/math">
-                    <m:r>
-                      <a:rPr lang="lv-LV" i="1" dirty="0" smtClean="0">
-                        <a:latin typeface="Cambria Math" panose="02040503050406030204" pitchFamily="18" charset="0"/>
-                      </a:rPr>
-                      <m:t>𝑥</m:t>
-                    </m:r>
-                  </m:oMath>
-                </a14:m>
-                <a:r>
-                  <a:rPr lang="lv-LV" dirty="0"/>
-                  <a:t> vērtība rada visgarāko virkni?</a:t>
-                </a:r>
-              </a:p>
-            </p:txBody>
-          </p:sp>
-        </mc:Choice>
-        <mc:Fallback xmlns="">
-          <p:sp>
-            <p:nvSpPr>
-              <p:cNvPr id="6" name="Content Placeholder 5"/>
-              <p:cNvSpPr>
-                <a:spLocks noGrp="1" noRot="1" noChangeAspect="1" noMove="1" noResize="1" noEditPoints="1" noAdjustHandles="1" noChangeArrowheads="1" noChangeShapeType="1" noTextEdit="1"/>
-              </p:cNvSpPr>
-              <p:nvPr>
-                <p:ph idx="1"/>
-              </p:nvPr>
-            </p:nvSpPr>
-            <p:spPr>
-              <a:blipFill>
-                <a:blip r:embed="rId2"/>
-                <a:stretch>
-                  <a:fillRect l="-2163" t="-2318" r="-1009"/>
-                </a:stretch>
-              </a:blipFill>
-            </p:spPr>
-            <p:txBody>
-              <a:bodyPr/>
-              <a:lstStyle/>
-              <a:p>
-                <a:r>
-                  <a:rPr lang="lv-LV">
-                    <a:noFill/>
-                  </a:rPr>
-                  <a:t> </a:t>
-                </a:r>
-              </a:p>
-            </p:txBody>
-          </p:sp>
-        </mc:Fallback>
-      </mc:AlternateContent>
-      <p:sp>
-        <p:nvSpPr>
-          <p:cNvPr id="5" name="Title 4"/>
-          <p:cNvSpPr>
-            <a:spLocks noGrp="1"/>
-          </p:cNvSpPr>
-          <p:nvPr>
-            <p:ph type="title"/>
-          </p:nvPr>
-        </p:nvSpPr>
-        <p:spPr/>
-        <p:txBody>
-          <a:bodyPr/>
-          <a:lstStyle/>
-          <a:p>
-            <a:r>
-              <a:rPr lang="lv-LV" dirty="0" smtClean="0"/>
-              <a:t>Quiz2021#4.9</a:t>
-            </a:r>
-            <a:endParaRPr lang="lv-LV" dirty="0"/>
-          </a:p>
-        </p:txBody>
-      </p:sp>
-    </p:spTree>
-    <p:extLst>
-      <p:ext uri="{BB962C8B-B14F-4D97-AF65-F5344CB8AC3E}">
-        <p14:creationId xmlns:p14="http://schemas.microsoft.com/office/powerpoint/2010/main" val="4199882309"/>
-      </p:ext>
-    </p:extLst>
-  </p:cSld>
-  <p:clrMapOvr>
-    <a:masterClrMapping/>
-  </p:clrMapOvr>
-  <p:timing>
-    <p:tnLst>
-      <p:par>
-        <p:cTn id="1" dur="indefinite" restart="never" nodeType="tmRoot"/>
-      </p:par>
-    </p:tnLst>
-  </p:timing>
 </p:sld>
 </file>
 
 <file path=ppt/slides/slide2.xml><?xml version="1.0" encoding="utf-8"?>
-<p:sld xmlns:a="http://schemas.openxmlformats.org/drawingml/2006/main" xmlns:r="http://schemas.openxmlformats.org/officeDocument/2006/relationships" xmlns:p="http://schemas.openxmlformats.org/presentationml/2006/main">
-  <p:cSld>
-    <p:spTree>
-      <p:nvGrpSpPr>
-        <p:cNvPr id="1" name=""/>
-        <p:cNvGrpSpPr/>
-        <p:nvPr/>
-      </p:nvGrpSpPr>
-      <p:grpSpPr>
-        <a:xfrm>
-          <a:off x="0" y="0"/>
-          <a:ext cx="0" cy="0"/>
-          <a:chOff x="0" y="0"/>
-          <a:chExt cx="0" cy="0"/>
-        </a:xfrm>
-      </p:grpSpPr>
-      <p:sp>
-        <p:nvSpPr>
-          <p:cNvPr id="5" name="Content Placeholder 4"/>
-          <p:cNvSpPr>
-            <a:spLocks noGrp="1"/>
-          </p:cNvSpPr>
-          <p:nvPr>
-            <p:ph idx="1"/>
-          </p:nvPr>
-        </p:nvSpPr>
-        <p:spPr/>
-        <p:txBody>
-          <a:bodyPr/>
-          <a:lstStyle/>
-          <a:p>
-            <a:r>
-              <a:rPr lang="lv-LV" dirty="0" smtClean="0"/>
-              <a:t>Liela iesildīšanās sadaļa...</a:t>
-            </a:r>
-            <a:endParaRPr lang="lv-LV" dirty="0"/>
-          </a:p>
-        </p:txBody>
-      </p:sp>
-      <p:sp>
-        <p:nvSpPr>
-          <p:cNvPr id="4" name="Title 3"/>
-          <p:cNvSpPr>
-            <a:spLocks noGrp="1"/>
-          </p:cNvSpPr>
-          <p:nvPr>
-            <p:ph type="title"/>
-          </p:nvPr>
-        </p:nvSpPr>
-        <p:spPr/>
-        <p:txBody>
-          <a:bodyPr/>
-          <a:lstStyle/>
-          <a:p>
-            <a:r>
-              <a:rPr lang="lv-LV" dirty="0" smtClean="0"/>
-              <a:t>Tests par racionāliem, iracionāliem skaitļiem</a:t>
-            </a:r>
-            <a:endParaRPr lang="lv-LV" dirty="0"/>
-          </a:p>
-        </p:txBody>
-      </p:sp>
-    </p:spTree>
-    <p:extLst>
-      <p:ext uri="{BB962C8B-B14F-4D97-AF65-F5344CB8AC3E}">
-        <p14:creationId xmlns:p14="http://schemas.microsoft.com/office/powerpoint/2010/main" val="2545065306"/>
-      </p:ext>
-    </p:extLst>
-  </p:cSld>
-  <p:clrMapOvr>
-    <a:masterClrMapping/>
-  </p:clrMapOvr>
-  <p:timing>
-    <p:tnLst>
-      <p:par>
-        <p:cTn id="1" dur="indefinite" restart="never" nodeType="tmRoot"/>
-      </p:par>
-    </p:tnLst>
-  </p:timing>
-</p:sld>
-</file>
-
-<file path=ppt/slides/slide20.xml><?xml version="1.0" encoding="utf-8"?>
-<p:sld xmlns:a="http://schemas.openxmlformats.org/drawingml/2006/main" xmlns:r="http://schemas.openxmlformats.org/officeDocument/2006/relationships" xmlns:p="http://schemas.openxmlformats.org/presentationml/2006/main">
-  <p:cSld>
-    <p:spTree>
-      <p:nvGrpSpPr>
-        <p:cNvPr id="1" name=""/>
-        <p:cNvGrpSpPr/>
-        <p:nvPr/>
-      </p:nvGrpSpPr>
-      <p:grpSpPr>
-        <a:xfrm>
-          <a:off x="0" y="0"/>
-          <a:ext cx="0" cy="0"/>
-          <a:chOff x="0" y="0"/>
-          <a:chExt cx="0" cy="0"/>
-        </a:xfrm>
-      </p:grpSpPr>
-      <p:sp>
-        <p:nvSpPr>
-          <p:cNvPr id="6" name="Content Placeholder 5"/>
-          <p:cNvSpPr>
-            <a:spLocks noGrp="1"/>
-          </p:cNvSpPr>
-          <p:nvPr>
-            <p:ph idx="1"/>
-          </p:nvPr>
-        </p:nvSpPr>
-        <p:spPr/>
-        <p:txBody>
-          <a:bodyPr/>
-          <a:lstStyle/>
-          <a:p>
-            <a:endParaRPr lang="lv-LV"/>
-          </a:p>
-        </p:txBody>
-      </p:sp>
-      <p:sp>
-        <p:nvSpPr>
-          <p:cNvPr id="5" name="Title 4"/>
-          <p:cNvSpPr>
-            <a:spLocks noGrp="1"/>
-          </p:cNvSpPr>
-          <p:nvPr>
-            <p:ph type="title"/>
-          </p:nvPr>
-        </p:nvSpPr>
-        <p:spPr/>
-        <p:txBody>
-          <a:bodyPr/>
-          <a:lstStyle/>
-          <a:p>
-            <a:endParaRPr lang="lv-LV"/>
-          </a:p>
-        </p:txBody>
-      </p:sp>
-    </p:spTree>
-    <p:extLst>
-      <p:ext uri="{BB962C8B-B14F-4D97-AF65-F5344CB8AC3E}">
-        <p14:creationId xmlns:p14="http://schemas.microsoft.com/office/powerpoint/2010/main" val="1198920343"/>
-      </p:ext>
-    </p:extLst>
-  </p:cSld>
-  <p:clrMapOvr>
-    <a:masterClrMapping/>
-  </p:clrMapOvr>
-  <p:timing>
-    <p:tnLst>
-      <p:par>
-        <p:cTn id="1" dur="indefinite" restart="never" nodeType="tmRoot"/>
-      </p:par>
-    </p:tnLst>
-  </p:timing>
-</p:sld>
-</file>
-
-<file path=ppt/slides/slide21.xml><?xml version="1.0" encoding="utf-8"?>
-<p:sld xmlns:a="http://schemas.openxmlformats.org/drawingml/2006/main" xmlns:r="http://schemas.openxmlformats.org/officeDocument/2006/relationships" xmlns:p="http://schemas.openxmlformats.org/presentationml/2006/main" show="0">
-  <p:cSld>
-    <p:spTree>
-      <p:nvGrpSpPr>
-        <p:cNvPr id="1" name=""/>
-        <p:cNvGrpSpPr/>
-        <p:nvPr/>
-      </p:nvGrpSpPr>
-      <p:grpSpPr>
-        <a:xfrm>
-          <a:off x="0" y="0"/>
-          <a:ext cx="0" cy="0"/>
-          <a:chOff x="0" y="0"/>
-          <a:chExt cx="0" cy="0"/>
-        </a:xfrm>
-      </p:grpSpPr>
-      <mc:AlternateContent xmlns:mc="http://schemas.openxmlformats.org/markup-compatibility/2006">
-        <mc:Choice xmlns:a14="http://schemas.microsoft.com/office/drawing/2010/main" Requires="a14">
-          <p:sp>
-            <p:nvSpPr>
-              <p:cNvPr id="6" name="Content Placeholder 5"/>
-              <p:cNvSpPr>
-                <a:spLocks noGrp="1"/>
-              </p:cNvSpPr>
-              <p:nvPr>
-                <p:ph idx="1"/>
-              </p:nvPr>
-            </p:nvSpPr>
-            <p:spPr/>
-            <p:txBody>
-              <a:bodyPr/>
-              <a:lstStyle/>
-              <a:p>
-                <a:r>
-                  <a:rPr lang="lv-LV" dirty="0" smtClean="0"/>
-                  <a:t>Reāls skaitlis r apmierina attēlā doto vienādību.</a:t>
-                </a:r>
-              </a:p>
-              <a:p>
-                <a:pPr/>
-                <a14:m>
-                  <m:oMathPara xmlns:m="http://schemas.openxmlformats.org/officeDocument/2006/math">
-                    <m:oMathParaPr>
-                      <m:jc m:val="centerGroup"/>
-                    </m:oMathParaPr>
-                    <m:oMath xmlns:m="http://schemas.openxmlformats.org/officeDocument/2006/math">
-                      <m:d>
-                        <m:dPr>
-                          <m:begChr m:val="⌊"/>
-                          <m:endChr m:val="⌋"/>
-                          <m:ctrlPr>
-                            <a:rPr lang="lv-LV" i="1" smtClean="0">
-                              <a:latin typeface="Cambria Math" panose="02040503050406030204" pitchFamily="18" charset="0"/>
-                            </a:rPr>
-                          </m:ctrlPr>
-                        </m:dPr>
-                        <m:e>
-                          <m:r>
-                            <a:rPr lang="lv-LV" b="0" i="1" smtClean="0">
-                              <a:latin typeface="Cambria Math" panose="02040503050406030204" pitchFamily="18" charset="0"/>
-                            </a:rPr>
-                            <m:t>𝑟</m:t>
-                          </m:r>
-                          <m:r>
-                            <a:rPr lang="lv-LV" b="0" i="1" smtClean="0">
-                              <a:latin typeface="Cambria Math" panose="02040503050406030204" pitchFamily="18" charset="0"/>
-                            </a:rPr>
-                            <m:t>+</m:t>
-                          </m:r>
-                          <m:f>
-                            <m:fPr>
-                              <m:ctrlPr>
-                                <a:rPr lang="lv-LV" b="0" i="1" smtClean="0">
-                                  <a:latin typeface="Cambria Math" panose="02040503050406030204" pitchFamily="18" charset="0"/>
-                                </a:rPr>
-                              </m:ctrlPr>
-                            </m:fPr>
-                            <m:num>
-                              <m:r>
-                                <a:rPr lang="lv-LV" b="0" i="1" smtClean="0">
-                                  <a:latin typeface="Cambria Math" panose="02040503050406030204" pitchFamily="18" charset="0"/>
-                                </a:rPr>
-                                <m:t>19</m:t>
-                              </m:r>
-                            </m:num>
-                            <m:den>
-                              <m:r>
-                                <a:rPr lang="lv-LV" b="0" i="1" smtClean="0">
-                                  <a:latin typeface="Cambria Math" panose="02040503050406030204" pitchFamily="18" charset="0"/>
-                                </a:rPr>
-                                <m:t>100</m:t>
-                              </m:r>
-                            </m:den>
-                          </m:f>
-                        </m:e>
-                      </m:d>
-                      <m:r>
-                        <a:rPr lang="lv-LV" b="0" i="1" smtClean="0">
-                          <a:latin typeface="Cambria Math" panose="02040503050406030204" pitchFamily="18" charset="0"/>
-                        </a:rPr>
-                        <m:t>+</m:t>
-                      </m:r>
-                      <m:d>
-                        <m:dPr>
-                          <m:begChr m:val="⌊"/>
-                          <m:endChr m:val="⌋"/>
-                          <m:ctrlPr>
-                            <a:rPr lang="lv-LV" i="1">
-                              <a:latin typeface="Cambria Math" panose="02040503050406030204" pitchFamily="18" charset="0"/>
-                            </a:rPr>
-                          </m:ctrlPr>
-                        </m:dPr>
-                        <m:e>
-                          <m:r>
-                            <a:rPr lang="lv-LV" i="1">
-                              <a:latin typeface="Cambria Math" panose="02040503050406030204" pitchFamily="18" charset="0"/>
-                            </a:rPr>
-                            <m:t>𝑟</m:t>
-                          </m:r>
-                          <m:r>
-                            <a:rPr lang="lv-LV" i="1">
-                              <a:latin typeface="Cambria Math" panose="02040503050406030204" pitchFamily="18" charset="0"/>
-                            </a:rPr>
-                            <m:t>+</m:t>
-                          </m:r>
-                          <m:f>
-                            <m:fPr>
-                              <m:ctrlPr>
-                                <a:rPr lang="lv-LV" i="1">
-                                  <a:latin typeface="Cambria Math" panose="02040503050406030204" pitchFamily="18" charset="0"/>
-                                </a:rPr>
-                              </m:ctrlPr>
-                            </m:fPr>
-                            <m:num>
-                              <m:r>
-                                <a:rPr lang="lv-LV" b="0" i="1" smtClean="0">
-                                  <a:latin typeface="Cambria Math" panose="02040503050406030204" pitchFamily="18" charset="0"/>
-                                </a:rPr>
-                                <m:t>20</m:t>
-                              </m:r>
-                            </m:num>
-                            <m:den>
-                              <m:r>
-                                <a:rPr lang="lv-LV" i="1">
-                                  <a:latin typeface="Cambria Math" panose="02040503050406030204" pitchFamily="18" charset="0"/>
-                                </a:rPr>
-                                <m:t>100</m:t>
-                              </m:r>
-                            </m:den>
-                          </m:f>
-                        </m:e>
-                      </m:d>
-                      <m:r>
-                        <a:rPr lang="lv-LV" i="1">
-                          <a:latin typeface="Cambria Math" panose="02040503050406030204" pitchFamily="18" charset="0"/>
-                        </a:rPr>
-                        <m:t>+</m:t>
-                      </m:r>
-                      <m:d>
-                        <m:dPr>
-                          <m:begChr m:val="⌊"/>
-                          <m:endChr m:val="⌋"/>
-                          <m:ctrlPr>
-                            <a:rPr lang="lv-LV" i="1">
-                              <a:latin typeface="Cambria Math" panose="02040503050406030204" pitchFamily="18" charset="0"/>
-                            </a:rPr>
-                          </m:ctrlPr>
-                        </m:dPr>
-                        <m:e>
-                          <m:r>
-                            <a:rPr lang="lv-LV" i="1">
-                              <a:latin typeface="Cambria Math" panose="02040503050406030204" pitchFamily="18" charset="0"/>
-                            </a:rPr>
-                            <m:t>𝑟</m:t>
-                          </m:r>
-                          <m:r>
-                            <a:rPr lang="lv-LV" i="1">
-                              <a:latin typeface="Cambria Math" panose="02040503050406030204" pitchFamily="18" charset="0"/>
-                            </a:rPr>
-                            <m:t>+</m:t>
-                          </m:r>
-                          <m:f>
-                            <m:fPr>
-                              <m:ctrlPr>
-                                <a:rPr lang="lv-LV" i="1">
-                                  <a:latin typeface="Cambria Math" panose="02040503050406030204" pitchFamily="18" charset="0"/>
-                                </a:rPr>
-                              </m:ctrlPr>
-                            </m:fPr>
-                            <m:num>
-                              <m:r>
-                                <a:rPr lang="lv-LV" i="1">
-                                  <a:latin typeface="Cambria Math" panose="02040503050406030204" pitchFamily="18" charset="0"/>
-                                </a:rPr>
-                                <m:t>2</m:t>
-                              </m:r>
-                              <m:r>
-                                <a:rPr lang="lv-LV" b="0" i="1" smtClean="0">
-                                  <a:latin typeface="Cambria Math" panose="02040503050406030204" pitchFamily="18" charset="0"/>
-                                </a:rPr>
-                                <m:t>1</m:t>
-                              </m:r>
-                            </m:num>
-                            <m:den>
-                              <m:r>
-                                <a:rPr lang="lv-LV" i="1">
-                                  <a:latin typeface="Cambria Math" panose="02040503050406030204" pitchFamily="18" charset="0"/>
-                                </a:rPr>
-                                <m:t>100</m:t>
-                              </m:r>
-                            </m:den>
-                          </m:f>
-                        </m:e>
-                      </m:d>
-                      <m:r>
-                        <a:rPr lang="lv-LV" b="0" i="1" smtClean="0">
-                          <a:latin typeface="Cambria Math" panose="02040503050406030204" pitchFamily="18" charset="0"/>
-                        </a:rPr>
-                        <m:t>+</m:t>
-                      </m:r>
-                      <m:r>
-                        <a:rPr lang="lv-LV" i="1" smtClean="0">
-                          <a:latin typeface="Cambria Math" panose="02040503050406030204" pitchFamily="18" charset="0"/>
-                          <a:ea typeface="Cambria Math" panose="02040503050406030204" pitchFamily="18" charset="0"/>
-                        </a:rPr>
-                        <m:t>⋯</m:t>
-                      </m:r>
-                      <m:r>
-                        <a:rPr lang="lv-LV" b="0" i="1" smtClean="0">
-                          <a:latin typeface="Cambria Math" panose="02040503050406030204" pitchFamily="18" charset="0"/>
-                          <a:ea typeface="Cambria Math" panose="02040503050406030204" pitchFamily="18" charset="0"/>
-                        </a:rPr>
-                        <m:t>+</m:t>
-                      </m:r>
-                      <m:d>
-                        <m:dPr>
-                          <m:begChr m:val="⌊"/>
-                          <m:endChr m:val="⌋"/>
-                          <m:ctrlPr>
-                            <a:rPr lang="lv-LV" i="1">
-                              <a:latin typeface="Cambria Math" panose="02040503050406030204" pitchFamily="18" charset="0"/>
-                            </a:rPr>
-                          </m:ctrlPr>
-                        </m:dPr>
-                        <m:e>
-                          <m:r>
-                            <a:rPr lang="lv-LV" i="1">
-                              <a:latin typeface="Cambria Math" panose="02040503050406030204" pitchFamily="18" charset="0"/>
-                            </a:rPr>
-                            <m:t>𝑟</m:t>
-                          </m:r>
-                          <m:r>
-                            <a:rPr lang="lv-LV" i="1">
-                              <a:latin typeface="Cambria Math" panose="02040503050406030204" pitchFamily="18" charset="0"/>
-                            </a:rPr>
-                            <m:t>+</m:t>
-                          </m:r>
-                          <m:f>
-                            <m:fPr>
-                              <m:ctrlPr>
-                                <a:rPr lang="lv-LV" i="1">
-                                  <a:latin typeface="Cambria Math" panose="02040503050406030204" pitchFamily="18" charset="0"/>
-                                </a:rPr>
-                              </m:ctrlPr>
-                            </m:fPr>
-                            <m:num>
-                              <m:r>
-                                <a:rPr lang="lv-LV" b="0" i="1" smtClean="0">
-                                  <a:latin typeface="Cambria Math" panose="02040503050406030204" pitchFamily="18" charset="0"/>
-                                </a:rPr>
-                                <m:t>91</m:t>
-                              </m:r>
-                            </m:num>
-                            <m:den>
-                              <m:r>
-                                <a:rPr lang="lv-LV" i="1">
-                                  <a:latin typeface="Cambria Math" panose="02040503050406030204" pitchFamily="18" charset="0"/>
-                                </a:rPr>
-                                <m:t>100</m:t>
-                              </m:r>
-                            </m:den>
-                          </m:f>
-                        </m:e>
-                      </m:d>
-                      <m:r>
-                        <a:rPr lang="lv-LV" b="0" i="1" smtClean="0">
-                          <a:latin typeface="Cambria Math" panose="02040503050406030204" pitchFamily="18" charset="0"/>
-                        </a:rPr>
-                        <m:t>=546.</m:t>
-                      </m:r>
-                    </m:oMath>
-                  </m:oMathPara>
-                </a14:m>
-                <a:endParaRPr lang="lv-LV" dirty="0"/>
-              </a:p>
-              <a:p>
-                <a:endParaRPr lang="lv-LV" dirty="0" smtClean="0"/>
-              </a:p>
-              <a:p>
-                <a:r>
-                  <a:rPr lang="lv-LV" dirty="0"/>
-                  <a:t>Atrast </a:t>
-                </a:r>
-                <a14:m>
-                  <m:oMath xmlns:m="http://schemas.openxmlformats.org/officeDocument/2006/math">
-                    <m:d>
-                      <m:dPr>
-                        <m:begChr m:val="⌊"/>
-                        <m:endChr m:val="⌋"/>
-                        <m:ctrlPr>
-                          <a:rPr lang="lv-LV" i="1" smtClean="0">
-                            <a:latin typeface="Cambria Math" panose="02040503050406030204" pitchFamily="18" charset="0"/>
-                          </a:rPr>
-                        </m:ctrlPr>
-                      </m:dPr>
-                      <m:e>
-                        <m:r>
-                          <a:rPr lang="lv-LV" b="0" i="1" smtClean="0">
-                            <a:latin typeface="Cambria Math" panose="02040503050406030204" pitchFamily="18" charset="0"/>
-                          </a:rPr>
-                          <m:t>100</m:t>
-                        </m:r>
-                        <m:r>
-                          <a:rPr lang="lv-LV" b="0" i="1" smtClean="0">
-                            <a:latin typeface="Cambria Math" panose="02040503050406030204" pitchFamily="18" charset="0"/>
-                          </a:rPr>
-                          <m:t>𝑟</m:t>
-                        </m:r>
-                      </m:e>
-                    </m:d>
-                  </m:oMath>
-                </a14:m>
-                <a:r>
-                  <a:rPr lang="lv-LV" dirty="0"/>
-                  <a:t> </a:t>
-                </a:r>
-                <a:r>
-                  <a:rPr lang="lv-LV" dirty="0" smtClean="0"/>
-                  <a:t>  (</a:t>
-                </a:r>
-                <a14:m>
-                  <m:oMath xmlns:m="http://schemas.openxmlformats.org/officeDocument/2006/math">
-                    <m:r>
-                      <a:rPr lang="lv-LV" i="1" dirty="0" smtClean="0">
-                        <a:latin typeface="Cambria Math" panose="02040503050406030204" pitchFamily="18" charset="0"/>
-                      </a:rPr>
-                      <m:t>100</m:t>
-                    </m:r>
-                    <m:r>
-                      <a:rPr lang="lv-LV" i="1" dirty="0" smtClean="0">
-                        <a:latin typeface="Cambria Math" panose="02040503050406030204" pitchFamily="18" charset="0"/>
-                        <a:ea typeface="Cambria Math" panose="02040503050406030204" pitchFamily="18" charset="0"/>
-                      </a:rPr>
-                      <m:t>∙</m:t>
-                    </m:r>
-                    <m:r>
-                      <a:rPr lang="lv-LV" i="1" dirty="0" smtClean="0">
-                        <a:latin typeface="Cambria Math" panose="02040503050406030204" pitchFamily="18" charset="0"/>
-                      </a:rPr>
-                      <m:t>𝑟</m:t>
-                    </m:r>
-                  </m:oMath>
-                </a14:m>
-                <a:r>
-                  <a:rPr lang="lv-LV" dirty="0"/>
-                  <a:t> veselo daļu</a:t>
-                </a:r>
-                <a:r>
-                  <a:rPr lang="lv-LV" dirty="0" smtClean="0"/>
-                  <a:t>).</a:t>
-                </a:r>
-                <a:endParaRPr lang="lv-LV" dirty="0"/>
-              </a:p>
-            </p:txBody>
-          </p:sp>
-        </mc:Choice>
-        <mc:Fallback>
-          <p:sp>
-            <p:nvSpPr>
-              <p:cNvPr id="6" name="Content Placeholder 5"/>
-              <p:cNvSpPr>
-                <a:spLocks noGrp="1" noRot="1" noChangeAspect="1" noMove="1" noResize="1" noEditPoints="1" noAdjustHandles="1" noChangeArrowheads="1" noChangeShapeType="1" noTextEdit="1"/>
-              </p:cNvSpPr>
-              <p:nvPr>
-                <p:ph idx="1"/>
-              </p:nvPr>
-            </p:nvSpPr>
-            <p:spPr>
-              <a:blipFill>
-                <a:blip r:embed="rId2"/>
-                <a:stretch>
-                  <a:fillRect l="-2163" t="-2318"/>
-                </a:stretch>
-              </a:blipFill>
-            </p:spPr>
-            <p:txBody>
-              <a:bodyPr/>
-              <a:lstStyle/>
-              <a:p>
-                <a:r>
-                  <a:rPr lang="lv-LV">
-                    <a:noFill/>
-                  </a:rPr>
-                  <a:t> </a:t>
-                </a:r>
-              </a:p>
-            </p:txBody>
-          </p:sp>
-        </mc:Fallback>
-      </mc:AlternateContent>
-      <p:sp>
-        <p:nvSpPr>
-          <p:cNvPr id="5" name="Title 4"/>
-          <p:cNvSpPr>
-            <a:spLocks noGrp="1"/>
-          </p:cNvSpPr>
-          <p:nvPr>
-            <p:ph type="title"/>
-          </p:nvPr>
-        </p:nvSpPr>
-        <p:spPr/>
-        <p:txBody>
-          <a:bodyPr/>
-          <a:lstStyle/>
-          <a:p>
-            <a:r>
-              <a:rPr lang="lv-LV" dirty="0" smtClean="0"/>
-              <a:t>Quiz2021#4.10</a:t>
-            </a:r>
-            <a:endParaRPr lang="lv-LV" dirty="0"/>
-          </a:p>
-        </p:txBody>
-      </p:sp>
-    </p:spTree>
-    <p:extLst>
-      <p:ext uri="{BB962C8B-B14F-4D97-AF65-F5344CB8AC3E}">
-        <p14:creationId xmlns:p14="http://schemas.microsoft.com/office/powerpoint/2010/main" val="794312813"/>
-      </p:ext>
-    </p:extLst>
-  </p:cSld>
-  <p:clrMapOvr>
-    <a:masterClrMapping/>
-  </p:clrMapOvr>
-  <mc:AlternateContent xmlns:mc="http://schemas.openxmlformats.org/markup-compatibility/2006" xmlns:p14="http://schemas.microsoft.com/office/powerpoint/2010/main">
-    <mc:Choice Requires="p14">
-      <p:transition spd="slow" p14:dur="2000"/>
-    </mc:Choice>
-    <mc:Fallback xmlns="">
-      <p:transition spd="slow"/>
-    </mc:Fallback>
-  </mc:AlternateContent>
-  <p:timing>
-    <p:tnLst>
-      <p:par>
-        <p:cTn id="1" dur="indefinite" restart="never" nodeType="tmRoot"/>
-      </p:par>
-    </p:tnLst>
-  </p:timing>
-</p:sld>
-</file>
-
-<file path=ppt/slides/slide22.xml><?xml version="1.0" encoding="utf-8"?>
-<p:sld xmlns:a="http://schemas.openxmlformats.org/drawingml/2006/main" xmlns:r="http://schemas.openxmlformats.org/officeDocument/2006/relationships" xmlns:p="http://schemas.openxmlformats.org/presentationml/2006/main" show="0">
-  <p:cSld>
-    <p:spTree>
-      <p:nvGrpSpPr>
-        <p:cNvPr id="1" name=""/>
-        <p:cNvGrpSpPr/>
-        <p:nvPr/>
-      </p:nvGrpSpPr>
-      <p:grpSpPr>
-        <a:xfrm>
-          <a:off x="0" y="0"/>
-          <a:ext cx="0" cy="0"/>
-          <a:chOff x="0" y="0"/>
-          <a:chExt cx="0" cy="0"/>
-        </a:xfrm>
-      </p:grpSpPr>
-      <p:sp>
-        <p:nvSpPr>
-          <p:cNvPr id="6" name="Content Placeholder 5"/>
-          <p:cNvSpPr>
-            <a:spLocks noGrp="1"/>
-          </p:cNvSpPr>
-          <p:nvPr>
-            <p:ph idx="1"/>
-          </p:nvPr>
-        </p:nvSpPr>
-        <p:spPr/>
-        <p:txBody>
-          <a:bodyPr/>
-          <a:lstStyle/>
-          <a:p>
-            <a:endParaRPr lang="lv-LV"/>
-          </a:p>
-        </p:txBody>
-      </p:sp>
-      <p:sp>
-        <p:nvSpPr>
-          <p:cNvPr id="5" name="Title 4"/>
-          <p:cNvSpPr>
-            <a:spLocks noGrp="1"/>
-          </p:cNvSpPr>
-          <p:nvPr>
-            <p:ph type="title"/>
-          </p:nvPr>
-        </p:nvSpPr>
-        <p:spPr/>
-        <p:txBody>
-          <a:bodyPr/>
-          <a:lstStyle/>
-          <a:p>
-            <a:endParaRPr lang="lv-LV"/>
-          </a:p>
-        </p:txBody>
-      </p:sp>
-    </p:spTree>
-    <p:extLst>
-      <p:ext uri="{BB962C8B-B14F-4D97-AF65-F5344CB8AC3E}">
-        <p14:creationId xmlns:p14="http://schemas.microsoft.com/office/powerpoint/2010/main" val="3598259535"/>
-      </p:ext>
-    </p:extLst>
-  </p:cSld>
-  <p:clrMapOvr>
-    <a:masterClrMapping/>
-  </p:clrMapOvr>
-  <mc:AlternateContent xmlns:mc="http://schemas.openxmlformats.org/markup-compatibility/2006" xmlns:p14="http://schemas.microsoft.com/office/powerpoint/2010/main">
-    <mc:Choice Requires="p14">
-      <p:transition spd="slow" p14:dur="2000"/>
-    </mc:Choice>
-    <mc:Fallback xmlns="">
-      <p:transition spd="slow"/>
-    </mc:Fallback>
-  </mc:AlternateContent>
-  <p:timing>
-    <p:tnLst>
-      <p:par>
-        <p:cTn id="1" dur="indefinite" restart="never" nodeType="tmRoot"/>
-      </p:par>
-    </p:tnLst>
-  </p:timing>
-</p:sld>
-</file>
-
-<file path=ppt/slides/slide23.xml><?xml version="1.0" encoding="utf-8"?>
 <p:sld xmlns:a="http://schemas.openxmlformats.org/drawingml/2006/main" xmlns:r="http://schemas.openxmlformats.org/officeDocument/2006/relationships" xmlns:p="http://schemas.openxmlformats.org/presentationml/2006/main">
   <p:cSld>
     <p:spTree>
@@ -8614,7 +7400,7 @@
 </p:sld>
 </file>
 
-<file path=ppt/slides/slide24.xml><?xml version="1.0" encoding="utf-8"?>
+<file path=ppt/slides/slide3.xml><?xml version="1.0" encoding="utf-8"?>
 <p:sld xmlns:a="http://schemas.openxmlformats.org/drawingml/2006/main" xmlns:r="http://schemas.openxmlformats.org/officeDocument/2006/relationships" xmlns:p="http://schemas.openxmlformats.org/presentationml/2006/main">
   <p:cSld>
     <p:spTree>
@@ -8860,7 +7646,7 @@
 </p:sld>
 </file>
 
-<file path=ppt/slides/slide25.xml><?xml version="1.0" encoding="utf-8"?>
+<file path=ppt/slides/slide4.xml><?xml version="1.0" encoding="utf-8"?>
 <p:sld xmlns:a="http://schemas.openxmlformats.org/drawingml/2006/main" xmlns:r="http://schemas.openxmlformats.org/officeDocument/2006/relationships" xmlns:p="http://schemas.openxmlformats.org/presentationml/2006/main">
   <p:cSld>
     <p:spTree>
@@ -9068,7 +7854,7 @@
 </p:sld>
 </file>
 
-<file path=ppt/slides/slide26.xml><?xml version="1.0" encoding="utf-8"?>
+<file path=ppt/slides/slide5.xml><?xml version="1.0" encoding="utf-8"?>
 <p:sld xmlns:a="http://schemas.openxmlformats.org/drawingml/2006/main" xmlns:r="http://schemas.openxmlformats.org/officeDocument/2006/relationships" xmlns:p="http://schemas.openxmlformats.org/presentationml/2006/main">
   <p:cSld>
     <p:spTree>
@@ -9272,7 +8058,7 @@
 </p:sld>
 </file>
 
-<file path=ppt/slides/slide27.xml><?xml version="1.0" encoding="utf-8"?>
+<file path=ppt/slides/slide6.xml><?xml version="1.0" encoding="utf-8"?>
 <p:sld xmlns:a="http://schemas.openxmlformats.org/drawingml/2006/main" xmlns:r="http://schemas.openxmlformats.org/officeDocument/2006/relationships" xmlns:p="http://schemas.openxmlformats.org/presentationml/2006/main">
   <p:cSld>
     <p:spTree>
@@ -12072,7 +10858,7 @@
 </p:sld>
 </file>
 
-<file path=ppt/slides/slide28.xml><?xml version="1.0" encoding="utf-8"?>
+<file path=ppt/slides/slide7.xml><?xml version="1.0" encoding="utf-8"?>
 <p:sld xmlns:a="http://schemas.openxmlformats.org/drawingml/2006/main" xmlns:r="http://schemas.openxmlformats.org/officeDocument/2006/relationships" xmlns:p="http://schemas.openxmlformats.org/presentationml/2006/main">
   <p:cSld>
     <p:spTree>
@@ -12374,7 +11160,7 @@
 </p:sld>
 </file>
 
-<file path=ppt/slides/slide29.xml><?xml version="1.0" encoding="utf-8"?>
+<file path=ppt/slides/slide8.xml><?xml version="1.0" encoding="utf-8"?>
 <p:sld xmlns:a="http://schemas.openxmlformats.org/drawingml/2006/main" xmlns:r="http://schemas.openxmlformats.org/officeDocument/2006/relationships" xmlns:p="http://schemas.openxmlformats.org/presentationml/2006/main">
   <p:cSld>
     <p:spTree>
@@ -13345,225 +12131,7 @@
 </p:sld>
 </file>
 
-<file path=ppt/slides/slide3.xml><?xml version="1.0" encoding="utf-8"?>
-<p:sld xmlns:a="http://schemas.openxmlformats.org/drawingml/2006/main" xmlns:r="http://schemas.openxmlformats.org/officeDocument/2006/relationships" xmlns:p="http://schemas.openxmlformats.org/presentationml/2006/main">
-  <p:cSld>
-    <p:spTree>
-      <p:nvGrpSpPr>
-        <p:cNvPr id="1" name=""/>
-        <p:cNvGrpSpPr/>
-        <p:nvPr/>
-      </p:nvGrpSpPr>
-      <p:grpSpPr>
-        <a:xfrm>
-          <a:off x="0" y="0"/>
-          <a:ext cx="0" cy="0"/>
-          <a:chOff x="0" y="0"/>
-          <a:chExt cx="0" cy="0"/>
-        </a:xfrm>
-      </p:grpSpPr>
-      <mc:AlternateContent xmlns:mc="http://schemas.openxmlformats.org/markup-compatibility/2006" xmlns:a14="http://schemas.microsoft.com/office/drawing/2010/main">
-        <mc:Choice Requires="a14">
-          <p:sp>
-            <p:nvSpPr>
-              <p:cNvPr id="5" name="Content Placeholder 4"/>
-              <p:cNvSpPr>
-                <a:spLocks noGrp="1"/>
-              </p:cNvSpPr>
-              <p:nvPr>
-                <p:ph idx="1"/>
-              </p:nvPr>
-            </p:nvSpPr>
-            <p:spPr/>
-            <p:txBody>
-              <a:bodyPr/>
-              <a:lstStyle/>
-              <a:p>
-                <a:r>
-                  <a:rPr lang="lv-LV" dirty="0" smtClean="0"/>
-                  <a:t>Sauksim naturālu skaitli </a:t>
-                </a:r>
-                <a:r>
-                  <a:rPr lang="lv-LV" i="1" dirty="0"/>
-                  <a:t>n</a:t>
-                </a:r>
-                <a:r>
-                  <a:rPr lang="lv-LV" dirty="0"/>
-                  <a:t> par </a:t>
-                </a:r>
-                <a:r>
-                  <a:rPr lang="lv-LV" i="1" dirty="0"/>
-                  <a:t>derīgu</a:t>
-                </a:r>
-                <a:r>
-                  <a:rPr lang="lv-LV" dirty="0"/>
-                  <a:t>, ja attēlā dotās izteiksmes vērtība arī ir naturāls skaitlis. </a:t>
-                </a:r>
-                <a:endParaRPr lang="lv-LV" dirty="0" smtClean="0"/>
-              </a:p>
-              <a:p>
-                <a:pPr/>
-                <a14:m>
-                  <m:oMathPara xmlns:m="http://schemas.openxmlformats.org/officeDocument/2006/math">
-                    <m:oMathParaPr>
-                      <m:jc m:val="centerGroup"/>
-                    </m:oMathParaPr>
-                    <m:oMath xmlns:m="http://schemas.openxmlformats.org/officeDocument/2006/math">
-                      <m:rad>
-                        <m:radPr>
-                          <m:degHide m:val="on"/>
-                          <m:ctrlPr>
-                            <a:rPr lang="lv-LV" i="1" smtClean="0">
-                              <a:latin typeface="Cambria Math" panose="02040503050406030204" pitchFamily="18" charset="0"/>
-                            </a:rPr>
-                          </m:ctrlPr>
-                        </m:radPr>
-                        <m:deg/>
-                        <m:e>
-                          <m:sSup>
-                            <m:sSupPr>
-                              <m:ctrlPr>
-                                <a:rPr lang="lv-LV" i="1" smtClean="0">
-                                  <a:latin typeface="Cambria Math" panose="02040503050406030204" pitchFamily="18" charset="0"/>
-                                </a:rPr>
-                              </m:ctrlPr>
-                            </m:sSupPr>
-                            <m:e>
-                              <m:r>
-                                <a:rPr lang="lv-LV" b="0" i="1" smtClean="0">
-                                  <a:latin typeface="Cambria Math" panose="02040503050406030204" pitchFamily="18" charset="0"/>
-                                </a:rPr>
-                                <m:t>𝑛</m:t>
-                              </m:r>
-                            </m:e>
-                            <m:sup>
-                              <m:r>
-                                <a:rPr lang="lv-LV" b="0" i="1" smtClean="0">
-                                  <a:latin typeface="Cambria Math" panose="02040503050406030204" pitchFamily="18" charset="0"/>
-                                </a:rPr>
-                                <m:t>2</m:t>
-                              </m:r>
-                            </m:sup>
-                          </m:sSup>
-                          <m:r>
-                            <a:rPr lang="lv-LV" b="0" i="1" smtClean="0">
-                              <a:latin typeface="Cambria Math" panose="02040503050406030204" pitchFamily="18" charset="0"/>
-                            </a:rPr>
-                            <m:t>+85</m:t>
-                          </m:r>
-                          <m:r>
-                            <a:rPr lang="lv-LV" b="0" i="1" smtClean="0">
-                              <a:latin typeface="Cambria Math" panose="02040503050406030204" pitchFamily="18" charset="0"/>
-                            </a:rPr>
-                            <m:t>𝑛</m:t>
-                          </m:r>
-                          <m:r>
-                            <a:rPr lang="lv-LV" b="0" i="1" smtClean="0">
-                              <a:latin typeface="Cambria Math" panose="02040503050406030204" pitchFamily="18" charset="0"/>
-                            </a:rPr>
-                            <m:t>+2021</m:t>
-                          </m:r>
-                        </m:e>
-                      </m:rad>
-                    </m:oMath>
-                  </m:oMathPara>
-                </a14:m>
-                <a:endParaRPr lang="lv-LV" dirty="0" smtClean="0"/>
-              </a:p>
-              <a:p>
-                <a:r>
-                  <a:rPr lang="lv-LV" dirty="0" smtClean="0"/>
-                  <a:t>Atrast </a:t>
-                </a:r>
-                <a:r>
-                  <a:rPr lang="lv-LV" dirty="0"/>
-                  <a:t>visu derīgo skaitļu summu.</a:t>
-                </a:r>
-              </a:p>
-              <a:p>
-                <a:endParaRPr lang="lv-LV" dirty="0"/>
-              </a:p>
-            </p:txBody>
-          </p:sp>
-        </mc:Choice>
-        <mc:Fallback xmlns="">
-          <p:sp>
-            <p:nvSpPr>
-              <p:cNvPr id="5" name="Content Placeholder 4"/>
-              <p:cNvSpPr>
-                <a:spLocks noGrp="1" noRot="1" noChangeAspect="1" noMove="1" noResize="1" noEditPoints="1" noAdjustHandles="1" noChangeArrowheads="1" noChangeShapeType="1" noTextEdit="1"/>
-              </p:cNvSpPr>
-              <p:nvPr>
-                <p:ph idx="1"/>
-              </p:nvPr>
-            </p:nvSpPr>
-            <p:spPr>
-              <a:blipFill>
-                <a:blip r:embed="rId2"/>
-                <a:stretch>
-                  <a:fillRect l="-2163" t="-2318"/>
-                </a:stretch>
-              </a:blipFill>
-            </p:spPr>
-            <p:txBody>
-              <a:bodyPr/>
-              <a:lstStyle/>
-              <a:p>
-                <a:r>
-                  <a:rPr lang="lv-LV">
-                    <a:noFill/>
-                  </a:rPr>
-                  <a:t> </a:t>
-                </a:r>
-              </a:p>
-            </p:txBody>
-          </p:sp>
-        </mc:Fallback>
-      </mc:AlternateContent>
-      <p:sp>
-        <p:nvSpPr>
-          <p:cNvPr id="7" name="Title 6"/>
-          <p:cNvSpPr>
-            <a:spLocks noGrp="1"/>
-          </p:cNvSpPr>
-          <p:nvPr>
-            <p:ph type="title"/>
-          </p:nvPr>
-        </p:nvSpPr>
-        <p:spPr/>
-        <p:txBody>
-          <a:bodyPr/>
-          <a:lstStyle/>
-          <a:p>
-            <a:r>
-              <a:rPr lang="lv-LV" dirty="0" smtClean="0"/>
-              <a:t>Quiz2021#4.1</a:t>
-            </a:r>
-            <a:endParaRPr lang="lv-LV" dirty="0"/>
-          </a:p>
-        </p:txBody>
-      </p:sp>
-    </p:spTree>
-    <p:extLst>
-      <p:ext uri="{BB962C8B-B14F-4D97-AF65-F5344CB8AC3E}">
-        <p14:creationId xmlns:p14="http://schemas.microsoft.com/office/powerpoint/2010/main" val="4017597110"/>
-      </p:ext>
-    </p:extLst>
-  </p:cSld>
-  <p:clrMapOvr>
-    <a:masterClrMapping/>
-  </p:clrMapOvr>
-  <p:timing>
-    <p:tnLst>
-      <p:par>
-        <p:cTn id="1" dur="indefinite" restart="never" nodeType="tmRoot"/>
-      </p:par>
-    </p:tnLst>
-  </p:timing>
-</p:sld>
-</file>
-
-<file path=ppt/slides/slide30.xml><?xml version="1.0" encoding="utf-8"?>
+<file path=ppt/slides/slide9.xml><?xml version="1.0" encoding="utf-8"?>
 <p:sld xmlns:a="http://schemas.openxmlformats.org/drawingml/2006/main" xmlns:r="http://schemas.openxmlformats.org/officeDocument/2006/relationships" xmlns:p="http://schemas.openxmlformats.org/presentationml/2006/main">
   <p:cSld>
     <p:spTree>
@@ -13635,3174 +12203,6 @@
     <p:extLst>
       <p:ext uri="{BB962C8B-B14F-4D97-AF65-F5344CB8AC3E}">
         <p14:creationId xmlns:p14="http://schemas.microsoft.com/office/powerpoint/2010/main" val="2929865804"/>
-      </p:ext>
-    </p:extLst>
-  </p:cSld>
-  <p:clrMapOvr>
-    <a:masterClrMapping/>
-  </p:clrMapOvr>
-  <p:timing>
-    <p:tnLst>
-      <p:par>
-        <p:cTn id="1" dur="indefinite" restart="never" nodeType="tmRoot"/>
-      </p:par>
-    </p:tnLst>
-  </p:timing>
-</p:sld>
-</file>
-
-<file path=ppt/slides/slide31.xml><?xml version="1.0" encoding="utf-8"?>
-<p:sld xmlns:a="http://schemas.openxmlformats.org/drawingml/2006/main" xmlns:r="http://schemas.openxmlformats.org/officeDocument/2006/relationships" xmlns:p="http://schemas.openxmlformats.org/presentationml/2006/main">
-  <p:cSld>
-    <p:spTree>
-      <p:nvGrpSpPr>
-        <p:cNvPr id="1" name=""/>
-        <p:cNvGrpSpPr/>
-        <p:nvPr/>
-      </p:nvGrpSpPr>
-      <p:grpSpPr>
-        <a:xfrm>
-          <a:off x="0" y="0"/>
-          <a:ext cx="0" cy="0"/>
-          <a:chOff x="0" y="0"/>
-          <a:chExt cx="0" cy="0"/>
-        </a:xfrm>
-      </p:grpSpPr>
-      <mc:AlternateContent xmlns:mc="http://schemas.openxmlformats.org/markup-compatibility/2006" xmlns:a14="http://schemas.microsoft.com/office/drawing/2010/main">
-        <mc:Choice Requires="a14">
-          <p:sp>
-            <p:nvSpPr>
-              <p:cNvPr id="2" name="Content Placeholder 1"/>
-              <p:cNvSpPr>
-                <a:spLocks noGrp="1"/>
-              </p:cNvSpPr>
-              <p:nvPr>
-                <p:ph idx="1"/>
-              </p:nvPr>
-            </p:nvSpPr>
-            <p:spPr/>
-            <p:txBody>
-              <a:bodyPr>
-                <a:noAutofit/>
-              </a:bodyPr>
-              <a:lstStyle/>
-              <a:p>
-                <a:r>
-                  <a:rPr lang="lv-LV" dirty="0" smtClean="0"/>
-                  <a:t>Vienādojumam </a:t>
-                </a:r>
-                <a14:m>
-                  <m:oMath xmlns:m="http://schemas.openxmlformats.org/officeDocument/2006/math">
-                    <m:sSup>
-                      <m:sSupPr>
-                        <m:ctrlPr>
-                          <a:rPr lang="lv-LV" i="1" smtClean="0">
-                            <a:latin typeface="Cambria Math" panose="02040503050406030204" pitchFamily="18" charset="0"/>
-                          </a:rPr>
-                        </m:ctrlPr>
-                      </m:sSupPr>
-                      <m:e>
-                        <m:r>
-                          <a:rPr lang="lv-LV" b="0" i="1" smtClean="0">
-                            <a:latin typeface="Cambria Math" panose="02040503050406030204" pitchFamily="18" charset="0"/>
-                          </a:rPr>
-                          <m:t>𝑥</m:t>
-                        </m:r>
-                      </m:e>
-                      <m:sup>
-                        <m:r>
-                          <a:rPr lang="lv-LV" b="0" i="1" smtClean="0">
-                            <a:latin typeface="Cambria Math" panose="02040503050406030204" pitchFamily="18" charset="0"/>
-                          </a:rPr>
-                          <m:t>2</m:t>
-                        </m:r>
-                      </m:sup>
-                    </m:sSup>
-                    <m:r>
-                      <a:rPr lang="lv-LV" b="0" i="1" smtClean="0">
-                        <a:latin typeface="Cambria Math" panose="02040503050406030204" pitchFamily="18" charset="0"/>
-                      </a:rPr>
-                      <m:t>+1</m:t>
-                    </m:r>
-                    <m:r>
-                      <a:rPr lang="lv-LV" b="0" i="1" smtClean="0">
-                        <a:latin typeface="Cambria Math" panose="02040503050406030204" pitchFamily="18" charset="0"/>
-                        <a:ea typeface="Cambria Math" panose="02040503050406030204" pitchFamily="18" charset="0"/>
-                      </a:rPr>
-                      <m:t>≡</m:t>
-                    </m:r>
-                    <m:r>
-                      <a:rPr lang="lv-LV" b="0" i="1" smtClean="0">
-                        <a:latin typeface="Cambria Math" panose="02040503050406030204" pitchFamily="18" charset="0"/>
-                      </a:rPr>
-                      <m:t>0</m:t>
-                    </m:r>
-                  </m:oMath>
-                </a14:m>
-                <a:r>
-                  <a:rPr lang="lv-LV" dirty="0" smtClean="0"/>
-                  <a:t> eksistē atrisinājums (mod </a:t>
-                </a:r>
-                <a14:m>
-                  <m:oMath xmlns:m="http://schemas.openxmlformats.org/officeDocument/2006/math">
-                    <m:r>
-                      <a:rPr lang="lv-LV" i="1" dirty="0" smtClean="0">
-                        <a:latin typeface="Cambria Math" panose="02040503050406030204" pitchFamily="18" charset="0"/>
-                      </a:rPr>
-                      <m:t>5</m:t>
-                    </m:r>
-                  </m:oMath>
-                </a14:m>
-                <a:r>
-                  <a:rPr lang="lv-LV" dirty="0" smtClean="0"/>
-                  <a:t>):</a:t>
-                </a:r>
-              </a:p>
-              <a:p>
-                <a14:m>
-                  <m:oMath xmlns:m="http://schemas.openxmlformats.org/officeDocument/2006/math">
-                    <m:sSup>
-                      <m:sSupPr>
-                        <m:ctrlPr>
-                          <a:rPr lang="en-US" i="1" smtClean="0">
-                            <a:latin typeface="Cambria Math" panose="02040503050406030204" pitchFamily="18" charset="0"/>
-                          </a:rPr>
-                        </m:ctrlPr>
-                      </m:sSupPr>
-                      <m:e>
-                        <m:r>
-                          <a:rPr lang="lv-LV" b="0" i="1" smtClean="0">
-                            <a:latin typeface="Cambria Math" panose="02040503050406030204" pitchFamily="18" charset="0"/>
-                          </a:rPr>
-                          <m:t>2</m:t>
-                        </m:r>
-                      </m:e>
-                      <m:sup>
-                        <m:r>
-                          <a:rPr lang="lv-LV" b="0" i="1" smtClean="0">
-                            <a:latin typeface="Cambria Math" panose="02040503050406030204" pitchFamily="18" charset="0"/>
-                          </a:rPr>
-                          <m:t>2</m:t>
-                        </m:r>
-                      </m:sup>
-                    </m:sSup>
-                    <m:r>
-                      <a:rPr lang="lv-LV" b="0" i="1" smtClean="0">
-                        <a:latin typeface="Cambria Math" panose="02040503050406030204" pitchFamily="18" charset="0"/>
-                      </a:rPr>
-                      <m:t>+1 </m:t>
-                    </m:r>
-                    <m:r>
-                      <a:rPr lang="lv-LV" b="0" i="1" smtClean="0">
-                        <a:latin typeface="Cambria Math" panose="02040503050406030204" pitchFamily="18" charset="0"/>
-                        <a:ea typeface="Cambria Math" panose="02040503050406030204" pitchFamily="18" charset="0"/>
-                      </a:rPr>
-                      <m:t>≡0</m:t>
-                    </m:r>
-                  </m:oMath>
-                </a14:m>
-                <a:r>
-                  <a:rPr lang="lv-LV" dirty="0" smtClean="0"/>
-                  <a:t> un arī </a:t>
-                </a:r>
-                <a14:m>
-                  <m:oMath xmlns:m="http://schemas.openxmlformats.org/officeDocument/2006/math">
-                    <m:sSup>
-                      <m:sSupPr>
-                        <m:ctrlPr>
-                          <a:rPr lang="lv-LV" i="1" smtClean="0">
-                            <a:latin typeface="Cambria Math" panose="02040503050406030204" pitchFamily="18" charset="0"/>
-                          </a:rPr>
-                        </m:ctrlPr>
-                      </m:sSupPr>
-                      <m:e>
-                        <m:r>
-                          <a:rPr lang="lv-LV" b="0" i="1" smtClean="0">
-                            <a:latin typeface="Cambria Math" panose="02040503050406030204" pitchFamily="18" charset="0"/>
-                          </a:rPr>
-                          <m:t>3</m:t>
-                        </m:r>
-                      </m:e>
-                      <m:sup>
-                        <m:r>
-                          <a:rPr lang="lv-LV" b="0" i="1" smtClean="0">
-                            <a:latin typeface="Cambria Math" panose="02040503050406030204" pitchFamily="18" charset="0"/>
-                          </a:rPr>
-                          <m:t>2</m:t>
-                        </m:r>
-                      </m:sup>
-                    </m:sSup>
-                    <m:r>
-                      <a:rPr lang="lv-LV" b="0" i="1" smtClean="0">
-                        <a:latin typeface="Cambria Math" panose="02040503050406030204" pitchFamily="18" charset="0"/>
-                      </a:rPr>
-                      <m:t>+1</m:t>
-                    </m:r>
-                    <m:r>
-                      <a:rPr lang="lv-LV" b="0" i="1" smtClean="0">
-                        <a:latin typeface="Cambria Math" panose="02040503050406030204" pitchFamily="18" charset="0"/>
-                        <a:ea typeface="Cambria Math" panose="02040503050406030204" pitchFamily="18" charset="0"/>
-                      </a:rPr>
-                      <m:t>≡0</m:t>
-                    </m:r>
-                  </m:oMath>
-                </a14:m>
-                <a:r>
-                  <a:rPr lang="ru-RU" dirty="0" smtClean="0"/>
-                  <a:t> (</a:t>
-                </a:r>
-                <a:r>
-                  <a:rPr lang="en-US" dirty="0" smtClean="0"/>
-                  <a:t>mod </a:t>
-                </a:r>
-                <a14:m>
-                  <m:oMath xmlns:m="http://schemas.openxmlformats.org/officeDocument/2006/math">
-                    <m:r>
-                      <a:rPr lang="en-US" i="1" dirty="0" smtClean="0">
-                        <a:latin typeface="Cambria Math" panose="02040503050406030204" pitchFamily="18" charset="0"/>
-                      </a:rPr>
-                      <m:t>5</m:t>
-                    </m:r>
-                  </m:oMath>
-                </a14:m>
-                <a:r>
-                  <a:rPr lang="en-US" dirty="0" smtClean="0"/>
-                  <a:t>). Bet </a:t>
-                </a:r>
-                <a:r>
-                  <a:rPr lang="lv-LV" dirty="0" smtClean="0"/>
-                  <a:t>šie atrisinājumi precīzi neatbilst jau pie (mod </a:t>
-                </a:r>
-                <a14:m>
-                  <m:oMath xmlns:m="http://schemas.openxmlformats.org/officeDocument/2006/math">
-                    <m:r>
-                      <a:rPr lang="lv-LV" i="1" dirty="0" smtClean="0">
-                        <a:latin typeface="Cambria Math" panose="02040503050406030204" pitchFamily="18" charset="0"/>
-                      </a:rPr>
-                      <m:t>25</m:t>
-                    </m:r>
-                  </m:oMath>
-                </a14:m>
-                <a:r>
-                  <a:rPr lang="lv-LV" dirty="0" smtClean="0"/>
-                  <a:t>). </a:t>
-                </a:r>
-              </a:p>
-              <a:p>
-                <a:pPr marL="672274" lvl="3" indent="0">
-                  <a:buNone/>
-                </a:pPr>
-                <a14:m>
-                  <m:oMathPara xmlns:m="http://schemas.openxmlformats.org/officeDocument/2006/math">
-                    <m:oMathParaPr>
-                      <m:jc m:val="left"/>
-                    </m:oMathParaPr>
-                    <m:oMath xmlns:m="http://schemas.openxmlformats.org/officeDocument/2006/math">
-                      <m:sSup>
-                        <m:sSupPr>
-                          <m:ctrlPr>
-                            <a:rPr lang="en-US" i="1" smtClean="0">
-                              <a:latin typeface="Cambria Math" panose="02040503050406030204" pitchFamily="18" charset="0"/>
-                            </a:rPr>
-                          </m:ctrlPr>
-                        </m:sSupPr>
-                        <m:e>
-                          <m:d>
-                            <m:dPr>
-                              <m:ctrlPr>
-                                <a:rPr lang="en-US" i="1">
-                                  <a:latin typeface="Cambria Math" panose="02040503050406030204" pitchFamily="18" charset="0"/>
-                                </a:rPr>
-                              </m:ctrlPr>
-                            </m:dPr>
-                            <m:e>
-                              <m:r>
-                                <a:rPr lang="lv-LV" i="1">
-                                  <a:latin typeface="Cambria Math" panose="02040503050406030204" pitchFamily="18" charset="0"/>
-                                </a:rPr>
-                                <m:t>2+1</m:t>
-                              </m:r>
-                              <m:r>
-                                <a:rPr lang="lv-LV" i="1">
-                                  <a:latin typeface="Cambria Math" panose="02040503050406030204" pitchFamily="18" charset="0"/>
-                                  <a:ea typeface="Cambria Math" panose="02040503050406030204" pitchFamily="18" charset="0"/>
-                                </a:rPr>
-                                <m:t>∙5</m:t>
-                              </m:r>
-                            </m:e>
-                          </m:d>
-                        </m:e>
-                        <m:sup>
-                          <m:r>
-                            <a:rPr lang="lv-LV" b="0" i="1" smtClean="0">
-                              <a:latin typeface="Cambria Math" panose="02040503050406030204" pitchFamily="18" charset="0"/>
-                            </a:rPr>
-                            <m:t>2</m:t>
-                          </m:r>
-                        </m:sup>
-                      </m:sSup>
-                      <m:r>
-                        <a:rPr lang="lv-LV" b="0" i="1" smtClean="0">
-                          <a:latin typeface="Cambria Math" panose="02040503050406030204" pitchFamily="18" charset="0"/>
-                        </a:rPr>
-                        <m:t>+1</m:t>
-                      </m:r>
-                      <m:r>
-                        <a:rPr lang="lv-LV" b="0" i="1" smtClean="0">
-                          <a:latin typeface="Cambria Math" panose="02040503050406030204" pitchFamily="18" charset="0"/>
-                          <a:ea typeface="Cambria Math" panose="02040503050406030204" pitchFamily="18" charset="0"/>
-                        </a:rPr>
-                        <m:t>≡0  </m:t>
-                      </m:r>
-                      <m:d>
-                        <m:dPr>
-                          <m:ctrlPr>
-                            <a:rPr lang="lv-LV" b="0" i="1" smtClean="0">
-                              <a:latin typeface="Cambria Math" panose="02040503050406030204" pitchFamily="18" charset="0"/>
-                              <a:ea typeface="Cambria Math" panose="02040503050406030204" pitchFamily="18" charset="0"/>
-                            </a:rPr>
-                          </m:ctrlPr>
-                        </m:dPr>
-                        <m:e>
-                          <m:r>
-                            <m:rPr>
-                              <m:sty m:val="p"/>
-                            </m:rPr>
-                            <a:rPr lang="lv-LV" b="0" i="0" smtClean="0">
-                              <a:latin typeface="Cambria Math" panose="02040503050406030204" pitchFamily="18" charset="0"/>
-                              <a:ea typeface="Cambria Math" panose="02040503050406030204" pitchFamily="18" charset="0"/>
-                            </a:rPr>
-                            <m:t>mod</m:t>
-                          </m:r>
-                          <m:r>
-                            <a:rPr lang="lv-LV" b="0" i="1" smtClean="0">
-                              <a:latin typeface="Cambria Math" panose="02040503050406030204" pitchFamily="18" charset="0"/>
-                              <a:ea typeface="Cambria Math" panose="02040503050406030204" pitchFamily="18" charset="0"/>
-                            </a:rPr>
-                            <m:t> </m:t>
-                          </m:r>
-                          <m:sSup>
-                            <m:sSupPr>
-                              <m:ctrlPr>
-                                <a:rPr lang="lv-LV" b="0" i="1" smtClean="0">
-                                  <a:latin typeface="Cambria Math" panose="02040503050406030204" pitchFamily="18" charset="0"/>
-                                  <a:ea typeface="Cambria Math" panose="02040503050406030204" pitchFamily="18" charset="0"/>
-                                </a:rPr>
-                              </m:ctrlPr>
-                            </m:sSupPr>
-                            <m:e>
-                              <m:r>
-                                <a:rPr lang="lv-LV" b="0" i="1" smtClean="0">
-                                  <a:latin typeface="Cambria Math" panose="02040503050406030204" pitchFamily="18" charset="0"/>
-                                  <a:ea typeface="Cambria Math" panose="02040503050406030204" pitchFamily="18" charset="0"/>
-                                </a:rPr>
-                                <m:t>5</m:t>
-                              </m:r>
-                            </m:e>
-                            <m:sup>
-                              <m:r>
-                                <a:rPr lang="lv-LV" b="0" i="1" smtClean="0">
-                                  <a:latin typeface="Cambria Math" panose="02040503050406030204" pitchFamily="18" charset="0"/>
-                                  <a:ea typeface="Cambria Math" panose="02040503050406030204" pitchFamily="18" charset="0"/>
-                                </a:rPr>
-                                <m:t>2</m:t>
-                              </m:r>
-                            </m:sup>
-                          </m:sSup>
-                        </m:e>
-                      </m:d>
-                    </m:oMath>
-                  </m:oMathPara>
-                </a14:m>
-                <a:endParaRPr lang="lv-LV" b="0" i="1" dirty="0" smtClean="0">
-                  <a:latin typeface="Cambria Math" panose="02040503050406030204" pitchFamily="18" charset="0"/>
-                  <a:ea typeface="Cambria Math" panose="02040503050406030204" pitchFamily="18" charset="0"/>
-                </a:endParaRPr>
-              </a:p>
-              <a:p>
-                <a:pPr marL="672274" lvl="3" indent="0">
-                  <a:buNone/>
-                </a:pPr>
-                <a14:m>
-                  <m:oMathPara xmlns:m="http://schemas.openxmlformats.org/officeDocument/2006/math">
-                    <m:oMathParaPr>
-                      <m:jc m:val="left"/>
-                    </m:oMathParaPr>
-                    <m:oMath xmlns:m="http://schemas.openxmlformats.org/officeDocument/2006/math">
-                      <m:sSup>
-                        <m:sSupPr>
-                          <m:ctrlPr>
-                            <a:rPr lang="en-US" i="1" smtClean="0">
-                              <a:latin typeface="Cambria Math" panose="02040503050406030204" pitchFamily="18" charset="0"/>
-                            </a:rPr>
-                          </m:ctrlPr>
-                        </m:sSupPr>
-                        <m:e>
-                          <m:d>
-                            <m:dPr>
-                              <m:ctrlPr>
-                                <a:rPr lang="en-US" i="1" smtClean="0">
-                                  <a:latin typeface="Cambria Math" panose="02040503050406030204" pitchFamily="18" charset="0"/>
-                                </a:rPr>
-                              </m:ctrlPr>
-                            </m:dPr>
-                            <m:e>
-                              <m:r>
-                                <a:rPr lang="lv-LV" b="0" i="1" smtClean="0">
-                                  <a:latin typeface="Cambria Math" panose="02040503050406030204" pitchFamily="18" charset="0"/>
-                                </a:rPr>
-                                <m:t>2+1</m:t>
-                              </m:r>
-                              <m:r>
-                                <a:rPr lang="lv-LV" b="0" i="1" smtClean="0">
-                                  <a:latin typeface="Cambria Math" panose="02040503050406030204" pitchFamily="18" charset="0"/>
-                                  <a:ea typeface="Cambria Math" panose="02040503050406030204" pitchFamily="18" charset="0"/>
-                                </a:rPr>
-                                <m:t>∙5+2∙</m:t>
-                              </m:r>
-                              <m:sSup>
-                                <m:sSupPr>
-                                  <m:ctrlPr>
-                                    <a:rPr lang="lv-LV" b="0" i="1" smtClean="0">
-                                      <a:latin typeface="Cambria Math" panose="02040503050406030204" pitchFamily="18" charset="0"/>
-                                      <a:ea typeface="Cambria Math" panose="02040503050406030204" pitchFamily="18" charset="0"/>
-                                    </a:rPr>
-                                  </m:ctrlPr>
-                                </m:sSupPr>
-                                <m:e>
-                                  <m:r>
-                                    <a:rPr lang="lv-LV" b="0" i="1" smtClean="0">
-                                      <a:latin typeface="Cambria Math" panose="02040503050406030204" pitchFamily="18" charset="0"/>
-                                      <a:ea typeface="Cambria Math" panose="02040503050406030204" pitchFamily="18" charset="0"/>
-                                    </a:rPr>
-                                    <m:t>5</m:t>
-                                  </m:r>
-                                </m:e>
-                                <m:sup>
-                                  <m:r>
-                                    <a:rPr lang="lv-LV" b="0" i="1" smtClean="0">
-                                      <a:latin typeface="Cambria Math" panose="02040503050406030204" pitchFamily="18" charset="0"/>
-                                      <a:ea typeface="Cambria Math" panose="02040503050406030204" pitchFamily="18" charset="0"/>
-                                    </a:rPr>
-                                    <m:t>2</m:t>
-                                  </m:r>
-                                </m:sup>
-                              </m:sSup>
-                            </m:e>
-                          </m:d>
-                        </m:e>
-                        <m:sup>
-                          <m:r>
-                            <a:rPr lang="lv-LV" b="0" i="1" smtClean="0">
-                              <a:latin typeface="Cambria Math" panose="02040503050406030204" pitchFamily="18" charset="0"/>
-                            </a:rPr>
-                            <m:t>2</m:t>
-                          </m:r>
-                        </m:sup>
-                      </m:sSup>
-                      <m:r>
-                        <a:rPr lang="lv-LV" b="0" i="1" smtClean="0">
-                          <a:latin typeface="Cambria Math" panose="02040503050406030204" pitchFamily="18" charset="0"/>
-                        </a:rPr>
-                        <m:t>+1</m:t>
-                      </m:r>
-                      <m:r>
-                        <a:rPr lang="lv-LV" b="0" i="1" smtClean="0">
-                          <a:latin typeface="Cambria Math" panose="02040503050406030204" pitchFamily="18" charset="0"/>
-                          <a:ea typeface="Cambria Math" panose="02040503050406030204" pitchFamily="18" charset="0"/>
-                        </a:rPr>
-                        <m:t>≡0  </m:t>
-                      </m:r>
-                      <m:d>
-                        <m:dPr>
-                          <m:ctrlPr>
-                            <a:rPr lang="lv-LV" b="0" i="1" smtClean="0">
-                              <a:latin typeface="Cambria Math" panose="02040503050406030204" pitchFamily="18" charset="0"/>
-                              <a:ea typeface="Cambria Math" panose="02040503050406030204" pitchFamily="18" charset="0"/>
-                            </a:rPr>
-                          </m:ctrlPr>
-                        </m:dPr>
-                        <m:e>
-                          <m:r>
-                            <m:rPr>
-                              <m:sty m:val="p"/>
-                            </m:rPr>
-                            <a:rPr lang="lv-LV" b="0" i="0" smtClean="0">
-                              <a:latin typeface="Cambria Math" panose="02040503050406030204" pitchFamily="18" charset="0"/>
-                              <a:ea typeface="Cambria Math" panose="02040503050406030204" pitchFamily="18" charset="0"/>
-                            </a:rPr>
-                            <m:t>mod</m:t>
-                          </m:r>
-                          <m:r>
-                            <a:rPr lang="lv-LV" b="0" i="1" smtClean="0">
-                              <a:latin typeface="Cambria Math" panose="02040503050406030204" pitchFamily="18" charset="0"/>
-                              <a:ea typeface="Cambria Math" panose="02040503050406030204" pitchFamily="18" charset="0"/>
-                            </a:rPr>
-                            <m:t> </m:t>
-                          </m:r>
-                          <m:sSup>
-                            <m:sSupPr>
-                              <m:ctrlPr>
-                                <a:rPr lang="lv-LV" b="0" i="1" smtClean="0">
-                                  <a:latin typeface="Cambria Math" panose="02040503050406030204" pitchFamily="18" charset="0"/>
-                                  <a:ea typeface="Cambria Math" panose="02040503050406030204" pitchFamily="18" charset="0"/>
-                                </a:rPr>
-                              </m:ctrlPr>
-                            </m:sSupPr>
-                            <m:e>
-                              <m:r>
-                                <a:rPr lang="lv-LV" b="0" i="1" smtClean="0">
-                                  <a:latin typeface="Cambria Math" panose="02040503050406030204" pitchFamily="18" charset="0"/>
-                                  <a:ea typeface="Cambria Math" panose="02040503050406030204" pitchFamily="18" charset="0"/>
-                                </a:rPr>
-                                <m:t>5</m:t>
-                              </m:r>
-                            </m:e>
-                            <m:sup>
-                              <m:r>
-                                <a:rPr lang="lv-LV" b="0" i="1" smtClean="0">
-                                  <a:latin typeface="Cambria Math" panose="02040503050406030204" pitchFamily="18" charset="0"/>
-                                  <a:ea typeface="Cambria Math" panose="02040503050406030204" pitchFamily="18" charset="0"/>
-                                </a:rPr>
-                                <m:t>3</m:t>
-                              </m:r>
-                            </m:sup>
-                          </m:sSup>
-                        </m:e>
-                      </m:d>
-                    </m:oMath>
-                  </m:oMathPara>
-                </a14:m>
-                <a:endParaRPr lang="lv-LV" b="0" i="1" dirty="0" smtClean="0">
-                  <a:latin typeface="Cambria Math" panose="02040503050406030204" pitchFamily="18" charset="0"/>
-                  <a:ea typeface="Cambria Math" panose="02040503050406030204" pitchFamily="18" charset="0"/>
-                </a:endParaRPr>
-              </a:p>
-              <a:p>
-                <a:pPr marL="672274" lvl="3" indent="0">
-                  <a:buNone/>
-                </a:pPr>
-                <a14:m>
-                  <m:oMathPara xmlns:m="http://schemas.openxmlformats.org/officeDocument/2006/math">
-                    <m:oMathParaPr>
-                      <m:jc m:val="left"/>
-                    </m:oMathParaPr>
-                    <m:oMath xmlns:m="http://schemas.openxmlformats.org/officeDocument/2006/math">
-                      <m:sSup>
-                        <m:sSupPr>
-                          <m:ctrlPr>
-                            <a:rPr lang="lv-LV" i="1" smtClean="0">
-                              <a:latin typeface="Cambria Math" panose="02040503050406030204" pitchFamily="18" charset="0"/>
-                            </a:rPr>
-                          </m:ctrlPr>
-                        </m:sSupPr>
-                        <m:e>
-                          <m:d>
-                            <m:dPr>
-                              <m:ctrlPr>
-                                <a:rPr lang="lv-LV" i="1" smtClean="0">
-                                  <a:latin typeface="Cambria Math" panose="02040503050406030204" pitchFamily="18" charset="0"/>
-                                </a:rPr>
-                              </m:ctrlPr>
-                            </m:dPr>
-                            <m:e>
-                              <m:r>
-                                <a:rPr lang="lv-LV" i="1">
-                                  <a:latin typeface="Cambria Math" panose="02040503050406030204" pitchFamily="18" charset="0"/>
-                                </a:rPr>
-                                <m:t>2+1</m:t>
-                              </m:r>
-                              <m:r>
-                                <a:rPr lang="lv-LV" i="1">
-                                  <a:latin typeface="Cambria Math" panose="02040503050406030204" pitchFamily="18" charset="0"/>
-                                  <a:ea typeface="Cambria Math" panose="02040503050406030204" pitchFamily="18" charset="0"/>
-                                </a:rPr>
-                                <m:t>∙5+2∙</m:t>
-                              </m:r>
-                              <m:sSup>
-                                <m:sSupPr>
-                                  <m:ctrlPr>
-                                    <a:rPr lang="lv-LV" i="1">
-                                      <a:latin typeface="Cambria Math" panose="02040503050406030204" pitchFamily="18" charset="0"/>
-                                      <a:ea typeface="Cambria Math" panose="02040503050406030204" pitchFamily="18" charset="0"/>
-                                    </a:rPr>
-                                  </m:ctrlPr>
-                                </m:sSupPr>
-                                <m:e>
-                                  <m:r>
-                                    <a:rPr lang="lv-LV" i="1">
-                                      <a:latin typeface="Cambria Math" panose="02040503050406030204" pitchFamily="18" charset="0"/>
-                                      <a:ea typeface="Cambria Math" panose="02040503050406030204" pitchFamily="18" charset="0"/>
-                                    </a:rPr>
-                                    <m:t>5</m:t>
-                                  </m:r>
-                                </m:e>
-                                <m:sup>
-                                  <m:r>
-                                    <a:rPr lang="lv-LV" i="1">
-                                      <a:latin typeface="Cambria Math" panose="02040503050406030204" pitchFamily="18" charset="0"/>
-                                      <a:ea typeface="Cambria Math" panose="02040503050406030204" pitchFamily="18" charset="0"/>
-                                    </a:rPr>
-                                    <m:t>2</m:t>
-                                  </m:r>
-                                </m:sup>
-                              </m:sSup>
-                              <m:r>
-                                <a:rPr lang="lv-LV" b="0" i="1" smtClean="0">
-                                  <a:latin typeface="Cambria Math" panose="02040503050406030204" pitchFamily="18" charset="0"/>
-                                  <a:ea typeface="Cambria Math" panose="02040503050406030204" pitchFamily="18" charset="0"/>
-                                </a:rPr>
-                                <m:t>+1∙</m:t>
-                              </m:r>
-                              <m:sSup>
-                                <m:sSupPr>
-                                  <m:ctrlPr>
-                                    <a:rPr lang="lv-LV" b="0" i="1" smtClean="0">
-                                      <a:latin typeface="Cambria Math" panose="02040503050406030204" pitchFamily="18" charset="0"/>
-                                      <a:ea typeface="Cambria Math" panose="02040503050406030204" pitchFamily="18" charset="0"/>
-                                    </a:rPr>
-                                  </m:ctrlPr>
-                                </m:sSupPr>
-                                <m:e>
-                                  <m:r>
-                                    <a:rPr lang="lv-LV" b="0" i="1" smtClean="0">
-                                      <a:latin typeface="Cambria Math" panose="02040503050406030204" pitchFamily="18" charset="0"/>
-                                      <a:ea typeface="Cambria Math" panose="02040503050406030204" pitchFamily="18" charset="0"/>
-                                    </a:rPr>
-                                    <m:t>5</m:t>
-                                  </m:r>
-                                </m:e>
-                                <m:sup>
-                                  <m:r>
-                                    <a:rPr lang="lv-LV" b="0" i="1" smtClean="0">
-                                      <a:latin typeface="Cambria Math" panose="02040503050406030204" pitchFamily="18" charset="0"/>
-                                      <a:ea typeface="Cambria Math" panose="02040503050406030204" pitchFamily="18" charset="0"/>
-                                    </a:rPr>
-                                    <m:t>3</m:t>
-                                  </m:r>
-                                </m:sup>
-                              </m:sSup>
-                            </m:e>
-                          </m:d>
-                        </m:e>
-                        <m:sup>
-                          <m:r>
-                            <a:rPr lang="lv-LV" b="0" i="1" smtClean="0">
-                              <a:latin typeface="Cambria Math" panose="02040503050406030204" pitchFamily="18" charset="0"/>
-                            </a:rPr>
-                            <m:t>2</m:t>
-                          </m:r>
-                        </m:sup>
-                      </m:sSup>
-                      <m:r>
-                        <a:rPr lang="lv-LV" b="0" i="1" smtClean="0">
-                          <a:latin typeface="Cambria Math" panose="02040503050406030204" pitchFamily="18" charset="0"/>
-                        </a:rPr>
-                        <m:t>+1 </m:t>
-                      </m:r>
-                      <m:r>
-                        <a:rPr lang="lv-LV" b="0" i="1" smtClean="0">
-                          <a:latin typeface="Cambria Math" panose="02040503050406030204" pitchFamily="18" charset="0"/>
-                          <a:ea typeface="Cambria Math" panose="02040503050406030204" pitchFamily="18" charset="0"/>
-                        </a:rPr>
-                        <m:t>≡0 (</m:t>
-                      </m:r>
-                      <m:r>
-                        <m:rPr>
-                          <m:sty m:val="p"/>
-                        </m:rPr>
-                        <a:rPr lang="lv-LV" b="0" i="0" smtClean="0">
-                          <a:latin typeface="Cambria Math" panose="02040503050406030204" pitchFamily="18" charset="0"/>
-                          <a:ea typeface="Cambria Math" panose="02040503050406030204" pitchFamily="18" charset="0"/>
-                        </a:rPr>
-                        <m:t>mod</m:t>
-                      </m:r>
-                      <m:r>
-                        <a:rPr lang="lv-LV" b="0" i="1" smtClean="0">
-                          <a:latin typeface="Cambria Math" panose="02040503050406030204" pitchFamily="18" charset="0"/>
-                          <a:ea typeface="Cambria Math" panose="02040503050406030204" pitchFamily="18" charset="0"/>
-                        </a:rPr>
-                        <m:t> </m:t>
-                      </m:r>
-                      <m:sSup>
-                        <m:sSupPr>
-                          <m:ctrlPr>
-                            <a:rPr lang="lv-LV" b="0" i="1" smtClean="0">
-                              <a:latin typeface="Cambria Math" panose="02040503050406030204" pitchFamily="18" charset="0"/>
-                              <a:ea typeface="Cambria Math" panose="02040503050406030204" pitchFamily="18" charset="0"/>
-                            </a:rPr>
-                          </m:ctrlPr>
-                        </m:sSupPr>
-                        <m:e>
-                          <m:r>
-                            <a:rPr lang="lv-LV" b="0" i="1" smtClean="0">
-                              <a:latin typeface="Cambria Math" panose="02040503050406030204" pitchFamily="18" charset="0"/>
-                              <a:ea typeface="Cambria Math" panose="02040503050406030204" pitchFamily="18" charset="0"/>
-                            </a:rPr>
-                            <m:t>5</m:t>
-                          </m:r>
-                        </m:e>
-                        <m:sup>
-                          <m:r>
-                            <a:rPr lang="lv-LV" b="0" i="1" smtClean="0">
-                              <a:latin typeface="Cambria Math" panose="02040503050406030204" pitchFamily="18" charset="0"/>
-                              <a:ea typeface="Cambria Math" panose="02040503050406030204" pitchFamily="18" charset="0"/>
-                            </a:rPr>
-                            <m:t>4</m:t>
-                          </m:r>
-                        </m:sup>
-                      </m:sSup>
-                      <m:r>
-                        <a:rPr lang="lv-LV" b="0" i="1" smtClean="0">
-                          <a:latin typeface="Cambria Math" panose="02040503050406030204" pitchFamily="18" charset="0"/>
-                          <a:ea typeface="Cambria Math" panose="02040503050406030204" pitchFamily="18" charset="0"/>
-                        </a:rPr>
-                        <m:t>)</m:t>
-                      </m:r>
-                    </m:oMath>
-                  </m:oMathPara>
-                </a14:m>
-                <a:endParaRPr lang="lv-LV" dirty="0" smtClean="0"/>
-              </a:p>
-              <a:p>
-                <a:r>
-                  <a:rPr lang="lv-LV" dirty="0" smtClean="0"/>
-                  <a:t>Pakāpeniska atrisinājuma precizēšana līdzinās mēģinājumam tuvināti atrast </a:t>
-                </a:r>
-                <a14:m>
-                  <m:oMath xmlns:m="http://schemas.openxmlformats.org/officeDocument/2006/math">
-                    <m:rad>
-                      <m:radPr>
-                        <m:degHide m:val="on"/>
-                        <m:ctrlPr>
-                          <a:rPr lang="lv-LV" i="1" smtClean="0">
-                            <a:latin typeface="Cambria Math" panose="02040503050406030204" pitchFamily="18" charset="0"/>
-                          </a:rPr>
-                        </m:ctrlPr>
-                      </m:radPr>
-                      <m:deg/>
-                      <m:e>
-                        <m:r>
-                          <a:rPr lang="lv-LV" b="0" i="1" smtClean="0">
-                            <a:latin typeface="Cambria Math" panose="02040503050406030204" pitchFamily="18" charset="0"/>
-                          </a:rPr>
-                          <m:t>−1</m:t>
-                        </m:r>
-                      </m:e>
-                    </m:rad>
-                  </m:oMath>
-                </a14:m>
-                <a:r>
-                  <a:rPr lang="lv-LV" dirty="0" smtClean="0"/>
-                  <a:t>, soli pa solim uzlabojot dalāmību ar 5.</a:t>
-                </a:r>
-                <a:endParaRPr lang="en-US" dirty="0"/>
-              </a:p>
-            </p:txBody>
-          </p:sp>
-        </mc:Choice>
-        <mc:Fallback xmlns="">
-          <p:sp>
-            <p:nvSpPr>
-              <p:cNvPr id="2" name="Content Placeholder 1"/>
-              <p:cNvSpPr>
-                <a:spLocks noGrp="1" noRot="1" noChangeAspect="1" noMove="1" noResize="1" noEditPoints="1" noAdjustHandles="1" noChangeArrowheads="1" noChangeShapeType="1" noTextEdit="1"/>
-              </p:cNvSpPr>
-              <p:nvPr>
-                <p:ph idx="1"/>
-              </p:nvPr>
-            </p:nvSpPr>
-            <p:spPr>
-              <a:blipFill>
-                <a:blip r:embed="rId3"/>
-                <a:stretch>
-                  <a:fillRect l="-2163" t="-2318" r="-1658"/>
-                </a:stretch>
-              </a:blipFill>
-            </p:spPr>
-            <p:txBody>
-              <a:bodyPr/>
-              <a:lstStyle/>
-              <a:p>
-                <a:r>
-                  <a:rPr lang="lv-LV">
-                    <a:noFill/>
-                  </a:rPr>
-                  <a:t> </a:t>
-                </a:r>
-              </a:p>
-            </p:txBody>
-          </p:sp>
-        </mc:Fallback>
-      </mc:AlternateContent>
-      <p:sp>
-        <p:nvSpPr>
-          <p:cNvPr id="3" name="Title 2"/>
-          <p:cNvSpPr>
-            <a:spLocks noGrp="1"/>
-          </p:cNvSpPr>
-          <p:nvPr>
-            <p:ph type="title"/>
-          </p:nvPr>
-        </p:nvSpPr>
-        <p:spPr/>
-        <p:txBody>
-          <a:bodyPr/>
-          <a:lstStyle/>
-          <a:p>
-            <a:r>
-              <a:rPr lang="lv-LV" dirty="0" smtClean="0"/>
-              <a:t>«Kvadrātvienādojumi» kongruencēm</a:t>
-            </a:r>
-            <a:endParaRPr lang="en-US" dirty="0"/>
-          </a:p>
-        </p:txBody>
-      </p:sp>
-    </p:spTree>
-    <p:extLst>
-      <p:ext uri="{BB962C8B-B14F-4D97-AF65-F5344CB8AC3E}">
-        <p14:creationId xmlns:p14="http://schemas.microsoft.com/office/powerpoint/2010/main" val="1623055655"/>
-      </p:ext>
-    </p:extLst>
-  </p:cSld>
-  <p:clrMapOvr>
-    <a:masterClrMapping/>
-  </p:clrMapOvr>
-  <p:timing>
-    <p:tnLst>
-      <p:par>
-        <p:cTn id="1" dur="indefinite" restart="never" nodeType="tmRoot"/>
-      </p:par>
-    </p:tnLst>
-  </p:timing>
-</p:sld>
-</file>
-
-<file path=ppt/slides/slide32.xml><?xml version="1.0" encoding="utf-8"?>
-<p:sld xmlns:a="http://schemas.openxmlformats.org/drawingml/2006/main" xmlns:r="http://schemas.openxmlformats.org/officeDocument/2006/relationships" xmlns:p="http://schemas.openxmlformats.org/presentationml/2006/main">
-  <p:cSld>
-    <p:spTree>
-      <p:nvGrpSpPr>
-        <p:cNvPr id="1" name=""/>
-        <p:cNvGrpSpPr/>
-        <p:nvPr/>
-      </p:nvGrpSpPr>
-      <p:grpSpPr>
-        <a:xfrm>
-          <a:off x="0" y="0"/>
-          <a:ext cx="0" cy="0"/>
-          <a:chOff x="0" y="0"/>
-          <a:chExt cx="0" cy="0"/>
-        </a:xfrm>
-      </p:grpSpPr>
-      <mc:AlternateContent xmlns:mc="http://schemas.openxmlformats.org/markup-compatibility/2006" xmlns:a14="http://schemas.microsoft.com/office/drawing/2010/main">
-        <mc:Choice Requires="a14">
-          <p:sp>
-            <p:nvSpPr>
-              <p:cNvPr id="2" name="Content Placeholder 1"/>
-              <p:cNvSpPr>
-                <a:spLocks noGrp="1"/>
-              </p:cNvSpPr>
-              <p:nvPr>
-                <p:ph idx="1"/>
-              </p:nvPr>
-            </p:nvSpPr>
-            <p:spPr/>
-            <p:txBody>
-              <a:bodyPr>
-                <a:noAutofit/>
-              </a:bodyPr>
-              <a:lstStyle/>
-              <a:p>
-                <a:r>
-                  <a:rPr lang="lv-LV" dirty="0"/>
-                  <a:t>Pierādiet, ka katrai augošai aritmētiskai progresijai, kas sastāv no naturāliem skaitļiem, eksistē </a:t>
-                </a:r>
-                <a14:m>
-                  <m:oMath xmlns:m="http://schemas.openxmlformats.org/officeDocument/2006/math">
-                    <m:r>
-                      <a:rPr lang="lv-LV" i="1" dirty="0" smtClean="0">
-                        <a:latin typeface="Cambria Math" panose="02040503050406030204" pitchFamily="18" charset="0"/>
-                      </a:rPr>
-                      <m:t>100</m:t>
-                    </m:r>
-                  </m:oMath>
-                </a14:m>
-                <a:r>
-                  <a:rPr lang="lv-LV" dirty="0"/>
-                  <a:t> pēc kārtas sekojoši locekļi, kas visi ir salikti skaitļi.</a:t>
-                </a:r>
-              </a:p>
-            </p:txBody>
-          </p:sp>
-        </mc:Choice>
-        <mc:Fallback xmlns="">
-          <p:sp>
-            <p:nvSpPr>
-              <p:cNvPr id="2" name="Content Placeholder 1"/>
-              <p:cNvSpPr>
-                <a:spLocks noGrp="1" noRot="1" noChangeAspect="1" noMove="1" noResize="1" noEditPoints="1" noAdjustHandles="1" noChangeArrowheads="1" noChangeShapeType="1" noTextEdit="1"/>
-              </p:cNvSpPr>
-              <p:nvPr>
-                <p:ph idx="1"/>
-              </p:nvPr>
-            </p:nvSpPr>
-            <p:spPr>
-              <a:blipFill>
-                <a:blip r:embed="rId2"/>
-                <a:stretch>
-                  <a:fillRect l="-2163" t="-2318" r="-2596"/>
-                </a:stretch>
-              </a:blipFill>
-            </p:spPr>
-            <p:txBody>
-              <a:bodyPr/>
-              <a:lstStyle/>
-              <a:p>
-                <a:r>
-                  <a:rPr lang="lv-LV">
-                    <a:noFill/>
-                  </a:rPr>
-                  <a:t> </a:t>
-                </a:r>
-              </a:p>
-            </p:txBody>
-          </p:sp>
-        </mc:Fallback>
-      </mc:AlternateContent>
-      <p:sp>
-        <p:nvSpPr>
-          <p:cNvPr id="4" name="Title 3"/>
-          <p:cNvSpPr>
-            <a:spLocks noGrp="1"/>
-          </p:cNvSpPr>
-          <p:nvPr>
-            <p:ph type="title"/>
-          </p:nvPr>
-        </p:nvSpPr>
-        <p:spPr/>
-        <p:txBody>
-          <a:bodyPr/>
-          <a:lstStyle/>
-          <a:p>
-            <a:endParaRPr lang="lv-LV"/>
-          </a:p>
-        </p:txBody>
-      </p:sp>
-    </p:spTree>
-    <p:extLst>
-      <p:ext uri="{BB962C8B-B14F-4D97-AF65-F5344CB8AC3E}">
-        <p14:creationId xmlns:p14="http://schemas.microsoft.com/office/powerpoint/2010/main" val="1842813357"/>
-      </p:ext>
-    </p:extLst>
-  </p:cSld>
-  <p:clrMapOvr>
-    <a:masterClrMapping/>
-  </p:clrMapOvr>
-  <p:timing>
-    <p:tnLst>
-      <p:par>
-        <p:cTn id="1" dur="indefinite" restart="never" nodeType="tmRoot"/>
-      </p:par>
-    </p:tnLst>
-  </p:timing>
-</p:sld>
-</file>
-
-<file path=ppt/slides/slide33.xml><?xml version="1.0" encoding="utf-8"?>
-<p:sld xmlns:a="http://schemas.openxmlformats.org/drawingml/2006/main" xmlns:r="http://schemas.openxmlformats.org/officeDocument/2006/relationships" xmlns:p="http://schemas.openxmlformats.org/presentationml/2006/main">
-  <p:cSld>
-    <p:spTree>
-      <p:nvGrpSpPr>
-        <p:cNvPr id="1" name=""/>
-        <p:cNvGrpSpPr/>
-        <p:nvPr/>
-      </p:nvGrpSpPr>
-      <p:grpSpPr>
-        <a:xfrm>
-          <a:off x="0" y="0"/>
-          <a:ext cx="0" cy="0"/>
-          <a:chOff x="0" y="0"/>
-          <a:chExt cx="0" cy="0"/>
-        </a:xfrm>
-      </p:grpSpPr>
-      <mc:AlternateContent xmlns:mc="http://schemas.openxmlformats.org/markup-compatibility/2006" xmlns:a14="http://schemas.microsoft.com/office/drawing/2010/main">
-        <mc:Choice Requires="a14">
-          <p:sp>
-            <p:nvSpPr>
-              <p:cNvPr id="2" name="Content Placeholder 1"/>
-              <p:cNvSpPr>
-                <a:spLocks noGrp="1"/>
-              </p:cNvSpPr>
-              <p:nvPr>
-                <p:ph idx="1"/>
-              </p:nvPr>
-            </p:nvSpPr>
-            <p:spPr/>
-            <p:txBody>
-              <a:bodyPr>
-                <a:noAutofit/>
-              </a:bodyPr>
-              <a:lstStyle/>
-              <a:p>
-                <a:r>
-                  <a:rPr lang="lv-LV" dirty="0" smtClean="0"/>
-                  <a:t>Pierādiet, ka no skaitļiem </a:t>
-                </a:r>
-                <a14:m>
-                  <m:oMath xmlns:m="http://schemas.openxmlformats.org/officeDocument/2006/math">
-                    <m:r>
-                      <a:rPr lang="lv-LV" i="1" dirty="0" smtClean="0">
-                        <a:latin typeface="Cambria Math" panose="02040503050406030204" pitchFamily="18" charset="0"/>
-                      </a:rPr>
-                      <m:t>1,2,3,</m:t>
-                    </m:r>
-                    <m:r>
-                      <a:rPr lang="lv-LV" i="1" dirty="0" smtClean="0">
-                        <a:latin typeface="Cambria Math" panose="02040503050406030204" pitchFamily="18" charset="0"/>
-                        <a:ea typeface="Cambria Math" panose="02040503050406030204" pitchFamily="18" charset="0"/>
-                      </a:rPr>
-                      <m:t>⋯</m:t>
-                    </m:r>
-                    <m:r>
-                      <a:rPr lang="lv-LV" i="1" dirty="0" smtClean="0">
-                        <a:latin typeface="Cambria Math" panose="02040503050406030204" pitchFamily="18" charset="0"/>
-                      </a:rPr>
-                      <m:t>,</m:t>
-                    </m:r>
-                    <m:sSup>
-                      <m:sSupPr>
-                        <m:ctrlPr>
-                          <a:rPr lang="lv-LV" i="1" dirty="0" smtClean="0">
-                            <a:latin typeface="Cambria Math" panose="02040503050406030204" pitchFamily="18" charset="0"/>
-                          </a:rPr>
-                        </m:ctrlPr>
-                      </m:sSupPr>
-                      <m:e>
-                        <m:r>
-                          <a:rPr lang="en-US" b="0" i="1" dirty="0" smtClean="0">
-                            <a:latin typeface="Cambria Math" panose="02040503050406030204" pitchFamily="18" charset="0"/>
-                          </a:rPr>
-                          <m:t>3</m:t>
-                        </m:r>
-                      </m:e>
-                      <m:sup>
-                        <m:r>
-                          <a:rPr lang="en-US" b="0" i="1" dirty="0" smtClean="0">
-                            <a:latin typeface="Cambria Math" panose="02040503050406030204" pitchFamily="18" charset="0"/>
-                          </a:rPr>
-                          <m:t>𝑛</m:t>
-                        </m:r>
-                      </m:sup>
-                    </m:sSup>
-                  </m:oMath>
-                </a14:m>
-                <a:r>
-                  <a:rPr lang="lv-LV" dirty="0" smtClean="0"/>
-                  <a:t> </a:t>
-                </a:r>
-                <a:r>
-                  <a:rPr lang="lv-LV" dirty="0"/>
-                  <a:t>var izvēlēties </a:t>
-                </a:r>
-                <a14:m>
-                  <m:oMath xmlns:m="http://schemas.openxmlformats.org/officeDocument/2006/math">
-                    <m:sSup>
-                      <m:sSupPr>
-                        <m:ctrlPr>
-                          <a:rPr lang="lv-LV" i="1" smtClean="0">
-                            <a:latin typeface="Cambria Math" panose="02040503050406030204" pitchFamily="18" charset="0"/>
-                          </a:rPr>
-                        </m:ctrlPr>
-                      </m:sSupPr>
-                      <m:e>
-                        <m:r>
-                          <a:rPr lang="en-US" b="0" i="1" smtClean="0">
-                            <a:latin typeface="Cambria Math" panose="02040503050406030204" pitchFamily="18" charset="0"/>
-                          </a:rPr>
-                          <m:t>2</m:t>
-                        </m:r>
-                      </m:e>
-                      <m:sup>
-                        <m:r>
-                          <a:rPr lang="en-US" b="0" i="1" smtClean="0">
-                            <a:latin typeface="Cambria Math" panose="02040503050406030204" pitchFamily="18" charset="0"/>
-                          </a:rPr>
-                          <m:t>𝑛</m:t>
-                        </m:r>
-                      </m:sup>
-                    </m:sSup>
-                  </m:oMath>
-                </a14:m>
-                <a:r>
-                  <a:rPr lang="lv-LV" dirty="0"/>
-                  <a:t> skaitļus tā, ka nekādi trīs no tiem neveido aritmētisko progresiju.</a:t>
-                </a:r>
-              </a:p>
-            </p:txBody>
-          </p:sp>
-        </mc:Choice>
-        <mc:Fallback xmlns="">
-          <p:sp>
-            <p:nvSpPr>
-              <p:cNvPr id="2" name="Content Placeholder 1"/>
-              <p:cNvSpPr>
-                <a:spLocks noGrp="1" noRot="1" noChangeAspect="1" noMove="1" noResize="1" noEditPoints="1" noAdjustHandles="1" noChangeArrowheads="1" noChangeShapeType="1" noTextEdit="1"/>
-              </p:cNvSpPr>
-              <p:nvPr>
-                <p:ph idx="1"/>
-              </p:nvPr>
-            </p:nvSpPr>
-            <p:spPr>
-              <a:blipFill>
-                <a:blip r:embed="rId2"/>
-                <a:stretch>
-                  <a:fillRect l="-2163" t="-2318" r="-1730"/>
-                </a:stretch>
-              </a:blipFill>
-            </p:spPr>
-            <p:txBody>
-              <a:bodyPr/>
-              <a:lstStyle/>
-              <a:p>
-                <a:r>
-                  <a:rPr lang="lv-LV">
-                    <a:noFill/>
-                  </a:rPr>
-                  <a:t> </a:t>
-                </a:r>
-              </a:p>
-            </p:txBody>
-          </p:sp>
-        </mc:Fallback>
-      </mc:AlternateContent>
-      <p:sp>
-        <p:nvSpPr>
-          <p:cNvPr id="4" name="Title 3"/>
-          <p:cNvSpPr>
-            <a:spLocks noGrp="1"/>
-          </p:cNvSpPr>
-          <p:nvPr>
-            <p:ph type="title"/>
-          </p:nvPr>
-        </p:nvSpPr>
-        <p:spPr/>
-        <p:txBody>
-          <a:bodyPr/>
-          <a:lstStyle/>
-          <a:p>
-            <a:endParaRPr lang="lv-LV"/>
-          </a:p>
-        </p:txBody>
-      </p:sp>
-    </p:spTree>
-    <p:extLst>
-      <p:ext uri="{BB962C8B-B14F-4D97-AF65-F5344CB8AC3E}">
-        <p14:creationId xmlns:p14="http://schemas.microsoft.com/office/powerpoint/2010/main" val="1838145300"/>
-      </p:ext>
-    </p:extLst>
-  </p:cSld>
-  <p:clrMapOvr>
-    <a:masterClrMapping/>
-  </p:clrMapOvr>
-</p:sld>
-</file>
-
-<file path=ppt/slides/slide34.xml><?xml version="1.0" encoding="utf-8"?>
-<p:sld xmlns:a="http://schemas.openxmlformats.org/drawingml/2006/main" xmlns:r="http://schemas.openxmlformats.org/officeDocument/2006/relationships" xmlns:p="http://schemas.openxmlformats.org/presentationml/2006/main">
-  <p:cSld>
-    <p:spTree>
-      <p:nvGrpSpPr>
-        <p:cNvPr id="1" name=""/>
-        <p:cNvGrpSpPr/>
-        <p:nvPr/>
-      </p:nvGrpSpPr>
-      <p:grpSpPr>
-        <a:xfrm>
-          <a:off x="0" y="0"/>
-          <a:ext cx="0" cy="0"/>
-          <a:chOff x="0" y="0"/>
-          <a:chExt cx="0" cy="0"/>
-        </a:xfrm>
-      </p:grpSpPr>
-      <mc:AlternateContent xmlns:mc="http://schemas.openxmlformats.org/markup-compatibility/2006" xmlns:a14="http://schemas.microsoft.com/office/drawing/2010/main">
-        <mc:Choice Requires="a14">
-          <p:sp>
-            <p:nvSpPr>
-              <p:cNvPr id="2" name="Content Placeholder 1"/>
-              <p:cNvSpPr>
-                <a:spLocks noGrp="1"/>
-              </p:cNvSpPr>
-              <p:nvPr>
-                <p:ph idx="1"/>
-              </p:nvPr>
-            </p:nvSpPr>
-            <p:spPr/>
-            <p:txBody>
-              <a:bodyPr/>
-              <a:lstStyle/>
-              <a:p>
-                <a:r>
-                  <a:rPr lang="lv-LV" dirty="0" smtClean="0"/>
-                  <a:t>Atrodiet </a:t>
-                </a:r>
-                <a:r>
-                  <a:rPr lang="lv-LV" dirty="0"/>
-                  <a:t>visus tādus naturālus skaitļus </a:t>
-                </a:r>
-                <a14:m>
-                  <m:oMath xmlns:m="http://schemas.openxmlformats.org/officeDocument/2006/math">
-                    <m:r>
-                      <a:rPr lang="lv-LV" i="1" dirty="0" smtClean="0">
-                        <a:latin typeface="Cambria Math" panose="02040503050406030204" pitchFamily="18" charset="0"/>
-                      </a:rPr>
-                      <m:t>𝑠</m:t>
-                    </m:r>
-                  </m:oMath>
-                </a14:m>
-                <a:r>
-                  <a:rPr lang="lv-LV" dirty="0"/>
-                  <a:t>, kuriem </a:t>
-                </a:r>
-                <a:r>
-                  <a:rPr lang="lv-LV" dirty="0" smtClean="0"/>
-                  <a:t>vienādojumam</a:t>
-                </a:r>
-                <a:endParaRPr lang="en-US" dirty="0" smtClean="0"/>
-              </a:p>
-              <a:p>
-                <a:pPr/>
-                <a14:m>
-                  <m:oMathPara xmlns:m="http://schemas.openxmlformats.org/officeDocument/2006/math">
-                    <m:oMathParaPr>
-                      <m:jc m:val="centerGroup"/>
-                    </m:oMathParaPr>
-                    <m:oMath xmlns:m="http://schemas.openxmlformats.org/officeDocument/2006/math">
-                      <m:f>
-                        <m:fPr>
-                          <m:ctrlPr>
-                            <a:rPr lang="lv-LV" i="1" smtClean="0">
-                              <a:latin typeface="Cambria Math" panose="02040503050406030204" pitchFamily="18" charset="0"/>
-                            </a:rPr>
-                          </m:ctrlPr>
-                        </m:fPr>
-                        <m:num>
-                          <m:r>
-                            <a:rPr lang="en-US" b="0" i="1" smtClean="0">
-                              <a:latin typeface="Cambria Math" panose="02040503050406030204" pitchFamily="18" charset="0"/>
-                            </a:rPr>
-                            <m:t>1</m:t>
-                          </m:r>
-                        </m:num>
-                        <m:den>
-                          <m:sSubSup>
-                            <m:sSubSupPr>
-                              <m:ctrlPr>
-                                <a:rPr lang="lv-LV" i="1" smtClean="0">
-                                  <a:latin typeface="Cambria Math" panose="02040503050406030204" pitchFamily="18" charset="0"/>
-                                </a:rPr>
-                              </m:ctrlPr>
-                            </m:sSubSupPr>
-                            <m:e>
-                              <m:r>
-                                <a:rPr lang="en-US" b="0" i="1" smtClean="0">
-                                  <a:latin typeface="Cambria Math" panose="02040503050406030204" pitchFamily="18" charset="0"/>
-                                </a:rPr>
-                                <m:t>𝑥</m:t>
-                              </m:r>
-                            </m:e>
-                            <m:sub>
-                              <m:r>
-                                <a:rPr lang="en-US" b="0" i="1" smtClean="0">
-                                  <a:latin typeface="Cambria Math" panose="02040503050406030204" pitchFamily="18" charset="0"/>
-                                </a:rPr>
-                                <m:t>1</m:t>
-                              </m:r>
-                            </m:sub>
-                            <m:sup>
-                              <m:r>
-                                <a:rPr lang="en-US" b="0" i="1" smtClean="0">
-                                  <a:latin typeface="Cambria Math" panose="02040503050406030204" pitchFamily="18" charset="0"/>
-                                </a:rPr>
-                                <m:t>2</m:t>
-                              </m:r>
-                            </m:sup>
-                          </m:sSubSup>
-                        </m:den>
-                      </m:f>
-                      <m:r>
-                        <a:rPr lang="en-US" b="0" i="1" smtClean="0">
-                          <a:latin typeface="Cambria Math" panose="02040503050406030204" pitchFamily="18" charset="0"/>
-                        </a:rPr>
-                        <m:t>+</m:t>
-                      </m:r>
-                      <m:f>
-                        <m:fPr>
-                          <m:ctrlPr>
-                            <a:rPr lang="en-US" b="0" i="1" smtClean="0">
-                              <a:latin typeface="Cambria Math" panose="02040503050406030204" pitchFamily="18" charset="0"/>
-                            </a:rPr>
-                          </m:ctrlPr>
-                        </m:fPr>
-                        <m:num>
-                          <m:r>
-                            <a:rPr lang="en-US" b="0" i="1" smtClean="0">
-                              <a:latin typeface="Cambria Math" panose="02040503050406030204" pitchFamily="18" charset="0"/>
-                            </a:rPr>
-                            <m:t>1</m:t>
-                          </m:r>
-                        </m:num>
-                        <m:den>
-                          <m:sSubSup>
-                            <m:sSubSupPr>
-                              <m:ctrlPr>
-                                <a:rPr lang="en-US" b="0" i="1" smtClean="0">
-                                  <a:latin typeface="Cambria Math" panose="02040503050406030204" pitchFamily="18" charset="0"/>
-                                </a:rPr>
-                              </m:ctrlPr>
-                            </m:sSubSupPr>
-                            <m:e>
-                              <m:r>
-                                <a:rPr lang="en-US" b="0" i="1" smtClean="0">
-                                  <a:latin typeface="Cambria Math" panose="02040503050406030204" pitchFamily="18" charset="0"/>
-                                </a:rPr>
-                                <m:t>𝑥</m:t>
-                              </m:r>
-                            </m:e>
-                            <m:sub>
-                              <m:r>
-                                <a:rPr lang="en-US" b="0" i="1" smtClean="0">
-                                  <a:latin typeface="Cambria Math" panose="02040503050406030204" pitchFamily="18" charset="0"/>
-                                </a:rPr>
-                                <m:t>2</m:t>
-                              </m:r>
-                            </m:sub>
-                            <m:sup>
-                              <m:r>
-                                <a:rPr lang="en-US" b="0" i="1" smtClean="0">
-                                  <a:latin typeface="Cambria Math" panose="02040503050406030204" pitchFamily="18" charset="0"/>
-                                </a:rPr>
-                                <m:t>2</m:t>
-                              </m:r>
-                            </m:sup>
-                          </m:sSubSup>
-                        </m:den>
-                      </m:f>
-                      <m:r>
-                        <a:rPr lang="en-US" b="0" i="1" smtClean="0">
-                          <a:latin typeface="Cambria Math" panose="02040503050406030204" pitchFamily="18" charset="0"/>
-                        </a:rPr>
-                        <m:t>+</m:t>
-                      </m:r>
-                      <m:r>
-                        <a:rPr lang="en-US" b="0" i="1" smtClean="0">
-                          <a:latin typeface="Cambria Math" panose="02040503050406030204" pitchFamily="18" charset="0"/>
-                          <a:ea typeface="Cambria Math" panose="02040503050406030204" pitchFamily="18" charset="0"/>
-                        </a:rPr>
-                        <m:t>⋯+</m:t>
-                      </m:r>
-                      <m:f>
-                        <m:fPr>
-                          <m:ctrlPr>
-                            <a:rPr lang="en-US" b="0" i="1" smtClean="0">
-                              <a:latin typeface="Cambria Math" panose="02040503050406030204" pitchFamily="18" charset="0"/>
-                              <a:ea typeface="Cambria Math" panose="02040503050406030204" pitchFamily="18" charset="0"/>
-                            </a:rPr>
-                          </m:ctrlPr>
-                        </m:fPr>
-                        <m:num>
-                          <m:r>
-                            <a:rPr lang="en-US" b="0" i="1" smtClean="0">
-                              <a:latin typeface="Cambria Math" panose="02040503050406030204" pitchFamily="18" charset="0"/>
-                              <a:ea typeface="Cambria Math" panose="02040503050406030204" pitchFamily="18" charset="0"/>
-                            </a:rPr>
-                            <m:t>1</m:t>
-                          </m:r>
-                        </m:num>
-                        <m:den>
-                          <m:sSubSup>
-                            <m:sSubSupPr>
-                              <m:ctrlPr>
-                                <a:rPr lang="en-US" b="0" i="1" smtClean="0">
-                                  <a:latin typeface="Cambria Math" panose="02040503050406030204" pitchFamily="18" charset="0"/>
-                                  <a:ea typeface="Cambria Math" panose="02040503050406030204" pitchFamily="18" charset="0"/>
-                                </a:rPr>
-                              </m:ctrlPr>
-                            </m:sSubSupPr>
-                            <m:e>
-                              <m:r>
-                                <a:rPr lang="en-US" b="0" i="1" smtClean="0">
-                                  <a:latin typeface="Cambria Math" panose="02040503050406030204" pitchFamily="18" charset="0"/>
-                                  <a:ea typeface="Cambria Math" panose="02040503050406030204" pitchFamily="18" charset="0"/>
-                                </a:rPr>
-                                <m:t>𝑥</m:t>
-                              </m:r>
-                            </m:e>
-                            <m:sub>
-                              <m:r>
-                                <a:rPr lang="en-US" b="0" i="1" smtClean="0">
-                                  <a:latin typeface="Cambria Math" panose="02040503050406030204" pitchFamily="18" charset="0"/>
-                                  <a:ea typeface="Cambria Math" panose="02040503050406030204" pitchFamily="18" charset="0"/>
-                                </a:rPr>
-                                <m:t>𝑠</m:t>
-                              </m:r>
-                            </m:sub>
-                            <m:sup>
-                              <m:r>
-                                <a:rPr lang="en-US" b="0" i="1" smtClean="0">
-                                  <a:latin typeface="Cambria Math" panose="02040503050406030204" pitchFamily="18" charset="0"/>
-                                  <a:ea typeface="Cambria Math" panose="02040503050406030204" pitchFamily="18" charset="0"/>
-                                </a:rPr>
-                                <m:t>2</m:t>
-                              </m:r>
-                            </m:sup>
-                          </m:sSubSup>
-                        </m:den>
-                      </m:f>
-                      <m:r>
-                        <a:rPr lang="en-US" b="0" i="1" smtClean="0">
-                          <a:latin typeface="Cambria Math" panose="02040503050406030204" pitchFamily="18" charset="0"/>
-                          <a:ea typeface="Cambria Math" panose="02040503050406030204" pitchFamily="18" charset="0"/>
-                        </a:rPr>
-                        <m:t>=1</m:t>
-                      </m:r>
-                    </m:oMath>
-                  </m:oMathPara>
-                </a14:m>
-                <a:endParaRPr lang="en-US" dirty="0" smtClean="0"/>
-              </a:p>
-              <a:p>
-                <a:r>
-                  <a:rPr lang="lv-LV" dirty="0"/>
-                  <a:t>ir vismaz viens atrisinājums naturālos </a:t>
-                </a:r>
-                <a:r>
-                  <a:rPr lang="lv-LV" dirty="0" smtClean="0"/>
-                  <a:t>skaitļos.</a:t>
-                </a:r>
-                <a:endParaRPr lang="lv-LV" dirty="0"/>
-              </a:p>
-            </p:txBody>
-          </p:sp>
-        </mc:Choice>
-        <mc:Fallback xmlns="">
-          <p:sp>
-            <p:nvSpPr>
-              <p:cNvPr id="2" name="Content Placeholder 1"/>
-              <p:cNvSpPr>
-                <a:spLocks noGrp="1" noRot="1" noChangeAspect="1" noMove="1" noResize="1" noEditPoints="1" noAdjustHandles="1" noChangeArrowheads="1" noChangeShapeType="1" noTextEdit="1"/>
-              </p:cNvSpPr>
-              <p:nvPr>
-                <p:ph idx="1"/>
-              </p:nvPr>
-            </p:nvSpPr>
-            <p:spPr>
-              <a:blipFill>
-                <a:blip r:embed="rId2"/>
-                <a:stretch>
-                  <a:fillRect l="-2163" t="-2318"/>
-                </a:stretch>
-              </a:blipFill>
-            </p:spPr>
-            <p:txBody>
-              <a:bodyPr/>
-              <a:lstStyle/>
-              <a:p>
-                <a:r>
-                  <a:rPr lang="lv-LV">
-                    <a:noFill/>
-                  </a:rPr>
-                  <a:t> </a:t>
-                </a:r>
-              </a:p>
-            </p:txBody>
-          </p:sp>
-        </mc:Fallback>
-      </mc:AlternateContent>
-      <p:sp>
-        <p:nvSpPr>
-          <p:cNvPr id="4" name="Title 3"/>
-          <p:cNvSpPr>
-            <a:spLocks noGrp="1"/>
-          </p:cNvSpPr>
-          <p:nvPr>
-            <p:ph type="title"/>
-          </p:nvPr>
-        </p:nvSpPr>
-        <p:spPr/>
-        <p:txBody>
-          <a:bodyPr/>
-          <a:lstStyle/>
-          <a:p>
-            <a:endParaRPr lang="lv-LV"/>
-          </a:p>
-        </p:txBody>
-      </p:sp>
-    </p:spTree>
-    <p:extLst>
-      <p:ext uri="{BB962C8B-B14F-4D97-AF65-F5344CB8AC3E}">
-        <p14:creationId xmlns:p14="http://schemas.microsoft.com/office/powerpoint/2010/main" val="118388143"/>
-      </p:ext>
-    </p:extLst>
-  </p:cSld>
-  <p:clrMapOvr>
-    <a:masterClrMapping/>
-  </p:clrMapOvr>
-</p:sld>
-</file>
-
-<file path=ppt/slides/slide4.xml><?xml version="1.0" encoding="utf-8"?>
-<p:sld xmlns:a="http://schemas.openxmlformats.org/drawingml/2006/main" xmlns:r="http://schemas.openxmlformats.org/officeDocument/2006/relationships" xmlns:p="http://schemas.openxmlformats.org/presentationml/2006/main">
-  <p:cSld>
-    <p:spTree>
-      <p:nvGrpSpPr>
-        <p:cNvPr id="1" name=""/>
-        <p:cNvGrpSpPr/>
-        <p:nvPr/>
-      </p:nvGrpSpPr>
-      <p:grpSpPr>
-        <a:xfrm>
-          <a:off x="0" y="0"/>
-          <a:ext cx="0" cy="0"/>
-          <a:chOff x="0" y="0"/>
-          <a:chExt cx="0" cy="0"/>
-        </a:xfrm>
-      </p:grpSpPr>
-      <p:sp>
-        <p:nvSpPr>
-          <p:cNvPr id="6" name="Content Placeholder 5"/>
-          <p:cNvSpPr>
-            <a:spLocks noGrp="1"/>
-          </p:cNvSpPr>
-          <p:nvPr>
-            <p:ph idx="1"/>
-          </p:nvPr>
-        </p:nvSpPr>
-        <p:spPr/>
-        <p:txBody>
-          <a:bodyPr/>
-          <a:lstStyle/>
-          <a:p>
-            <a:r>
-              <a:rPr lang="en-US" b="1" dirty="0" err="1" smtClean="0"/>
-              <a:t>Ieteikums</a:t>
-            </a:r>
-            <a:r>
-              <a:rPr lang="en-US" b="1" dirty="0" smtClean="0"/>
-              <a:t>:</a:t>
-            </a:r>
-            <a:r>
-              <a:rPr lang="en-US" dirty="0" smtClean="0"/>
-              <a:t> </a:t>
-            </a:r>
-            <a:r>
-              <a:rPr lang="en-US" dirty="0" err="1" smtClean="0"/>
-              <a:t>Vajag</a:t>
-            </a:r>
-            <a:r>
-              <a:rPr lang="en-US" dirty="0" smtClean="0"/>
-              <a:t> </a:t>
-            </a:r>
-            <a:r>
-              <a:rPr lang="en-US" dirty="0" err="1" smtClean="0"/>
-              <a:t>reizin</a:t>
-            </a:r>
-            <a:r>
-              <a:rPr lang="lv-LV" dirty="0" smtClean="0"/>
-              <a:t>āt ar 4 zem saknes un atdalīt pilno kvadrātu.</a:t>
-            </a:r>
-            <a:endParaRPr lang="lv-LV" dirty="0"/>
-          </a:p>
-        </p:txBody>
-      </p:sp>
-      <p:sp>
-        <p:nvSpPr>
-          <p:cNvPr id="5" name="Title 4"/>
-          <p:cNvSpPr>
-            <a:spLocks noGrp="1"/>
-          </p:cNvSpPr>
-          <p:nvPr>
-            <p:ph type="title"/>
-          </p:nvPr>
-        </p:nvSpPr>
-        <p:spPr/>
-        <p:txBody>
-          <a:bodyPr/>
-          <a:lstStyle/>
-          <a:p>
-            <a:endParaRPr lang="lv-LV"/>
-          </a:p>
-        </p:txBody>
-      </p:sp>
-    </p:spTree>
-    <p:extLst>
-      <p:ext uri="{BB962C8B-B14F-4D97-AF65-F5344CB8AC3E}">
-        <p14:creationId xmlns:p14="http://schemas.microsoft.com/office/powerpoint/2010/main" val="429968918"/>
-      </p:ext>
-    </p:extLst>
-  </p:cSld>
-  <p:clrMapOvr>
-    <a:masterClrMapping/>
-  </p:clrMapOvr>
-  <p:timing>
-    <p:tnLst>
-      <p:par>
-        <p:cTn id="1" dur="indefinite" restart="never" nodeType="tmRoot"/>
-      </p:par>
-    </p:tnLst>
-  </p:timing>
-</p:sld>
-</file>
-
-<file path=ppt/slides/slide5.xml><?xml version="1.0" encoding="utf-8"?>
-<p:sld xmlns:a="http://schemas.openxmlformats.org/drawingml/2006/main" xmlns:r="http://schemas.openxmlformats.org/officeDocument/2006/relationships" xmlns:p="http://schemas.openxmlformats.org/presentationml/2006/main">
-  <p:cSld>
-    <p:spTree>
-      <p:nvGrpSpPr>
-        <p:cNvPr id="1" name=""/>
-        <p:cNvGrpSpPr/>
-        <p:nvPr/>
-      </p:nvGrpSpPr>
-      <p:grpSpPr>
-        <a:xfrm>
-          <a:off x="0" y="0"/>
-          <a:ext cx="0" cy="0"/>
-          <a:chOff x="0" y="0"/>
-          <a:chExt cx="0" cy="0"/>
-        </a:xfrm>
-      </p:grpSpPr>
-      <mc:AlternateContent xmlns:mc="http://schemas.openxmlformats.org/markup-compatibility/2006" xmlns:a14="http://schemas.microsoft.com/office/drawing/2010/main">
-        <mc:Choice Requires="a14">
-          <p:sp>
-            <p:nvSpPr>
-              <p:cNvPr id="2" name="Content Placeholder 1"/>
-              <p:cNvSpPr>
-                <a:spLocks noGrp="1"/>
-              </p:cNvSpPr>
-              <p:nvPr>
-                <p:ph idx="1"/>
-              </p:nvPr>
-            </p:nvSpPr>
-            <p:spPr/>
-            <p:txBody>
-              <a:bodyPr/>
-              <a:lstStyle/>
-              <a:p>
-                <a:r>
-                  <a:rPr lang="lv-LV" dirty="0" smtClean="0"/>
-                  <a:t>Atrast naturālu skaitli </a:t>
-                </a:r>
-                <a14:m>
-                  <m:oMath xmlns:m="http://schemas.openxmlformats.org/officeDocument/2006/math">
-                    <m:r>
-                      <a:rPr lang="lv-LV" i="1" dirty="0" smtClean="0">
-                        <a:latin typeface="Cambria Math" panose="02040503050406030204" pitchFamily="18" charset="0"/>
-                      </a:rPr>
-                      <m:t>𝑛</m:t>
-                    </m:r>
-                  </m:oMath>
-                </a14:m>
-                <a:r>
-                  <a:rPr lang="lv-LV" dirty="0" smtClean="0"/>
-                  <a:t>, kuram izpildās attēlā dotā vienādība.</a:t>
-                </a:r>
-              </a:p>
-              <a:p>
-                <a:r>
-                  <a:rPr lang="lv-LV" dirty="0"/>
-                  <a:t>(Formulā ar </a:t>
-                </a:r>
-                <a14:m>
-                  <m:oMath xmlns:m="http://schemas.openxmlformats.org/officeDocument/2006/math">
-                    <m:d>
-                      <m:dPr>
-                        <m:begChr m:val="⌊"/>
-                        <m:endChr m:val="⌋"/>
-                        <m:ctrlPr>
-                          <a:rPr lang="lv-LV" i="1" smtClean="0">
-                            <a:latin typeface="Cambria Math" panose="02040503050406030204" pitchFamily="18" charset="0"/>
-                          </a:rPr>
-                        </m:ctrlPr>
-                      </m:dPr>
-                      <m:e>
-                        <m:r>
-                          <a:rPr lang="lv-LV" b="0" i="1" smtClean="0">
-                            <a:latin typeface="Cambria Math" panose="02040503050406030204" pitchFamily="18" charset="0"/>
-                          </a:rPr>
-                          <m:t>𝑥</m:t>
-                        </m:r>
-                      </m:e>
-                    </m:d>
-                  </m:oMath>
-                </a14:m>
-                <a:r>
-                  <a:rPr lang="lv-LV" dirty="0"/>
-                  <a:t> apzīmēta skaitļa </a:t>
-                </a:r>
-                <a14:m>
-                  <m:oMath xmlns:m="http://schemas.openxmlformats.org/officeDocument/2006/math">
-                    <m:r>
-                      <a:rPr lang="lv-LV" i="1" dirty="0" smtClean="0">
-                        <a:latin typeface="Cambria Math" panose="02040503050406030204" pitchFamily="18" charset="0"/>
-                      </a:rPr>
-                      <m:t>𝑥</m:t>
-                    </m:r>
-                  </m:oMath>
-                </a14:m>
-                <a:r>
-                  <a:rPr lang="lv-LV" dirty="0"/>
-                  <a:t> veselā daļa.)</a:t>
-                </a:r>
-              </a:p>
-              <a:p>
-                <a:pPr/>
-                <a14:m>
-                  <m:oMathPara xmlns:m="http://schemas.openxmlformats.org/officeDocument/2006/math">
-                    <m:oMathParaPr>
-                      <m:jc m:val="centerGroup"/>
-                    </m:oMathParaPr>
-                    <m:oMath xmlns:m="http://schemas.openxmlformats.org/officeDocument/2006/math">
-                      <m:d>
-                        <m:dPr>
-                          <m:begChr m:val="⌊"/>
-                          <m:endChr m:val="⌋"/>
-                          <m:ctrlPr>
-                            <a:rPr lang="lv-LV" i="1" smtClean="0">
-                              <a:latin typeface="Cambria Math" panose="02040503050406030204" pitchFamily="18" charset="0"/>
-                            </a:rPr>
-                          </m:ctrlPr>
-                        </m:dPr>
-                        <m:e>
-                          <m:func>
-                            <m:funcPr>
-                              <m:ctrlPr>
-                                <a:rPr lang="lv-LV" i="1" smtClean="0">
-                                  <a:latin typeface="Cambria Math" panose="02040503050406030204" pitchFamily="18" charset="0"/>
-                                </a:rPr>
-                              </m:ctrlPr>
-                            </m:funcPr>
-                            <m:fName>
-                              <m:sSub>
-                                <m:sSubPr>
-                                  <m:ctrlPr>
-                                    <a:rPr lang="lv-LV" i="1" smtClean="0">
-                                      <a:latin typeface="Cambria Math" panose="02040503050406030204" pitchFamily="18" charset="0"/>
-                                    </a:rPr>
-                                  </m:ctrlPr>
-                                </m:sSubPr>
-                                <m:e>
-                                  <m:r>
-                                    <m:rPr>
-                                      <m:sty m:val="p"/>
-                                    </m:rPr>
-                                    <a:rPr lang="lv-LV" i="0" smtClean="0">
-                                      <a:latin typeface="Cambria Math" panose="02040503050406030204" pitchFamily="18" charset="0"/>
-                                    </a:rPr>
-                                    <m:t>log</m:t>
-                                  </m:r>
-                                </m:e>
-                                <m:sub>
-                                  <m:r>
-                                    <a:rPr lang="lv-LV" b="0" i="1" smtClean="0">
-                                      <a:latin typeface="Cambria Math" panose="02040503050406030204" pitchFamily="18" charset="0"/>
-                                    </a:rPr>
-                                    <m:t>2</m:t>
-                                  </m:r>
-                                </m:sub>
-                              </m:sSub>
-                            </m:fName>
-                            <m:e>
-                              <m:r>
-                                <a:rPr lang="lv-LV" b="0" i="1" smtClean="0">
-                                  <a:latin typeface="Cambria Math" panose="02040503050406030204" pitchFamily="18" charset="0"/>
-                                </a:rPr>
-                                <m:t>1</m:t>
-                              </m:r>
-                            </m:e>
-                          </m:func>
-                        </m:e>
-                      </m:d>
-                      <m:r>
-                        <a:rPr lang="lv-LV" b="0" i="1" smtClean="0">
-                          <a:latin typeface="Cambria Math" panose="02040503050406030204" pitchFamily="18" charset="0"/>
-                        </a:rPr>
-                        <m:t>+</m:t>
-                      </m:r>
-                      <m:d>
-                        <m:dPr>
-                          <m:begChr m:val="⌊"/>
-                          <m:endChr m:val="⌋"/>
-                          <m:ctrlPr>
-                            <a:rPr lang="lv-LV" i="1">
-                              <a:latin typeface="Cambria Math" panose="02040503050406030204" pitchFamily="18" charset="0"/>
-                            </a:rPr>
-                          </m:ctrlPr>
-                        </m:dPr>
-                        <m:e>
-                          <m:func>
-                            <m:funcPr>
-                              <m:ctrlPr>
-                                <a:rPr lang="lv-LV" i="1">
-                                  <a:latin typeface="Cambria Math" panose="02040503050406030204" pitchFamily="18" charset="0"/>
-                                </a:rPr>
-                              </m:ctrlPr>
-                            </m:funcPr>
-                            <m:fName>
-                              <m:sSub>
-                                <m:sSubPr>
-                                  <m:ctrlPr>
-                                    <a:rPr lang="lv-LV" i="1">
-                                      <a:latin typeface="Cambria Math" panose="02040503050406030204" pitchFamily="18" charset="0"/>
-                                    </a:rPr>
-                                  </m:ctrlPr>
-                                </m:sSubPr>
-                                <m:e>
-                                  <m:r>
-                                    <m:rPr>
-                                      <m:sty m:val="p"/>
-                                    </m:rPr>
-                                    <a:rPr lang="lv-LV">
-                                      <a:latin typeface="Cambria Math" panose="02040503050406030204" pitchFamily="18" charset="0"/>
-                                    </a:rPr>
-                                    <m:t>log</m:t>
-                                  </m:r>
-                                </m:e>
-                                <m:sub>
-                                  <m:r>
-                                    <a:rPr lang="lv-LV" i="1">
-                                      <a:latin typeface="Cambria Math" panose="02040503050406030204" pitchFamily="18" charset="0"/>
-                                    </a:rPr>
-                                    <m:t>2</m:t>
-                                  </m:r>
-                                </m:sub>
-                              </m:sSub>
-                            </m:fName>
-                            <m:e>
-                              <m:r>
-                                <a:rPr lang="lv-LV" b="0" i="1" smtClean="0">
-                                  <a:latin typeface="Cambria Math" panose="02040503050406030204" pitchFamily="18" charset="0"/>
-                                </a:rPr>
-                                <m:t>2</m:t>
-                              </m:r>
-                            </m:e>
-                          </m:func>
-                        </m:e>
-                      </m:d>
-                      <m:r>
-                        <a:rPr lang="lv-LV" i="1">
-                          <a:latin typeface="Cambria Math" panose="02040503050406030204" pitchFamily="18" charset="0"/>
-                        </a:rPr>
-                        <m:t>+</m:t>
-                      </m:r>
-                      <m:d>
-                        <m:dPr>
-                          <m:begChr m:val="⌊"/>
-                          <m:endChr m:val="⌋"/>
-                          <m:ctrlPr>
-                            <a:rPr lang="lv-LV" i="1">
-                              <a:latin typeface="Cambria Math" panose="02040503050406030204" pitchFamily="18" charset="0"/>
-                            </a:rPr>
-                          </m:ctrlPr>
-                        </m:dPr>
-                        <m:e>
-                          <m:func>
-                            <m:funcPr>
-                              <m:ctrlPr>
-                                <a:rPr lang="lv-LV" i="1">
-                                  <a:latin typeface="Cambria Math" panose="02040503050406030204" pitchFamily="18" charset="0"/>
-                                </a:rPr>
-                              </m:ctrlPr>
-                            </m:funcPr>
-                            <m:fName>
-                              <m:sSub>
-                                <m:sSubPr>
-                                  <m:ctrlPr>
-                                    <a:rPr lang="lv-LV" i="1">
-                                      <a:latin typeface="Cambria Math" panose="02040503050406030204" pitchFamily="18" charset="0"/>
-                                    </a:rPr>
-                                  </m:ctrlPr>
-                                </m:sSubPr>
-                                <m:e>
-                                  <m:r>
-                                    <m:rPr>
-                                      <m:sty m:val="p"/>
-                                    </m:rPr>
-                                    <a:rPr lang="lv-LV">
-                                      <a:latin typeface="Cambria Math" panose="02040503050406030204" pitchFamily="18" charset="0"/>
-                                    </a:rPr>
-                                    <m:t>log</m:t>
-                                  </m:r>
-                                </m:e>
-                                <m:sub>
-                                  <m:r>
-                                    <a:rPr lang="lv-LV" i="1">
-                                      <a:latin typeface="Cambria Math" panose="02040503050406030204" pitchFamily="18" charset="0"/>
-                                    </a:rPr>
-                                    <m:t>2</m:t>
-                                  </m:r>
-                                </m:sub>
-                              </m:sSub>
-                            </m:fName>
-                            <m:e>
-                              <m:r>
-                                <a:rPr lang="lv-LV" b="0" i="1" smtClean="0">
-                                  <a:latin typeface="Cambria Math" panose="02040503050406030204" pitchFamily="18" charset="0"/>
-                                </a:rPr>
-                                <m:t>3</m:t>
-                              </m:r>
-                            </m:e>
-                          </m:func>
-                        </m:e>
-                      </m:d>
-                      <m:r>
-                        <a:rPr lang="lv-LV" i="1" smtClean="0">
-                          <a:latin typeface="Cambria Math" panose="02040503050406030204" pitchFamily="18" charset="0"/>
-                          <a:ea typeface="Cambria Math" panose="02040503050406030204" pitchFamily="18" charset="0"/>
-                        </a:rPr>
-                        <m:t>⋯</m:t>
-                      </m:r>
-                      <m:r>
-                        <a:rPr lang="lv-LV" b="0" i="1" smtClean="0">
-                          <a:latin typeface="Cambria Math" panose="02040503050406030204" pitchFamily="18" charset="0"/>
-                          <a:ea typeface="Cambria Math" panose="02040503050406030204" pitchFamily="18" charset="0"/>
-                        </a:rPr>
-                        <m:t>+</m:t>
-                      </m:r>
-                      <m:d>
-                        <m:dPr>
-                          <m:begChr m:val="⌊"/>
-                          <m:endChr m:val="⌋"/>
-                          <m:ctrlPr>
-                            <a:rPr lang="lv-LV" i="1">
-                              <a:latin typeface="Cambria Math" panose="02040503050406030204" pitchFamily="18" charset="0"/>
-                            </a:rPr>
-                          </m:ctrlPr>
-                        </m:dPr>
-                        <m:e>
-                          <m:func>
-                            <m:funcPr>
-                              <m:ctrlPr>
-                                <a:rPr lang="lv-LV" i="1">
-                                  <a:latin typeface="Cambria Math" panose="02040503050406030204" pitchFamily="18" charset="0"/>
-                                </a:rPr>
-                              </m:ctrlPr>
-                            </m:funcPr>
-                            <m:fName>
-                              <m:sSub>
-                                <m:sSubPr>
-                                  <m:ctrlPr>
-                                    <a:rPr lang="lv-LV" i="1">
-                                      <a:latin typeface="Cambria Math" panose="02040503050406030204" pitchFamily="18" charset="0"/>
-                                    </a:rPr>
-                                  </m:ctrlPr>
-                                </m:sSubPr>
-                                <m:e>
-                                  <m:r>
-                                    <m:rPr>
-                                      <m:sty m:val="p"/>
-                                    </m:rPr>
-                                    <a:rPr lang="lv-LV">
-                                      <a:latin typeface="Cambria Math" panose="02040503050406030204" pitchFamily="18" charset="0"/>
-                                    </a:rPr>
-                                    <m:t>log</m:t>
-                                  </m:r>
-                                </m:e>
-                                <m:sub>
-                                  <m:r>
-                                    <a:rPr lang="lv-LV" i="1">
-                                      <a:latin typeface="Cambria Math" panose="02040503050406030204" pitchFamily="18" charset="0"/>
-                                    </a:rPr>
-                                    <m:t>2</m:t>
-                                  </m:r>
-                                </m:sub>
-                              </m:sSub>
-                            </m:fName>
-                            <m:e>
-                              <m:r>
-                                <a:rPr lang="lv-LV" b="0" i="1" smtClean="0">
-                                  <a:latin typeface="Cambria Math" panose="02040503050406030204" pitchFamily="18" charset="0"/>
-                                </a:rPr>
-                                <m:t>𝑛</m:t>
-                              </m:r>
-                            </m:e>
-                          </m:func>
-                        </m:e>
-                      </m:d>
-                      <m:r>
-                        <a:rPr lang="lv-LV" b="0" i="1" smtClean="0">
-                          <a:latin typeface="Cambria Math" panose="02040503050406030204" pitchFamily="18" charset="0"/>
-                        </a:rPr>
-                        <m:t>=1898</m:t>
-                      </m:r>
-                    </m:oMath>
-                  </m:oMathPara>
-                </a14:m>
-                <a:r>
-                  <a:rPr lang="lv-LV" dirty="0"/>
-                  <a:t/>
-                </a:r>
-                <a:br>
-                  <a:rPr lang="lv-LV" dirty="0"/>
-                </a:br>
-                <a:endParaRPr lang="lv-LV" dirty="0"/>
-              </a:p>
-              <a:p>
-                <a:endParaRPr lang="lv-LV" dirty="0"/>
-              </a:p>
-            </p:txBody>
-          </p:sp>
-        </mc:Choice>
-        <mc:Fallback xmlns="">
-          <p:sp>
-            <p:nvSpPr>
-              <p:cNvPr id="2" name="Content Placeholder 1"/>
-              <p:cNvSpPr>
-                <a:spLocks noGrp="1" noRot="1" noChangeAspect="1" noMove="1" noResize="1" noEditPoints="1" noAdjustHandles="1" noChangeArrowheads="1" noChangeShapeType="1" noTextEdit="1"/>
-              </p:cNvSpPr>
-              <p:nvPr>
-                <p:ph idx="1"/>
-              </p:nvPr>
-            </p:nvSpPr>
-            <p:spPr>
-              <a:blipFill>
-                <a:blip r:embed="rId2"/>
-                <a:stretch>
-                  <a:fillRect l="-2163" t="-2318"/>
-                </a:stretch>
-              </a:blipFill>
-            </p:spPr>
-            <p:txBody>
-              <a:bodyPr/>
-              <a:lstStyle/>
-              <a:p>
-                <a:r>
-                  <a:rPr lang="lv-LV">
-                    <a:noFill/>
-                  </a:rPr>
-                  <a:t> </a:t>
-                </a:r>
-              </a:p>
-            </p:txBody>
-          </p:sp>
-        </mc:Fallback>
-      </mc:AlternateContent>
-      <p:sp>
-        <p:nvSpPr>
-          <p:cNvPr id="4" name="Title 3"/>
-          <p:cNvSpPr>
-            <a:spLocks noGrp="1"/>
-          </p:cNvSpPr>
-          <p:nvPr>
-            <p:ph type="title"/>
-          </p:nvPr>
-        </p:nvSpPr>
-        <p:spPr/>
-        <p:txBody>
-          <a:bodyPr/>
-          <a:lstStyle/>
-          <a:p>
-            <a:r>
-              <a:rPr lang="lv-LV" dirty="0" smtClean="0"/>
-              <a:t>Quiz2021#4.2</a:t>
-            </a:r>
-            <a:endParaRPr lang="lv-LV" dirty="0"/>
-          </a:p>
-        </p:txBody>
-      </p:sp>
-    </p:spTree>
-    <p:extLst>
-      <p:ext uri="{BB962C8B-B14F-4D97-AF65-F5344CB8AC3E}">
-        <p14:creationId xmlns:p14="http://schemas.microsoft.com/office/powerpoint/2010/main" val="2108710322"/>
-      </p:ext>
-    </p:extLst>
-  </p:cSld>
-  <p:clrMapOvr>
-    <a:masterClrMapping/>
-  </p:clrMapOvr>
-  <p:timing>
-    <p:tnLst>
-      <p:par>
-        <p:cTn id="1" dur="indefinite" restart="never" nodeType="tmRoot"/>
-      </p:par>
-    </p:tnLst>
-  </p:timing>
-</p:sld>
-</file>
-
-<file path=ppt/slides/slide6.xml><?xml version="1.0" encoding="utf-8"?>
-<p:sld xmlns:a="http://schemas.openxmlformats.org/drawingml/2006/main" xmlns:r="http://schemas.openxmlformats.org/officeDocument/2006/relationships" xmlns:p="http://schemas.openxmlformats.org/presentationml/2006/main">
-  <p:cSld>
-    <p:spTree>
-      <p:nvGrpSpPr>
-        <p:cNvPr id="1" name=""/>
-        <p:cNvGrpSpPr/>
-        <p:nvPr/>
-      </p:nvGrpSpPr>
-      <p:grpSpPr>
-        <a:xfrm>
-          <a:off x="0" y="0"/>
-          <a:ext cx="0" cy="0"/>
-          <a:chOff x="0" y="0"/>
-          <a:chExt cx="0" cy="0"/>
-        </a:xfrm>
-      </p:grpSpPr>
-      <p:sp>
-        <p:nvSpPr>
-          <p:cNvPr id="6" name="Content Placeholder 5"/>
-          <p:cNvSpPr>
-            <a:spLocks noGrp="1"/>
-          </p:cNvSpPr>
-          <p:nvPr>
-            <p:ph idx="1"/>
-          </p:nvPr>
-        </p:nvSpPr>
-        <p:spPr/>
-        <p:txBody>
-          <a:bodyPr/>
-          <a:lstStyle/>
-          <a:p>
-            <a:r>
-              <a:rPr lang="lv-LV" b="1" dirty="0" smtClean="0"/>
-              <a:t>Ieteikums:</a:t>
-            </a:r>
-            <a:r>
-              <a:rPr lang="lv-LV" dirty="0" smtClean="0"/>
-              <a:t> Vajag sasummēt līdz pilnām divnieka pakāpēm. Pēc tam atrast, cik saskaitāmo pietrūkst līdz 1898.</a:t>
-            </a:r>
-          </a:p>
-          <a:p>
-            <a:endParaRPr lang="lv-LV" dirty="0"/>
-          </a:p>
-        </p:txBody>
-      </p:sp>
-      <p:sp>
-        <p:nvSpPr>
-          <p:cNvPr id="5" name="Title 4"/>
-          <p:cNvSpPr>
-            <a:spLocks noGrp="1"/>
-          </p:cNvSpPr>
-          <p:nvPr>
-            <p:ph type="title"/>
-          </p:nvPr>
-        </p:nvSpPr>
-        <p:spPr/>
-        <p:txBody>
-          <a:bodyPr/>
-          <a:lstStyle/>
-          <a:p>
-            <a:endParaRPr lang="lv-LV"/>
-          </a:p>
-        </p:txBody>
-      </p:sp>
-    </p:spTree>
-    <p:extLst>
-      <p:ext uri="{BB962C8B-B14F-4D97-AF65-F5344CB8AC3E}">
-        <p14:creationId xmlns:p14="http://schemas.microsoft.com/office/powerpoint/2010/main" val="2621421067"/>
-      </p:ext>
-    </p:extLst>
-  </p:cSld>
-  <p:clrMapOvr>
-    <a:masterClrMapping/>
-  </p:clrMapOvr>
-  <p:timing>
-    <p:tnLst>
-      <p:par>
-        <p:cTn id="1" dur="indefinite" restart="never" nodeType="tmRoot"/>
-      </p:par>
-    </p:tnLst>
-  </p:timing>
-</p:sld>
-</file>
-
-<file path=ppt/slides/slide7.xml><?xml version="1.0" encoding="utf-8"?>
-<p:sld xmlns:a="http://schemas.openxmlformats.org/drawingml/2006/main" xmlns:r="http://schemas.openxmlformats.org/officeDocument/2006/relationships" xmlns:p="http://schemas.openxmlformats.org/presentationml/2006/main">
-  <p:cSld>
-    <p:spTree>
-      <p:nvGrpSpPr>
-        <p:cNvPr id="1" name=""/>
-        <p:cNvGrpSpPr/>
-        <p:nvPr/>
-      </p:nvGrpSpPr>
-      <p:grpSpPr>
-        <a:xfrm>
-          <a:off x="0" y="0"/>
-          <a:ext cx="0" cy="0"/>
-          <a:chOff x="0" y="0"/>
-          <a:chExt cx="0" cy="0"/>
-        </a:xfrm>
-      </p:grpSpPr>
-      <mc:AlternateContent xmlns:mc="http://schemas.openxmlformats.org/markup-compatibility/2006" xmlns:a14="http://schemas.microsoft.com/office/drawing/2010/main">
-        <mc:Choice Requires="a14">
-          <p:sp>
-            <p:nvSpPr>
-              <p:cNvPr id="6" name="Content Placeholder 5"/>
-              <p:cNvSpPr>
-                <a:spLocks noGrp="1"/>
-              </p:cNvSpPr>
-              <p:nvPr>
-                <p:ph idx="1"/>
-              </p:nvPr>
-            </p:nvSpPr>
-            <p:spPr/>
-            <p:txBody>
-              <a:bodyPr/>
-              <a:lstStyle/>
-              <a:p>
-                <a:r>
-                  <a:rPr lang="lv-LV" dirty="0" smtClean="0"/>
-                  <a:t>Cik daudzi no pirmajiem </a:t>
-                </a:r>
-                <a14:m>
-                  <m:oMath xmlns:m="http://schemas.openxmlformats.org/officeDocument/2006/math">
-                    <m:r>
-                      <a:rPr lang="lv-LV" i="1" dirty="0" smtClean="0">
-                        <a:latin typeface="Cambria Math" panose="02040503050406030204" pitchFamily="18" charset="0"/>
-                      </a:rPr>
-                      <m:t>100</m:t>
-                    </m:r>
-                  </m:oMath>
-                </a14:m>
-                <a:r>
-                  <a:rPr lang="lv-LV" dirty="0"/>
-                  <a:t> naturālajiem skaitļiem (</a:t>
-                </a:r>
-                <a14:m>
-                  <m:oMath xmlns:m="http://schemas.openxmlformats.org/officeDocument/2006/math">
-                    <m:r>
-                      <a:rPr lang="lv-LV" i="1" dirty="0" smtClean="0">
-                        <a:latin typeface="Cambria Math" panose="02040503050406030204" pitchFamily="18" charset="0"/>
-                      </a:rPr>
-                      <m:t>1,</m:t>
-                    </m:r>
-                    <m:r>
-                      <a:rPr lang="lv-LV" i="1" dirty="0" smtClean="0">
-                        <a:latin typeface="Cambria Math" panose="02040503050406030204" pitchFamily="18" charset="0"/>
-                        <a:ea typeface="Cambria Math" panose="02040503050406030204" pitchFamily="18" charset="0"/>
-                      </a:rPr>
-                      <m:t>⋯</m:t>
-                    </m:r>
-                    <m:r>
-                      <a:rPr lang="lv-LV" i="1" dirty="0" smtClean="0">
-                        <a:latin typeface="Cambria Math" panose="02040503050406030204" pitchFamily="18" charset="0"/>
-                      </a:rPr>
-                      <m:t>,100</m:t>
-                    </m:r>
-                  </m:oMath>
-                </a14:m>
-                <a:r>
-                  <a:rPr lang="lv-LV" dirty="0"/>
-                  <a:t>) ir izsakāmi ar attēlā redzamo izteiksmi, kur </a:t>
-                </a:r>
-                <a14:m>
-                  <m:oMath xmlns:m="http://schemas.openxmlformats.org/officeDocument/2006/math">
-                    <m:r>
-                      <a:rPr lang="lv-LV" i="1" dirty="0" smtClean="0">
-                        <a:latin typeface="Cambria Math" panose="02040503050406030204" pitchFamily="18" charset="0"/>
-                      </a:rPr>
-                      <m:t>𝑥</m:t>
-                    </m:r>
-                  </m:oMath>
-                </a14:m>
-                <a:r>
-                  <a:rPr lang="lv-LV" dirty="0"/>
-                  <a:t> ir reāls skaitlis</a:t>
-                </a:r>
-                <a:r>
-                  <a:rPr lang="lv-LV" dirty="0" smtClean="0"/>
-                  <a:t>.</a:t>
-                </a:r>
-                <a:endParaRPr lang="ru-RU" dirty="0" smtClean="0"/>
-              </a:p>
-              <a:p>
-                <a:pPr/>
-                <a14:m>
-                  <m:oMathPara xmlns:m="http://schemas.openxmlformats.org/officeDocument/2006/math">
-                    <m:oMathParaPr>
-                      <m:jc m:val="centerGroup"/>
-                    </m:oMathParaPr>
-                    <m:oMath xmlns:m="http://schemas.openxmlformats.org/officeDocument/2006/math">
-                      <m:d>
-                        <m:dPr>
-                          <m:begChr m:val="⌊"/>
-                          <m:endChr m:val="⌋"/>
-                          <m:ctrlPr>
-                            <a:rPr lang="lv-LV" i="1" smtClean="0">
-                              <a:latin typeface="Cambria Math" panose="02040503050406030204" pitchFamily="18" charset="0"/>
-                            </a:rPr>
-                          </m:ctrlPr>
-                        </m:dPr>
-                        <m:e>
-                          <m:r>
-                            <a:rPr lang="ru-RU" b="0" i="1" smtClean="0">
-                              <a:latin typeface="Cambria Math" panose="02040503050406030204" pitchFamily="18" charset="0"/>
-                            </a:rPr>
-                            <m:t>2</m:t>
-                          </m:r>
-                          <m:r>
-                            <a:rPr lang="en-US" b="0" i="1" smtClean="0">
-                              <a:latin typeface="Cambria Math" panose="02040503050406030204" pitchFamily="18" charset="0"/>
-                            </a:rPr>
-                            <m:t>𝑥</m:t>
-                          </m:r>
-                        </m:e>
-                      </m:d>
-                      <m:r>
-                        <a:rPr lang="en-US" b="0" i="1" smtClean="0">
-                          <a:latin typeface="Cambria Math" panose="02040503050406030204" pitchFamily="18" charset="0"/>
-                        </a:rPr>
-                        <m:t>+</m:t>
-                      </m:r>
-                      <m:d>
-                        <m:dPr>
-                          <m:begChr m:val="⌊"/>
-                          <m:endChr m:val="⌋"/>
-                          <m:ctrlPr>
-                            <a:rPr lang="lv-LV" i="1">
-                              <a:latin typeface="Cambria Math" panose="02040503050406030204" pitchFamily="18" charset="0"/>
-                            </a:rPr>
-                          </m:ctrlPr>
-                        </m:dPr>
-                        <m:e>
-                          <m:r>
-                            <a:rPr lang="en-US" b="0" i="1" smtClean="0">
-                              <a:latin typeface="Cambria Math" panose="02040503050406030204" pitchFamily="18" charset="0"/>
-                            </a:rPr>
-                            <m:t>4</m:t>
-                          </m:r>
-                          <m:r>
-                            <a:rPr lang="en-US" i="1">
-                              <a:latin typeface="Cambria Math" panose="02040503050406030204" pitchFamily="18" charset="0"/>
-                            </a:rPr>
-                            <m:t>𝑥</m:t>
-                          </m:r>
-                        </m:e>
-                      </m:d>
-                      <m:r>
-                        <a:rPr lang="en-US" i="1">
-                          <a:latin typeface="Cambria Math" panose="02040503050406030204" pitchFamily="18" charset="0"/>
-                        </a:rPr>
-                        <m:t>+</m:t>
-                      </m:r>
-                      <m:d>
-                        <m:dPr>
-                          <m:begChr m:val="⌊"/>
-                          <m:endChr m:val="⌋"/>
-                          <m:ctrlPr>
-                            <a:rPr lang="lv-LV" i="1">
-                              <a:latin typeface="Cambria Math" panose="02040503050406030204" pitchFamily="18" charset="0"/>
-                            </a:rPr>
-                          </m:ctrlPr>
-                        </m:dPr>
-                        <m:e>
-                          <m:r>
-                            <a:rPr lang="en-US" b="0" i="1" smtClean="0">
-                              <a:latin typeface="Cambria Math" panose="02040503050406030204" pitchFamily="18" charset="0"/>
-                            </a:rPr>
-                            <m:t>6</m:t>
-                          </m:r>
-                          <m:r>
-                            <a:rPr lang="en-US" i="1">
-                              <a:latin typeface="Cambria Math" panose="02040503050406030204" pitchFamily="18" charset="0"/>
-                            </a:rPr>
-                            <m:t>𝑥</m:t>
-                          </m:r>
-                        </m:e>
-                      </m:d>
-                      <m:r>
-                        <a:rPr lang="en-US" i="1">
-                          <a:latin typeface="Cambria Math" panose="02040503050406030204" pitchFamily="18" charset="0"/>
-                        </a:rPr>
-                        <m:t>+</m:t>
-                      </m:r>
-                      <m:d>
-                        <m:dPr>
-                          <m:begChr m:val="⌊"/>
-                          <m:endChr m:val="⌋"/>
-                          <m:ctrlPr>
-                            <a:rPr lang="lv-LV" i="1">
-                              <a:latin typeface="Cambria Math" panose="02040503050406030204" pitchFamily="18" charset="0"/>
-                            </a:rPr>
-                          </m:ctrlPr>
-                        </m:dPr>
-                        <m:e>
-                          <m:r>
-                            <a:rPr lang="en-US" b="0" i="1" smtClean="0">
-                              <a:latin typeface="Cambria Math" panose="02040503050406030204" pitchFamily="18" charset="0"/>
-                            </a:rPr>
-                            <m:t>8</m:t>
-                          </m:r>
-                          <m:r>
-                            <a:rPr lang="en-US" i="1">
-                              <a:latin typeface="Cambria Math" panose="02040503050406030204" pitchFamily="18" charset="0"/>
-                            </a:rPr>
-                            <m:t>𝑥</m:t>
-                          </m:r>
-                        </m:e>
-                      </m:d>
-                      <m:r>
-                        <a:rPr lang="en-US" b="0" i="1" smtClean="0">
-                          <a:latin typeface="Cambria Math" panose="02040503050406030204" pitchFamily="18" charset="0"/>
-                        </a:rPr>
-                        <m:t>.</m:t>
-                      </m:r>
-                    </m:oMath>
-                  </m:oMathPara>
-                </a14:m>
-                <a:endParaRPr lang="lv-LV" dirty="0" smtClean="0"/>
-              </a:p>
-              <a:p>
-                <a:endParaRPr lang="lv-LV" dirty="0"/>
-              </a:p>
-              <a:p>
-                <a:r>
-                  <a:rPr lang="lv-LV" dirty="0" smtClean="0"/>
-                  <a:t>[1;10] ir 6 vērtības.</a:t>
-                </a:r>
-              </a:p>
-              <a:p>
-                <a:r>
-                  <a:rPr lang="lv-LV" dirty="0" smtClean="0"/>
-                  <a:t>Simetrijas dēļ – citur ir tāpat. </a:t>
-                </a:r>
-              </a:p>
-              <a:p>
-                <a:r>
-                  <a:rPr lang="lv-LV" dirty="0" smtClean="0"/>
-                  <a:t>60 vērtības, kuras var dabūt.</a:t>
-                </a:r>
-                <a:endParaRPr lang="lv-LV" dirty="0"/>
-              </a:p>
-              <a:p>
-                <a:endParaRPr lang="lv-LV" dirty="0"/>
-              </a:p>
-              <a:p>
-                <a:endParaRPr lang="lv-LV" dirty="0"/>
-              </a:p>
-              <a:p>
-                <a:endParaRPr lang="lv-LV" dirty="0"/>
-              </a:p>
-            </p:txBody>
-          </p:sp>
-        </mc:Choice>
-        <mc:Fallback xmlns="">
-          <p:sp>
-            <p:nvSpPr>
-              <p:cNvPr id="6" name="Content Placeholder 5"/>
-              <p:cNvSpPr>
-                <a:spLocks noGrp="1" noRot="1" noChangeAspect="1" noMove="1" noResize="1" noEditPoints="1" noAdjustHandles="1" noChangeArrowheads="1" noChangeShapeType="1" noTextEdit="1"/>
-              </p:cNvSpPr>
-              <p:nvPr>
-                <p:ph idx="1"/>
-              </p:nvPr>
-            </p:nvSpPr>
-            <p:spPr>
-              <a:blipFill>
-                <a:blip r:embed="rId2"/>
-                <a:stretch>
-                  <a:fillRect l="-2163" t="-2318" r="-2019"/>
-                </a:stretch>
-              </a:blipFill>
-            </p:spPr>
-            <p:txBody>
-              <a:bodyPr/>
-              <a:lstStyle/>
-              <a:p>
-                <a:r>
-                  <a:rPr lang="lv-LV">
-                    <a:noFill/>
-                  </a:rPr>
-                  <a:t> </a:t>
-                </a:r>
-              </a:p>
-            </p:txBody>
-          </p:sp>
-        </mc:Fallback>
-      </mc:AlternateContent>
-      <p:sp>
-        <p:nvSpPr>
-          <p:cNvPr id="5" name="Title 4"/>
-          <p:cNvSpPr>
-            <a:spLocks noGrp="1"/>
-          </p:cNvSpPr>
-          <p:nvPr>
-            <p:ph type="title"/>
-          </p:nvPr>
-        </p:nvSpPr>
-        <p:spPr/>
-        <p:txBody>
-          <a:bodyPr/>
-          <a:lstStyle/>
-          <a:p>
-            <a:r>
-              <a:rPr lang="lv-LV" dirty="0" smtClean="0"/>
-              <a:t>Quiz2021#4.3</a:t>
-            </a:r>
-            <a:endParaRPr lang="lv-LV" dirty="0"/>
-          </a:p>
-        </p:txBody>
-      </p:sp>
-    </p:spTree>
-    <p:extLst>
-      <p:ext uri="{BB962C8B-B14F-4D97-AF65-F5344CB8AC3E}">
-        <p14:creationId xmlns:p14="http://schemas.microsoft.com/office/powerpoint/2010/main" val="2958888442"/>
-      </p:ext>
-    </p:extLst>
-  </p:cSld>
-  <p:clrMapOvr>
-    <a:masterClrMapping/>
-  </p:clrMapOvr>
-  <p:timing>
-    <p:tnLst>
-      <p:par>
-        <p:cTn id="1" dur="indefinite" restart="never" nodeType="tmRoot"/>
-      </p:par>
-    </p:tnLst>
-  </p:timing>
-</p:sld>
-</file>
-
-<file path=ppt/slides/slide8.xml><?xml version="1.0" encoding="utf-8"?>
-<p:sld xmlns:a="http://schemas.openxmlformats.org/drawingml/2006/main" xmlns:r="http://schemas.openxmlformats.org/officeDocument/2006/relationships" xmlns:p="http://schemas.openxmlformats.org/presentationml/2006/main">
-  <p:cSld>
-    <p:spTree>
-      <p:nvGrpSpPr>
-        <p:cNvPr id="1" name=""/>
-        <p:cNvGrpSpPr/>
-        <p:nvPr/>
-      </p:nvGrpSpPr>
-      <p:grpSpPr>
-        <a:xfrm>
-          <a:off x="0" y="0"/>
-          <a:ext cx="0" cy="0"/>
-          <a:chOff x="0" y="0"/>
-          <a:chExt cx="0" cy="0"/>
-        </a:xfrm>
-      </p:grpSpPr>
-      <mc:AlternateContent xmlns:mc="http://schemas.openxmlformats.org/markup-compatibility/2006" xmlns:a14="http://schemas.microsoft.com/office/drawing/2010/main">
-        <mc:Choice Requires="a14">
-          <p:sp>
-            <p:nvSpPr>
-              <p:cNvPr id="6" name="Content Placeholder 5"/>
-              <p:cNvSpPr>
-                <a:spLocks noGrp="1"/>
-              </p:cNvSpPr>
-              <p:nvPr>
-                <p:ph idx="1"/>
-              </p:nvPr>
-            </p:nvSpPr>
-            <p:spPr/>
-            <p:txBody>
-              <a:bodyPr/>
-              <a:lstStyle/>
-              <a:p>
-                <a:r>
-                  <a:rPr lang="lv-LV" b="1" dirty="0" smtClean="0"/>
-                  <a:t>Ieteikums 1:</a:t>
-                </a:r>
-                <a:r>
-                  <a:rPr lang="lv-LV" dirty="0" smtClean="0"/>
-                  <a:t> Funkcijas </a:t>
-                </a:r>
-              </a:p>
-              <a:p>
-                <a:pPr/>
-                <a14:m>
-                  <m:oMathPara xmlns:m="http://schemas.openxmlformats.org/officeDocument/2006/math">
-                    <m:oMathParaPr>
-                      <m:jc m:val="centerGroup"/>
-                    </m:oMathParaPr>
-                    <m:oMath xmlns:m="http://schemas.openxmlformats.org/officeDocument/2006/math">
-                      <m:r>
-                        <a:rPr lang="lv-LV" b="0" i="1" smtClean="0">
-                          <a:latin typeface="Cambria Math" panose="02040503050406030204" pitchFamily="18" charset="0"/>
-                        </a:rPr>
-                        <m:t>𝑓</m:t>
-                      </m:r>
-                      <m:d>
-                        <m:dPr>
-                          <m:ctrlPr>
-                            <a:rPr lang="lv-LV" b="0" i="1" smtClean="0">
-                              <a:latin typeface="Cambria Math" panose="02040503050406030204" pitchFamily="18" charset="0"/>
-                            </a:rPr>
-                          </m:ctrlPr>
-                        </m:dPr>
-                        <m:e>
-                          <m:r>
-                            <a:rPr lang="lv-LV" b="0" i="1" smtClean="0">
-                              <a:latin typeface="Cambria Math" panose="02040503050406030204" pitchFamily="18" charset="0"/>
-                            </a:rPr>
-                            <m:t>𝑥</m:t>
-                          </m:r>
-                        </m:e>
-                      </m:d>
-                      <m:r>
-                        <a:rPr lang="lv-LV" b="0" i="1" smtClean="0">
-                          <a:latin typeface="Cambria Math" panose="02040503050406030204" pitchFamily="18" charset="0"/>
-                        </a:rPr>
-                        <m:t>=</m:t>
-                      </m:r>
-                      <m:d>
-                        <m:dPr>
-                          <m:begChr m:val="⌊"/>
-                          <m:endChr m:val="⌋"/>
-                          <m:ctrlPr>
-                            <a:rPr lang="lv-LV" i="1">
-                              <a:latin typeface="Cambria Math" panose="02040503050406030204" pitchFamily="18" charset="0"/>
-                            </a:rPr>
-                          </m:ctrlPr>
-                        </m:dPr>
-                        <m:e>
-                          <m:r>
-                            <a:rPr lang="ru-RU" i="1">
-                              <a:latin typeface="Cambria Math" panose="02040503050406030204" pitchFamily="18" charset="0"/>
-                            </a:rPr>
-                            <m:t>2</m:t>
-                          </m:r>
-                          <m:r>
-                            <a:rPr lang="en-US" i="1">
-                              <a:latin typeface="Cambria Math" panose="02040503050406030204" pitchFamily="18" charset="0"/>
-                            </a:rPr>
-                            <m:t>𝑥</m:t>
-                          </m:r>
-                        </m:e>
-                      </m:d>
-                      <m:r>
-                        <a:rPr lang="en-US" i="1">
-                          <a:latin typeface="Cambria Math" panose="02040503050406030204" pitchFamily="18" charset="0"/>
-                        </a:rPr>
-                        <m:t>+</m:t>
-                      </m:r>
-                      <m:d>
-                        <m:dPr>
-                          <m:begChr m:val="⌊"/>
-                          <m:endChr m:val="⌋"/>
-                          <m:ctrlPr>
-                            <a:rPr lang="lv-LV" i="1">
-                              <a:latin typeface="Cambria Math" panose="02040503050406030204" pitchFamily="18" charset="0"/>
-                            </a:rPr>
-                          </m:ctrlPr>
-                        </m:dPr>
-                        <m:e>
-                          <m:r>
-                            <a:rPr lang="en-US" i="1">
-                              <a:latin typeface="Cambria Math" panose="02040503050406030204" pitchFamily="18" charset="0"/>
-                            </a:rPr>
-                            <m:t>4</m:t>
-                          </m:r>
-                          <m:r>
-                            <a:rPr lang="en-US" i="1">
-                              <a:latin typeface="Cambria Math" panose="02040503050406030204" pitchFamily="18" charset="0"/>
-                            </a:rPr>
-                            <m:t>𝑥</m:t>
-                          </m:r>
-                        </m:e>
-                      </m:d>
-                      <m:r>
-                        <a:rPr lang="en-US" i="1">
-                          <a:latin typeface="Cambria Math" panose="02040503050406030204" pitchFamily="18" charset="0"/>
-                        </a:rPr>
-                        <m:t>+</m:t>
-                      </m:r>
-                      <m:d>
-                        <m:dPr>
-                          <m:begChr m:val="⌊"/>
-                          <m:endChr m:val="⌋"/>
-                          <m:ctrlPr>
-                            <a:rPr lang="lv-LV" i="1">
-                              <a:latin typeface="Cambria Math" panose="02040503050406030204" pitchFamily="18" charset="0"/>
-                            </a:rPr>
-                          </m:ctrlPr>
-                        </m:dPr>
-                        <m:e>
-                          <m:r>
-                            <a:rPr lang="en-US" i="1">
-                              <a:latin typeface="Cambria Math" panose="02040503050406030204" pitchFamily="18" charset="0"/>
-                            </a:rPr>
-                            <m:t>6</m:t>
-                          </m:r>
-                          <m:r>
-                            <a:rPr lang="en-US" i="1">
-                              <a:latin typeface="Cambria Math" panose="02040503050406030204" pitchFamily="18" charset="0"/>
-                            </a:rPr>
-                            <m:t>𝑥</m:t>
-                          </m:r>
-                        </m:e>
-                      </m:d>
-                      <m:r>
-                        <a:rPr lang="en-US" i="1">
-                          <a:latin typeface="Cambria Math" panose="02040503050406030204" pitchFamily="18" charset="0"/>
-                        </a:rPr>
-                        <m:t>+</m:t>
-                      </m:r>
-                      <m:d>
-                        <m:dPr>
-                          <m:begChr m:val="⌊"/>
-                          <m:endChr m:val="⌋"/>
-                          <m:ctrlPr>
-                            <a:rPr lang="lv-LV" i="1">
-                              <a:latin typeface="Cambria Math" panose="02040503050406030204" pitchFamily="18" charset="0"/>
-                            </a:rPr>
-                          </m:ctrlPr>
-                        </m:dPr>
-                        <m:e>
-                          <m:r>
-                            <a:rPr lang="en-US" i="1">
-                              <a:latin typeface="Cambria Math" panose="02040503050406030204" pitchFamily="18" charset="0"/>
-                            </a:rPr>
-                            <m:t>8</m:t>
-                          </m:r>
-                          <m:r>
-                            <a:rPr lang="en-US" i="1">
-                              <a:latin typeface="Cambria Math" panose="02040503050406030204" pitchFamily="18" charset="0"/>
-                            </a:rPr>
-                            <m:t>𝑥</m:t>
-                          </m:r>
-                        </m:e>
-                      </m:d>
-                      <m:r>
-                        <a:rPr lang="en-US" i="1">
-                          <a:latin typeface="Cambria Math" panose="02040503050406030204" pitchFamily="18" charset="0"/>
-                        </a:rPr>
-                        <m:t>.</m:t>
-                      </m:r>
-                    </m:oMath>
-                  </m:oMathPara>
-                </a14:m>
-                <a:endParaRPr lang="lv-LV" dirty="0"/>
-              </a:p>
-              <a:p>
-                <a:r>
-                  <a:rPr lang="lv-LV" dirty="0" smtClean="0"/>
-                  <a:t>grafiks simetrisks pret paralēlajām pārnesēm.</a:t>
-                </a:r>
-              </a:p>
-              <a:p>
-                <a:r>
-                  <a:rPr lang="lv-LV" b="1" dirty="0"/>
-                  <a:t>Ieteikums </a:t>
-                </a:r>
-                <a:r>
-                  <a:rPr lang="lv-LV" b="1" dirty="0" smtClean="0"/>
-                  <a:t>2: </a:t>
-                </a:r>
-                <a:r>
-                  <a:rPr lang="lv-LV" dirty="0" smtClean="0"/>
-                  <a:t>Pietiek aplūkot tās vērtības, kurām saucējā ir LKD(2,4,6,8).</a:t>
-                </a:r>
-                <a:endParaRPr lang="lv-LV" dirty="0"/>
-              </a:p>
-            </p:txBody>
-          </p:sp>
-        </mc:Choice>
-        <mc:Fallback xmlns="">
-          <p:sp>
-            <p:nvSpPr>
-              <p:cNvPr id="6" name="Content Placeholder 5"/>
-              <p:cNvSpPr>
-                <a:spLocks noGrp="1" noRot="1" noChangeAspect="1" noMove="1" noResize="1" noEditPoints="1" noAdjustHandles="1" noChangeArrowheads="1" noChangeShapeType="1" noTextEdit="1"/>
-              </p:cNvSpPr>
-              <p:nvPr>
-                <p:ph idx="1"/>
-              </p:nvPr>
-            </p:nvSpPr>
-            <p:spPr>
-              <a:blipFill>
-                <a:blip r:embed="rId3"/>
-                <a:stretch>
-                  <a:fillRect l="-2163" t="-2318"/>
-                </a:stretch>
-              </a:blipFill>
-            </p:spPr>
-            <p:txBody>
-              <a:bodyPr/>
-              <a:lstStyle/>
-              <a:p>
-                <a:r>
-                  <a:rPr lang="lv-LV">
-                    <a:noFill/>
-                  </a:rPr>
-                  <a:t> </a:t>
-                </a:r>
-              </a:p>
-            </p:txBody>
-          </p:sp>
-        </mc:Fallback>
-      </mc:AlternateContent>
-      <p:sp>
-        <p:nvSpPr>
-          <p:cNvPr id="5" name="Title 4"/>
-          <p:cNvSpPr>
-            <a:spLocks noGrp="1"/>
-          </p:cNvSpPr>
-          <p:nvPr>
-            <p:ph type="title"/>
-          </p:nvPr>
-        </p:nvSpPr>
-        <p:spPr/>
-        <p:txBody>
-          <a:bodyPr/>
-          <a:lstStyle/>
-          <a:p>
-            <a:endParaRPr lang="lv-LV"/>
-          </a:p>
-        </p:txBody>
-      </p:sp>
-    </p:spTree>
-    <p:extLst>
-      <p:ext uri="{BB962C8B-B14F-4D97-AF65-F5344CB8AC3E}">
-        <p14:creationId xmlns:p14="http://schemas.microsoft.com/office/powerpoint/2010/main" val="2322877784"/>
-      </p:ext>
-    </p:extLst>
-  </p:cSld>
-  <p:clrMapOvr>
-    <a:masterClrMapping/>
-  </p:clrMapOvr>
-  <p:timing>
-    <p:tnLst>
-      <p:par>
-        <p:cTn id="1" dur="indefinite" restart="never" nodeType="tmRoot"/>
-      </p:par>
-    </p:tnLst>
-  </p:timing>
-</p:sld>
-</file>
-
-<file path=ppt/slides/slide9.xml><?xml version="1.0" encoding="utf-8"?>
-<p:sld xmlns:a="http://schemas.openxmlformats.org/drawingml/2006/main" xmlns:r="http://schemas.openxmlformats.org/officeDocument/2006/relationships" xmlns:p="http://schemas.openxmlformats.org/presentationml/2006/main">
-  <p:cSld>
-    <p:spTree>
-      <p:nvGrpSpPr>
-        <p:cNvPr id="1" name=""/>
-        <p:cNvGrpSpPr/>
-        <p:nvPr/>
-      </p:nvGrpSpPr>
-      <p:grpSpPr>
-        <a:xfrm>
-          <a:off x="0" y="0"/>
-          <a:ext cx="0" cy="0"/>
-          <a:chOff x="0" y="0"/>
-          <a:chExt cx="0" cy="0"/>
-        </a:xfrm>
-      </p:grpSpPr>
-      <mc:AlternateContent xmlns:mc="http://schemas.openxmlformats.org/markup-compatibility/2006" xmlns:a14="http://schemas.microsoft.com/office/drawing/2010/main">
-        <mc:Choice Requires="a14">
-          <p:sp>
-            <p:nvSpPr>
-              <p:cNvPr id="6" name="Content Placeholder 5"/>
-              <p:cNvSpPr>
-                <a:spLocks noGrp="1"/>
-              </p:cNvSpPr>
-              <p:nvPr>
-                <p:ph idx="1"/>
-              </p:nvPr>
-            </p:nvSpPr>
-            <p:spPr/>
-            <p:txBody>
-              <a:bodyPr/>
-              <a:lstStyle/>
-              <a:p>
-                <a:r>
-                  <a:rPr lang="lv-LV" dirty="0" smtClean="0"/>
-                  <a:t>Dots pozitīvs skaitlis </a:t>
-                </a:r>
-                <a14:m>
-                  <m:oMath xmlns:m="http://schemas.openxmlformats.org/officeDocument/2006/math">
-                    <m:r>
-                      <a:rPr lang="lv-LV" i="1" smtClean="0">
-                        <a:latin typeface="Cambria Math" panose="02040503050406030204" pitchFamily="18" charset="0"/>
-                      </a:rPr>
-                      <m:t>𝑎</m:t>
-                    </m:r>
-                  </m:oMath>
-                </a14:m>
-                <a:r>
-                  <a:rPr lang="lv-LV" dirty="0" smtClean="0"/>
-                  <a:t>, kam </a:t>
-                </a:r>
-                <a14:m>
-                  <m:oMath xmlns:m="http://schemas.openxmlformats.org/officeDocument/2006/math">
-                    <m:d>
-                      <m:dPr>
-                        <m:begChr m:val="{"/>
-                        <m:endChr m:val="}"/>
-                        <m:ctrlPr>
-                          <a:rPr lang="lv-LV" i="1" smtClean="0">
-                            <a:latin typeface="Cambria Math" panose="02040503050406030204" pitchFamily="18" charset="0"/>
-                          </a:rPr>
-                        </m:ctrlPr>
-                      </m:dPr>
-                      <m:e>
-                        <m:sSup>
-                          <m:sSupPr>
-                            <m:ctrlPr>
-                              <a:rPr lang="lv-LV" i="1" smtClean="0">
-                                <a:latin typeface="Cambria Math" panose="02040503050406030204" pitchFamily="18" charset="0"/>
-                              </a:rPr>
-                            </m:ctrlPr>
-                          </m:sSupPr>
-                          <m:e>
-                            <m:r>
-                              <a:rPr lang="lv-LV" b="0" i="1" smtClean="0">
-                                <a:latin typeface="Cambria Math" panose="02040503050406030204" pitchFamily="18" charset="0"/>
-                              </a:rPr>
-                              <m:t>𝑎</m:t>
-                            </m:r>
-                          </m:e>
-                          <m:sup>
-                            <m:r>
-                              <a:rPr lang="lv-LV" b="0" i="1" smtClean="0">
-                                <a:latin typeface="Cambria Math" panose="02040503050406030204" pitchFamily="18" charset="0"/>
-                              </a:rPr>
-                              <m:t>−1</m:t>
-                            </m:r>
-                          </m:sup>
-                        </m:sSup>
-                      </m:e>
-                    </m:d>
-                    <m:r>
-                      <a:rPr lang="lv-LV" b="0" i="1" smtClean="0">
-                        <a:latin typeface="Cambria Math" panose="02040503050406030204" pitchFamily="18" charset="0"/>
-                      </a:rPr>
-                      <m:t>=</m:t>
-                    </m:r>
-                    <m:d>
-                      <m:dPr>
-                        <m:begChr m:val="{"/>
-                        <m:endChr m:val="}"/>
-                        <m:ctrlPr>
-                          <a:rPr lang="lv-LV" b="0" i="1" smtClean="0">
-                            <a:latin typeface="Cambria Math" panose="02040503050406030204" pitchFamily="18" charset="0"/>
-                          </a:rPr>
-                        </m:ctrlPr>
-                      </m:dPr>
-                      <m:e>
-                        <m:sSup>
-                          <m:sSupPr>
-                            <m:ctrlPr>
-                              <a:rPr lang="lv-LV" b="0" i="1" smtClean="0">
-                                <a:latin typeface="Cambria Math" panose="02040503050406030204" pitchFamily="18" charset="0"/>
-                              </a:rPr>
-                            </m:ctrlPr>
-                          </m:sSupPr>
-                          <m:e>
-                            <m:r>
-                              <a:rPr lang="lv-LV" b="0" i="1" smtClean="0">
-                                <a:latin typeface="Cambria Math" panose="02040503050406030204" pitchFamily="18" charset="0"/>
-                              </a:rPr>
-                              <m:t>𝑎</m:t>
-                            </m:r>
-                          </m:e>
-                          <m:sup>
-                            <m:r>
-                              <a:rPr lang="lv-LV" b="0" i="1" smtClean="0">
-                                <a:latin typeface="Cambria Math" panose="02040503050406030204" pitchFamily="18" charset="0"/>
-                              </a:rPr>
-                              <m:t>2</m:t>
-                            </m:r>
-                          </m:sup>
-                        </m:sSup>
-                      </m:e>
-                    </m:d>
-                  </m:oMath>
-                </a14:m>
-                <a:r>
-                  <a:rPr lang="lv-LV" dirty="0"/>
-                  <a:t> un </a:t>
-                </a:r>
-                <a14:m>
-                  <m:oMath xmlns:m="http://schemas.openxmlformats.org/officeDocument/2006/math">
-                    <m:r>
-                      <a:rPr lang="lv-LV" i="1" dirty="0" smtClean="0">
-                        <a:latin typeface="Cambria Math" panose="02040503050406030204" pitchFamily="18" charset="0"/>
-                      </a:rPr>
-                      <m:t>2&lt;</m:t>
-                    </m:r>
-                    <m:sSup>
-                      <m:sSupPr>
-                        <m:ctrlPr>
-                          <a:rPr lang="lv-LV" i="1" dirty="0" smtClean="0">
-                            <a:latin typeface="Cambria Math" panose="02040503050406030204" pitchFamily="18" charset="0"/>
-                          </a:rPr>
-                        </m:ctrlPr>
-                      </m:sSupPr>
-                      <m:e>
-                        <m:r>
-                          <a:rPr lang="lv-LV" b="0" i="1" dirty="0" smtClean="0">
-                            <a:latin typeface="Cambria Math" panose="02040503050406030204" pitchFamily="18" charset="0"/>
-                          </a:rPr>
-                          <m:t>𝑎</m:t>
-                        </m:r>
-                      </m:e>
-                      <m:sup>
-                        <m:r>
-                          <a:rPr lang="lv-LV" b="0" i="1" dirty="0" smtClean="0">
-                            <a:latin typeface="Cambria Math" panose="02040503050406030204" pitchFamily="18" charset="0"/>
-                          </a:rPr>
-                          <m:t>2</m:t>
-                        </m:r>
-                      </m:sup>
-                    </m:sSup>
-                    <m:r>
-                      <a:rPr lang="lv-LV" i="1" dirty="0" smtClean="0">
-                        <a:latin typeface="Cambria Math" panose="02040503050406030204" pitchFamily="18" charset="0"/>
-                      </a:rPr>
-                      <m:t>&lt;3</m:t>
-                    </m:r>
-                  </m:oMath>
-                </a14:m>
-                <a:r>
-                  <a:rPr lang="lv-LV" dirty="0"/>
-                  <a:t>. </a:t>
-                </a:r>
-              </a:p>
-              <a:p>
-                <a:r>
-                  <a:rPr lang="lv-LV" dirty="0"/>
-                  <a:t>Atrast </a:t>
-                </a:r>
-                <a:r>
-                  <a:rPr lang="lv-LV" dirty="0" smtClean="0"/>
-                  <a:t>izteiksmes </a:t>
-                </a:r>
-                <a14:m>
-                  <m:oMath xmlns:m="http://schemas.openxmlformats.org/officeDocument/2006/math">
-                    <m:sSup>
-                      <m:sSupPr>
-                        <m:ctrlPr>
-                          <a:rPr lang="lv-LV" i="1" smtClean="0">
-                            <a:latin typeface="Cambria Math" panose="02040503050406030204" pitchFamily="18" charset="0"/>
-                          </a:rPr>
-                        </m:ctrlPr>
-                      </m:sSupPr>
-                      <m:e>
-                        <m:r>
-                          <a:rPr lang="lv-LV" b="0" i="1" smtClean="0">
-                            <a:latin typeface="Cambria Math" panose="02040503050406030204" pitchFamily="18" charset="0"/>
-                          </a:rPr>
-                          <m:t>𝑎</m:t>
-                        </m:r>
-                      </m:e>
-                      <m:sup>
-                        <m:r>
-                          <a:rPr lang="lv-LV" b="0" i="1" smtClean="0">
-                            <a:latin typeface="Cambria Math" panose="02040503050406030204" pitchFamily="18" charset="0"/>
-                          </a:rPr>
-                          <m:t>12</m:t>
-                        </m:r>
-                      </m:sup>
-                    </m:sSup>
-                    <m:r>
-                      <a:rPr lang="lv-LV" b="0" i="1" smtClean="0">
-                        <a:latin typeface="Cambria Math" panose="02040503050406030204" pitchFamily="18" charset="0"/>
-                      </a:rPr>
-                      <m:t>−144</m:t>
-                    </m:r>
-                    <m:sSup>
-                      <m:sSupPr>
-                        <m:ctrlPr>
-                          <a:rPr lang="lv-LV" b="0" i="1" smtClean="0">
-                            <a:latin typeface="Cambria Math" panose="02040503050406030204" pitchFamily="18" charset="0"/>
-                          </a:rPr>
-                        </m:ctrlPr>
-                      </m:sSupPr>
-                      <m:e>
-                        <m:r>
-                          <a:rPr lang="lv-LV" b="0" i="1" smtClean="0">
-                            <a:latin typeface="Cambria Math" panose="02040503050406030204" pitchFamily="18" charset="0"/>
-                          </a:rPr>
-                          <m:t>𝑎</m:t>
-                        </m:r>
-                      </m:e>
-                      <m:sup>
-                        <m:r>
-                          <a:rPr lang="lv-LV" b="0" i="1" smtClean="0">
-                            <a:latin typeface="Cambria Math" panose="02040503050406030204" pitchFamily="18" charset="0"/>
-                          </a:rPr>
-                          <m:t>−1</m:t>
-                        </m:r>
-                      </m:sup>
-                    </m:sSup>
-                  </m:oMath>
-                </a14:m>
-                <a:r>
-                  <a:rPr lang="lv-LV" dirty="0"/>
-                  <a:t> vērtību.</a:t>
-                </a:r>
-              </a:p>
-              <a:p>
-                <a:r>
-                  <a:rPr lang="lv-LV" dirty="0"/>
-                  <a:t/>
-                </a:r>
-                <a:br>
-                  <a:rPr lang="lv-LV" dirty="0"/>
-                </a:br>
-                <a:endParaRPr lang="lv-LV" dirty="0"/>
-              </a:p>
-            </p:txBody>
-          </p:sp>
-        </mc:Choice>
-        <mc:Fallback xmlns="">
-          <p:sp>
-            <p:nvSpPr>
-              <p:cNvPr id="6" name="Content Placeholder 5"/>
-              <p:cNvSpPr>
-                <a:spLocks noGrp="1" noRot="1" noChangeAspect="1" noMove="1" noResize="1" noEditPoints="1" noAdjustHandles="1" noChangeArrowheads="1" noChangeShapeType="1" noTextEdit="1"/>
-              </p:cNvSpPr>
-              <p:nvPr>
-                <p:ph idx="1"/>
-              </p:nvPr>
-            </p:nvSpPr>
-            <p:spPr>
-              <a:blipFill>
-                <a:blip r:embed="rId2"/>
-                <a:stretch>
-                  <a:fillRect l="-2163" t="-2318"/>
-                </a:stretch>
-              </a:blipFill>
-            </p:spPr>
-            <p:txBody>
-              <a:bodyPr/>
-              <a:lstStyle/>
-              <a:p>
-                <a:r>
-                  <a:rPr lang="lv-LV">
-                    <a:noFill/>
-                  </a:rPr>
-                  <a:t> </a:t>
-                </a:r>
-              </a:p>
-            </p:txBody>
-          </p:sp>
-        </mc:Fallback>
-      </mc:AlternateContent>
-      <p:sp>
-        <p:nvSpPr>
-          <p:cNvPr id="5" name="Title 4"/>
-          <p:cNvSpPr>
-            <a:spLocks noGrp="1"/>
-          </p:cNvSpPr>
-          <p:nvPr>
-            <p:ph type="title"/>
-          </p:nvPr>
-        </p:nvSpPr>
-        <p:spPr/>
-        <p:txBody>
-          <a:bodyPr/>
-          <a:lstStyle/>
-          <a:p>
-            <a:r>
-              <a:rPr lang="lv-LV" dirty="0" smtClean="0"/>
-              <a:t>Quiz2021#4.4</a:t>
-            </a:r>
-            <a:endParaRPr lang="lv-LV" dirty="0"/>
-          </a:p>
-        </p:txBody>
-      </p:sp>
-    </p:spTree>
-    <p:extLst>
-      <p:ext uri="{BB962C8B-B14F-4D97-AF65-F5344CB8AC3E}">
-        <p14:creationId xmlns:p14="http://schemas.microsoft.com/office/powerpoint/2010/main" val="180974388"/>
       </p:ext>
     </p:extLst>
   </p:cSld>
